--- a/ppt/multiagent_final-pochun.pptx
+++ b/ppt/multiagent_final-pochun.pptx
@@ -29,11 +29,11 @@
     <p:sldId id="272" r:id="rId20"/>
     <p:sldId id="284" r:id="rId21"/>
     <p:sldId id="262" r:id="rId22"/>
-    <p:sldId id="273" r:id="rId23"/>
+    <p:sldId id="290" r:id="rId23"/>
     <p:sldId id="274" r:id="rId24"/>
     <p:sldId id="287" r:id="rId25"/>
-    <p:sldId id="288" r:id="rId26"/>
-    <p:sldId id="289" r:id="rId27"/>
+    <p:sldId id="291" r:id="rId26"/>
+    <p:sldId id="292" r:id="rId27"/>
     <p:sldId id="263" r:id="rId28"/>
     <p:sldId id="285" r:id="rId29"/>
     <p:sldId id="286" r:id="rId30"/>
@@ -222,7 +222,7 @@
             <a:fld id="{00BBBE74-A544-4402-966F-3F455D52B2F2}" type="datetimeFigureOut">
               <a:rPr lang="zh-TW" altLang="en-US" smtClean="0"/>
               <a:pPr/>
-              <a:t>2012-06-21</a:t>
+              <a:t>12/6/21</a:t>
             </a:fld>
             <a:endParaRPr lang="zh-TW" altLang="en-US"/>
           </a:p>
@@ -391,6 +391,11 @@
         </p:txBody>
       </p:sp>
     </p:spTree>
+    <p:extLst>
+      <p:ext uri="{BB962C8B-B14F-4D97-AF65-F5344CB8AC3E}">
+        <p14:creationId xmlns:p14="http://schemas.microsoft.com/office/powerpoint/2010/main" val="163073132"/>
+      </p:ext>
+    </p:extLst>
   </p:cSld>
   <p:clrMap bg1="lt1" tx1="dk1" bg2="lt2" tx2="dk2" accent1="accent1" accent2="accent2" accent3="accent3" accent4="accent4" accent5="accent5" accent6="accent6" hlink="hlink" folHlink="folHlink"/>
   <p:notesStyle>
@@ -872,7 +877,7 @@
             <a:fld id="{A5D50B44-BB17-B248-8DAD-29D9795A51AB}" type="datetimeFigureOut">
               <a:rPr lang="en-US" smtClean="0"/>
               <a:pPr/>
-              <a:t>6/21/2012</a:t>
+              <a:t>12/6/21</a:t>
             </a:fld>
             <a:endParaRPr lang="en-US"/>
           </a:p>
@@ -1743,7 +1748,7 @@
             <a:fld id="{A5D50B44-BB17-B248-8DAD-29D9795A51AB}" type="datetimeFigureOut">
               <a:rPr lang="en-US" smtClean="0"/>
               <a:pPr/>
-              <a:t>6/21/2012</a:t>
+              <a:t>12/6/21</a:t>
             </a:fld>
             <a:endParaRPr lang="en-US"/>
           </a:p>
@@ -1920,7 +1925,7 @@
             <a:fld id="{A5D50B44-BB17-B248-8DAD-29D9795A51AB}" type="datetimeFigureOut">
               <a:rPr lang="en-US" smtClean="0"/>
               <a:pPr/>
-              <a:t>6/21/2012</a:t>
+              <a:t>12/6/21</a:t>
             </a:fld>
             <a:endParaRPr lang="en-US"/>
           </a:p>
@@ -2092,7 +2097,7 @@
             <a:fld id="{A5D50B44-BB17-B248-8DAD-29D9795A51AB}" type="datetimeFigureOut">
               <a:rPr lang="en-US" smtClean="0"/>
               <a:pPr/>
-              <a:t>6/21/2012</a:t>
+              <a:t>12/6/21</a:t>
             </a:fld>
             <a:endParaRPr lang="en-US"/>
           </a:p>
@@ -2304,7 +2309,7 @@
             <a:fld id="{A5D50B44-BB17-B248-8DAD-29D9795A51AB}" type="datetimeFigureOut">
               <a:rPr lang="en-US" smtClean="0"/>
               <a:pPr/>
-              <a:t>6/21/2012</a:t>
+              <a:t>12/6/21</a:t>
             </a:fld>
             <a:endParaRPr lang="en-US"/>
           </a:p>
@@ -3120,7 +3125,7 @@
             <a:fld id="{A5D50B44-BB17-B248-8DAD-29D9795A51AB}" type="datetimeFigureOut">
               <a:rPr lang="en-US" smtClean="0"/>
               <a:pPr/>
-              <a:t>6/21/2012</a:t>
+              <a:t>12/6/21</a:t>
             </a:fld>
             <a:endParaRPr lang="en-US"/>
           </a:p>
@@ -3358,7 +3363,7 @@
             <a:fld id="{A5D50B44-BB17-B248-8DAD-29D9795A51AB}" type="datetimeFigureOut">
               <a:rPr lang="en-US" smtClean="0"/>
               <a:pPr/>
-              <a:t>6/21/2012</a:t>
+              <a:t>12/6/21</a:t>
             </a:fld>
             <a:endParaRPr lang="en-US"/>
           </a:p>
@@ -3683,7 +3688,7 @@
             <a:fld id="{A5D50B44-BB17-B248-8DAD-29D9795A51AB}" type="datetimeFigureOut">
               <a:rPr lang="en-US" smtClean="0"/>
               <a:pPr/>
-              <a:t>6/21/2012</a:t>
+              <a:t>12/6/21</a:t>
             </a:fld>
             <a:endParaRPr lang="en-US"/>
           </a:p>
@@ -3775,7 +3780,7 @@
             <a:fld id="{A5D50B44-BB17-B248-8DAD-29D9795A51AB}" type="datetimeFigureOut">
               <a:rPr lang="en-US" smtClean="0"/>
               <a:pPr/>
-              <a:t>6/21/2012</a:t>
+              <a:t>12/6/21</a:t>
             </a:fld>
             <a:endParaRPr lang="en-US"/>
           </a:p>
@@ -4294,7 +4299,7 @@
             <a:fld id="{A5D50B44-BB17-B248-8DAD-29D9795A51AB}" type="datetimeFigureOut">
               <a:rPr lang="en-US" smtClean="0"/>
               <a:pPr/>
-              <a:t>6/21/2012</a:t>
+              <a:t>12/6/21</a:t>
             </a:fld>
             <a:endParaRPr lang="en-US"/>
           </a:p>
@@ -4807,7 +4812,7 @@
             <a:fld id="{A5D50B44-BB17-B248-8DAD-29D9795A51AB}" type="datetimeFigureOut">
               <a:rPr lang="en-US" smtClean="0"/>
               <a:pPr/>
-              <a:t>6/21/2012</a:t>
+              <a:t>12/6/21</a:t>
             </a:fld>
             <a:endParaRPr lang="en-US"/>
           </a:p>
@@ -5054,7 +5059,7 @@
             <a:fld id="{A5D50B44-BB17-B248-8DAD-29D9795A51AB}" type="datetimeFigureOut">
               <a:rPr lang="en-US" smtClean="0"/>
               <a:pPr/>
-              <a:t>6/21/2012</a:t>
+              <a:t>12/6/21</a:t>
             </a:fld>
             <a:endParaRPr lang="en-US"/>
           </a:p>
@@ -5723,7 +5728,7 @@
         </p:spPr>
         <p:txBody>
           <a:bodyPr>
-            <a:normAutofit/>
+            <a:normAutofit fontScale="90000"/>
           </a:bodyPr>
           <a:lstStyle/>
           <a:p>
@@ -5801,7 +5806,7 @@
     </p:spTree>
     <p:extLst>
       <p:ext uri="{BB962C8B-B14F-4D97-AF65-F5344CB8AC3E}">
-        <p14:creationId xmlns="" xmlns:p14="http://schemas.microsoft.com/office/powerpoint/2010/main" val="657994666"/>
+        <p14:creationId xmlns:p14="http://schemas.microsoft.com/office/powerpoint/2010/main" val="657994666"/>
       </p:ext>
     </p:extLst>
   </p:cSld>
@@ -5811,7 +5816,7 @@
   <p:timing>
     <p:tnLst>
       <p:par>
-        <p:cTn id="1" dur="indefinite" restart="never" nodeType="tmRoot"/>
+        <p:cTn xmlns:p14="http://schemas.microsoft.com/office/powerpoint/2010/main" id="1" dur="indefinite" restart="never" nodeType="tmRoot"/>
       </p:par>
     </p:tnLst>
   </p:timing>
@@ -5897,7 +5902,7 @@
     </p:spTree>
     <p:extLst>
       <p:ext uri="{BB962C8B-B14F-4D97-AF65-F5344CB8AC3E}">
-        <p14:creationId xmlns="" xmlns:p14="http://schemas.microsoft.com/office/powerpoint/2010/main" val="1156864230"/>
+        <p14:creationId xmlns:p14="http://schemas.microsoft.com/office/powerpoint/2010/main" val="1156864230"/>
       </p:ext>
     </p:extLst>
   </p:cSld>
@@ -5907,7 +5912,7 @@
   <p:timing>
     <p:tnLst>
       <p:par>
-        <p:cTn id="1" dur="indefinite" restart="never" nodeType="tmRoot"/>
+        <p:cTn xmlns:p14="http://schemas.microsoft.com/office/powerpoint/2010/main" id="1" dur="indefinite" restart="never" nodeType="tmRoot"/>
       </p:par>
     </p:tnLst>
   </p:timing>
@@ -5995,7 +6000,7 @@
     </p:spTree>
     <p:extLst>
       <p:ext uri="{BB962C8B-B14F-4D97-AF65-F5344CB8AC3E}">
-        <p14:creationId xmlns="" xmlns:p14="http://schemas.microsoft.com/office/powerpoint/2010/main" val="429716362"/>
+        <p14:creationId xmlns:p14="http://schemas.microsoft.com/office/powerpoint/2010/main" val="429716362"/>
       </p:ext>
     </p:extLst>
   </p:cSld>
@@ -6005,7 +6010,7 @@
   <p:timing>
     <p:tnLst>
       <p:par>
-        <p:cTn id="1" dur="indefinite" restart="never" nodeType="tmRoot"/>
+        <p:cTn xmlns:p14="http://schemas.microsoft.com/office/powerpoint/2010/main" id="1" dur="indefinite" restart="never" nodeType="tmRoot"/>
       </p:par>
     </p:tnLst>
   </p:timing>
@@ -6091,8 +6096,16 @@
           <a:p>
             <a:pPr lvl="1"/>
             <a:r>
+              <a:rPr lang="en-US" dirty="0"/>
+              <a:t>C</a:t>
+            </a:r>
+            <a:r>
               <a:rPr lang="en-US" dirty="0" smtClean="0"/>
-              <a:t>The current traffic information</a:t>
+              <a:t>urrent </a:t>
+            </a:r>
+            <a:r>
+              <a:rPr lang="en-US" dirty="0" smtClean="0"/>
+              <a:t>traffic information</a:t>
             </a:r>
           </a:p>
           <a:p>
@@ -6100,13 +6113,6 @@
             <a:r>
               <a:rPr lang="en-US" dirty="0" smtClean="0"/>
               <a:t>Real Taipei bus routes in operation (include departure intervals)</a:t>
-            </a:r>
-          </a:p>
-          <a:p>
-            <a:pPr lvl="1"/>
-            <a:r>
-              <a:rPr lang="en-US" dirty="0" smtClean="0"/>
-              <a:t>Traffic information</a:t>
             </a:r>
           </a:p>
           <a:p>
@@ -6131,7 +6137,7 @@
     </p:spTree>
     <p:extLst>
       <p:ext uri="{BB962C8B-B14F-4D97-AF65-F5344CB8AC3E}">
-        <p14:creationId xmlns="" xmlns:p14="http://schemas.microsoft.com/office/powerpoint/2010/main" val="1156864230"/>
+        <p14:creationId xmlns:p14="http://schemas.microsoft.com/office/powerpoint/2010/main" val="1156864230"/>
       </p:ext>
     </p:extLst>
   </p:cSld>
@@ -6141,7 +6147,7 @@
   <p:timing>
     <p:tnLst>
       <p:par>
-        <p:cTn id="1" dur="indefinite" restart="never" nodeType="tmRoot"/>
+        <p:cTn xmlns:p14="http://schemas.microsoft.com/office/powerpoint/2010/main" id="1" dur="indefinite" restart="never" nodeType="tmRoot"/>
       </p:par>
     </p:tnLst>
   </p:timing>
@@ -6270,7 +6276,7 @@
     </p:spTree>
     <p:extLst>
       <p:ext uri="{BB962C8B-B14F-4D97-AF65-F5344CB8AC3E}">
-        <p14:creationId xmlns="" xmlns:p14="http://schemas.microsoft.com/office/powerpoint/2010/main" val="3748268008"/>
+        <p14:creationId xmlns:p14="http://schemas.microsoft.com/office/powerpoint/2010/main" val="3748268008"/>
       </p:ext>
     </p:extLst>
   </p:cSld>
@@ -6280,7 +6286,7 @@
   <p:timing>
     <p:tnLst>
       <p:par>
-        <p:cTn id="1" dur="indefinite" restart="never" nodeType="tmRoot"/>
+        <p:cTn xmlns:p14="http://schemas.microsoft.com/office/powerpoint/2010/main" id="1" dur="indefinite" restart="never" nodeType="tmRoot"/>
       </p:par>
     </p:tnLst>
   </p:timing>
@@ -6339,7 +6345,7 @@
           <a:blip r:embed="rId2">
             <a:extLst>
               <a:ext uri="{28A0092B-C50C-407E-A947-70E740481C1C}">
-                <a14:useLocalDpi xmlns="" xmlns:a14="http://schemas.microsoft.com/office/drawing/2010/main" val="0"/>
+                <a14:useLocalDpi xmlns:a14="http://schemas.microsoft.com/office/drawing/2010/main" val="0"/>
               </a:ext>
             </a:extLst>
           </a:blip>
@@ -6391,7 +6397,7 @@
             </a:clrChange>
             <a:extLst>
               <a:ext uri="{28A0092B-C50C-407E-A947-70E740481C1C}">
-                <a14:useLocalDpi xmlns="" xmlns:a14="http://schemas.microsoft.com/office/drawing/2010/main" val="0"/>
+                <a14:useLocalDpi xmlns:a14="http://schemas.microsoft.com/office/drawing/2010/main" val="0"/>
               </a:ext>
             </a:extLst>
           </a:blip>
@@ -6454,7 +6460,7 @@
     </p:spTree>
     <p:extLst>
       <p:ext uri="{BB962C8B-B14F-4D97-AF65-F5344CB8AC3E}">
-        <p14:creationId xmlns="" xmlns:p14="http://schemas.microsoft.com/office/powerpoint/2010/main" val="4171797489"/>
+        <p14:creationId xmlns:p14="http://schemas.microsoft.com/office/powerpoint/2010/main" val="4171797489"/>
       </p:ext>
     </p:extLst>
   </p:cSld>
@@ -6464,7 +6470,7 @@
   <p:timing>
     <p:tnLst>
       <p:par>
-        <p:cTn id="1" dur="indefinite" restart="never" nodeType="tmRoot"/>
+        <p:cTn xmlns:p14="http://schemas.microsoft.com/office/powerpoint/2010/main" id="1" dur="indefinite" restart="never" nodeType="tmRoot"/>
       </p:par>
     </p:tnLst>
   </p:timing>
@@ -6523,7 +6529,7 @@
           <a:blip r:embed="rId2">
             <a:extLst>
               <a:ext uri="{28A0092B-C50C-407E-A947-70E740481C1C}">
-                <a14:useLocalDpi xmlns="" xmlns:a14="http://schemas.microsoft.com/office/drawing/2010/main" val="0"/>
+                <a14:useLocalDpi xmlns:a14="http://schemas.microsoft.com/office/drawing/2010/main" val="0"/>
               </a:ext>
             </a:extLst>
           </a:blip>
@@ -6554,7 +6560,7 @@
           <a:blip r:embed="rId3">
             <a:extLst>
               <a:ext uri="{28A0092B-C50C-407E-A947-70E740481C1C}">
-                <a14:useLocalDpi xmlns="" xmlns:a14="http://schemas.microsoft.com/office/drawing/2010/main" val="0"/>
+                <a14:useLocalDpi xmlns:a14="http://schemas.microsoft.com/office/drawing/2010/main" val="0"/>
               </a:ext>
             </a:extLst>
           </a:blip>
@@ -6576,7 +6582,7 @@
     </p:spTree>
     <p:extLst>
       <p:ext uri="{BB962C8B-B14F-4D97-AF65-F5344CB8AC3E}">
-        <p14:creationId xmlns="" xmlns:p14="http://schemas.microsoft.com/office/powerpoint/2010/main" val="770860973"/>
+        <p14:creationId xmlns:p14="http://schemas.microsoft.com/office/powerpoint/2010/main" val="770860973"/>
       </p:ext>
     </p:extLst>
   </p:cSld>
@@ -6586,7 +6592,7 @@
   <p:timing>
     <p:tnLst>
       <p:par>
-        <p:cTn id="1" dur="indefinite" restart="never" nodeType="tmRoot"/>
+        <p:cTn xmlns:p14="http://schemas.microsoft.com/office/powerpoint/2010/main" id="1" dur="indefinite" restart="never" nodeType="tmRoot"/>
       </p:par>
     </p:tnLst>
   </p:timing>
@@ -6655,7 +6661,7 @@
             </a:clrChange>
             <a:extLst>
               <a:ext uri="{28A0092B-C50C-407E-A947-70E740481C1C}">
-                <a14:useLocalDpi xmlns="" xmlns:a14="http://schemas.microsoft.com/office/drawing/2010/main" val="0"/>
+                <a14:useLocalDpi xmlns:a14="http://schemas.microsoft.com/office/drawing/2010/main" val="0"/>
               </a:ext>
             </a:extLst>
           </a:blip>
@@ -6685,7 +6691,7 @@
           <a:blip r:embed="rId3">
             <a:extLst>
               <a:ext uri="{28A0092B-C50C-407E-A947-70E740481C1C}">
-                <a14:useLocalDpi xmlns="" xmlns:a14="http://schemas.microsoft.com/office/drawing/2010/main" val="0"/>
+                <a14:useLocalDpi xmlns:a14="http://schemas.microsoft.com/office/drawing/2010/main" val="0"/>
               </a:ext>
             </a:extLst>
           </a:blip>
@@ -6706,7 +6712,7 @@
     </p:spTree>
     <p:extLst>
       <p:ext uri="{BB962C8B-B14F-4D97-AF65-F5344CB8AC3E}">
-        <p14:creationId xmlns="" xmlns:p14="http://schemas.microsoft.com/office/powerpoint/2010/main" val="3594877957"/>
+        <p14:creationId xmlns:p14="http://schemas.microsoft.com/office/powerpoint/2010/main" val="3594877957"/>
       </p:ext>
     </p:extLst>
   </p:cSld>
@@ -6716,7 +6722,7 @@
   <p:timing>
     <p:tnLst>
       <p:par>
-        <p:cTn id="1" dur="indefinite" restart="never" nodeType="tmRoot"/>
+        <p:cTn xmlns:p14="http://schemas.microsoft.com/office/powerpoint/2010/main" id="1" dur="indefinite" restart="never" nodeType="tmRoot"/>
       </p:par>
     </p:tnLst>
   </p:timing>
@@ -6785,7 +6791,7 @@
             </a:clrChange>
             <a:extLst>
               <a:ext uri="{28A0092B-C50C-407E-A947-70E740481C1C}">
-                <a14:useLocalDpi xmlns="" xmlns:a14="http://schemas.microsoft.com/office/drawing/2010/main" val="0"/>
+                <a14:useLocalDpi xmlns:a14="http://schemas.microsoft.com/office/drawing/2010/main" val="0"/>
               </a:ext>
             </a:extLst>
           </a:blip>
@@ -6815,7 +6821,7 @@
           <a:blip r:embed="rId3">
             <a:extLst>
               <a:ext uri="{28A0092B-C50C-407E-A947-70E740481C1C}">
-                <a14:useLocalDpi xmlns="" xmlns:a14="http://schemas.microsoft.com/office/drawing/2010/main" val="0"/>
+                <a14:useLocalDpi xmlns:a14="http://schemas.microsoft.com/office/drawing/2010/main" val="0"/>
               </a:ext>
             </a:extLst>
           </a:blip>
@@ -6848,7 +6854,7 @@
     </p:spTree>
     <p:extLst>
       <p:ext uri="{BB962C8B-B14F-4D97-AF65-F5344CB8AC3E}">
-        <p14:creationId xmlns="" xmlns:p14="http://schemas.microsoft.com/office/powerpoint/2010/main" val="1615351584"/>
+        <p14:creationId xmlns:p14="http://schemas.microsoft.com/office/powerpoint/2010/main" val="1615351584"/>
       </p:ext>
     </p:extLst>
   </p:cSld>
@@ -6858,7 +6864,7 @@
   <p:timing>
     <p:tnLst>
       <p:par>
-        <p:cTn id="1" dur="indefinite" restart="never" nodeType="tmRoot"/>
+        <p:cTn xmlns:p14="http://schemas.microsoft.com/office/powerpoint/2010/main" id="1" dur="indefinite" restart="never" nodeType="tmRoot"/>
       </p:par>
     </p:tnLst>
   </p:timing>
@@ -6942,7 +6948,7 @@
     </p:spTree>
     <p:extLst>
       <p:ext uri="{BB962C8B-B14F-4D97-AF65-F5344CB8AC3E}">
-        <p14:creationId xmlns="" xmlns:p14="http://schemas.microsoft.com/office/powerpoint/2010/main" val="2169729050"/>
+        <p14:creationId xmlns:p14="http://schemas.microsoft.com/office/powerpoint/2010/main" val="2169729050"/>
       </p:ext>
     </p:extLst>
   </p:cSld>
@@ -6952,7 +6958,7 @@
   <p:timing>
     <p:tnLst>
       <p:par>
-        <p:cTn id="1" dur="indefinite" restart="never" nodeType="tmRoot"/>
+        <p:cTn xmlns:p14="http://schemas.microsoft.com/office/powerpoint/2010/main" id="1" dur="indefinite" restart="never" nodeType="tmRoot"/>
       </p:par>
     </p:tnLst>
   </p:timing>
@@ -7047,7 +7053,7 @@
     </p:spTree>
     <p:extLst>
       <p:ext uri="{BB962C8B-B14F-4D97-AF65-F5344CB8AC3E}">
-        <p14:creationId xmlns="" xmlns:p14="http://schemas.microsoft.com/office/powerpoint/2010/main" val="1835119873"/>
+        <p14:creationId xmlns:p14="http://schemas.microsoft.com/office/powerpoint/2010/main" val="1835119873"/>
       </p:ext>
     </p:extLst>
   </p:cSld>
@@ -7057,7 +7063,7 @@
   <p:timing>
     <p:tnLst>
       <p:par>
-        <p:cTn id="1" dur="indefinite" restart="never" nodeType="tmRoot"/>
+        <p:cTn xmlns:p14="http://schemas.microsoft.com/office/powerpoint/2010/main" id="1" dur="indefinite" restart="never" nodeType="tmRoot"/>
       </p:par>
     </p:tnLst>
   </p:timing>
@@ -7160,7 +7166,19 @@
           <a:p>
             <a:r>
               <a:rPr lang="en-US" dirty="0" smtClean="0"/>
-              <a:t>Conclusion and Future Work</a:t>
+              <a:t>Conclusion </a:t>
+            </a:r>
+            <a:r>
+              <a:rPr lang="en-US" dirty="0"/>
+              <a:t>&amp;</a:t>
+            </a:r>
+            <a:r>
+              <a:rPr lang="en-US" dirty="0" smtClean="0"/>
+              <a:t> </a:t>
+            </a:r>
+            <a:r>
+              <a:rPr lang="en-US" dirty="0" smtClean="0"/>
+              <a:t>Future Work</a:t>
             </a:r>
           </a:p>
           <a:p>
@@ -7174,7 +7192,7 @@
     </p:spTree>
     <p:extLst>
       <p:ext uri="{BB962C8B-B14F-4D97-AF65-F5344CB8AC3E}">
-        <p14:creationId xmlns="" xmlns:p14="http://schemas.microsoft.com/office/powerpoint/2010/main" val="3333946898"/>
+        <p14:creationId xmlns:p14="http://schemas.microsoft.com/office/powerpoint/2010/main" val="3333946898"/>
       </p:ext>
     </p:extLst>
   </p:cSld>
@@ -7184,7 +7202,7 @@
   <p:timing>
     <p:tnLst>
       <p:par>
-        <p:cTn id="1" dur="indefinite" restart="never" nodeType="tmRoot"/>
+        <p:cTn xmlns:p14="http://schemas.microsoft.com/office/powerpoint/2010/main" id="1" dur="indefinite" restart="never" nodeType="tmRoot"/>
       </p:par>
     </p:tnLst>
   </p:timing>
@@ -7250,33 +7268,50 @@
           <a:p>
             <a:r>
               <a:rPr lang="en-US" dirty="0" smtClean="0"/>
-              <a:t>Clients are created from nodes with a destination.</a:t>
-            </a:r>
-          </a:p>
-          <a:p>
+              <a:t>Clients are </a:t>
+            </a:r>
             <a:r>
               <a:rPr lang="en-US" dirty="0" smtClean="0"/>
-              <a:t>During a morning rush hour, more clients tend to travel from a </a:t>
-            </a:r>
-            <a:r>
-              <a:rPr lang="en-US" dirty="0" smtClean="0">
-                <a:solidFill>
-                  <a:schemeClr val="accent4">
-                    <a:lumMod val="50000"/>
-                  </a:schemeClr>
-                </a:solidFill>
-              </a:rPr>
-              <a:t>verge node</a:t>
-            </a:r>
+              <a:t>generated on nodes with destinations.</a:t>
+            </a:r>
+            <a:endParaRPr lang="en-US" dirty="0" smtClean="0"/>
+          </a:p>
+          <a:p>
             <a:r>
               <a:rPr lang="en-US" dirty="0" smtClean="0"/>
-              <a:t> to an inner node.</a:t>
-            </a:r>
-          </a:p>
-          <a:p>
+              <a:t>Three scenarios are considered:</a:t>
+            </a:r>
+          </a:p>
+          <a:p>
+            <a:pPr lvl="1"/>
             <a:r>
               <a:rPr lang="en-US" dirty="0" smtClean="0"/>
-              <a:t>How to take a bus:</a:t>
+              <a:t>Morning rush hour (people come inward)</a:t>
+            </a:r>
+            <a:endParaRPr lang="en-US" dirty="0"/>
+          </a:p>
+          <a:p>
+            <a:pPr lvl="1"/>
+            <a:r>
+              <a:rPr lang="en-US" dirty="0" smtClean="0"/>
+              <a:t>Evening rush hour (people go outward)</a:t>
+            </a:r>
+          </a:p>
+          <a:p>
+            <a:pPr lvl="1"/>
+            <a:r>
+              <a:rPr lang="en-US" dirty="0" smtClean="0"/>
+              <a:t>Off peak</a:t>
+            </a:r>
+          </a:p>
+          <a:p>
+            <a:r>
+              <a:rPr lang="en-US" dirty="0" smtClean="0"/>
+              <a:t>How </a:t>
+            </a:r>
+            <a:r>
+              <a:rPr lang="en-US" dirty="0" smtClean="0"/>
+              <a:t>to take a bus:</a:t>
             </a:r>
           </a:p>
           <a:p>
@@ -7290,22 +7325,47 @@
             <a:pPr lvl="1"/>
             <a:r>
               <a:rPr lang="en-US" dirty="0" smtClean="0"/>
-              <a:t>If a bus can take Client A to a node which is "closer" to A's destination than A's current location is, A gets on the bus.</a:t>
+              <a:t>If a bus can take Client A to a node which is "closer" to A's destination than A's current </a:t>
+            </a:r>
+            <a:r>
+              <a:rPr lang="en-US" dirty="0" smtClean="0"/>
+              <a:t>location is, </a:t>
+            </a:r>
+            <a:r>
+              <a:rPr lang="en-US" dirty="0" smtClean="0"/>
+              <a:t>A </a:t>
+            </a:r>
+            <a:r>
+              <a:rPr lang="en-US" dirty="0" smtClean="0"/>
+              <a:t>will get </a:t>
+            </a:r>
+            <a:r>
+              <a:rPr lang="en-US" dirty="0" smtClean="0"/>
+              <a:t>on the bus.</a:t>
             </a:r>
           </a:p>
           <a:p>
             <a:pPr lvl="1"/>
             <a:r>
               <a:rPr lang="en-US" dirty="0" smtClean="0"/>
-              <a:t>The "distance" metric is based on the bus routes.</a:t>
+              <a:t>The "distance" metric is based on the bus routes</a:t>
+            </a:r>
+            <a:r>
+              <a:rPr lang="en-US" dirty="0" smtClean="0"/>
+              <a:t>.</a:t>
             </a:r>
           </a:p>
           <a:p>
             <a:pPr lvl="1"/>
             <a:r>
               <a:rPr lang="en-US" dirty="0" smtClean="0"/>
-              <a:t>Much different from actual human behavior…</a:t>
-            </a:r>
+              <a:t>May not be intuitive</a:t>
+            </a:r>
+            <a:r>
+              <a:rPr lang="en-US" dirty="0" smtClean="0"/>
+              <a:t>…</a:t>
+            </a:r>
+            <a:endParaRPr lang="en-US" dirty="0" smtClean="0"/>
           </a:p>
           <a:p>
             <a:endParaRPr lang="en-US" dirty="0"/>
@@ -7315,7 +7375,7 @@
     </p:spTree>
     <p:extLst>
       <p:ext uri="{BB962C8B-B14F-4D97-AF65-F5344CB8AC3E}">
-        <p14:creationId xmlns="" xmlns:p14="http://schemas.microsoft.com/office/powerpoint/2010/main" val="1835119873"/>
+        <p14:creationId xmlns:p14="http://schemas.microsoft.com/office/powerpoint/2010/main" val="1835119873"/>
       </p:ext>
     </p:extLst>
   </p:cSld>
@@ -7325,7 +7385,7 @@
   <p:timing>
     <p:tnLst>
       <p:par>
-        <p:cTn id="1" dur="indefinite" restart="never" nodeType="tmRoot"/>
+        <p:cTn xmlns:p14="http://schemas.microsoft.com/office/powerpoint/2010/main" id="1" dur="indefinite" restart="never" nodeType="tmRoot"/>
       </p:par>
     </p:tnLst>
   </p:timing>
@@ -7395,7 +7455,7 @@
     </p:spTree>
     <p:extLst>
       <p:ext uri="{BB962C8B-B14F-4D97-AF65-F5344CB8AC3E}">
-        <p14:creationId xmlns="" xmlns:p14="http://schemas.microsoft.com/office/powerpoint/2010/main" val="2169729050"/>
+        <p14:creationId xmlns:p14="http://schemas.microsoft.com/office/powerpoint/2010/main" val="2169729050"/>
       </p:ext>
     </p:extLst>
   </p:cSld>
@@ -7405,7 +7465,7 @@
   <p:timing>
     <p:tnLst>
       <p:par>
-        <p:cTn id="1" dur="indefinite" restart="never" nodeType="tmRoot"/>
+        <p:cTn xmlns:p14="http://schemas.microsoft.com/office/powerpoint/2010/main" id="1" dur="indefinite" restart="never" nodeType="tmRoot"/>
       </p:par>
     </p:tnLst>
   </p:timing>
@@ -7459,7 +7519,7 @@
             <a:spLocks noGrp="1"/>
           </p:cNvSpPr>
           <p:nvPr>
-            <p:ph sz="quarter" idx="1"/>
+            <p:ph idx="1"/>
           </p:nvPr>
         </p:nvSpPr>
         <p:spPr/>
@@ -7481,7 +7541,15 @@
           <a:p>
             <a:r>
               <a:rPr lang="en-US" dirty="0" smtClean="0"/>
-              <a:t>Run on three scenarios.</a:t>
+              <a:t>Run on </a:t>
+            </a:r>
+            <a:r>
+              <a:rPr lang="en-US" dirty="0" smtClean="0"/>
+              <a:t>three designated </a:t>
+            </a:r>
+            <a:r>
+              <a:rPr lang="en-US" dirty="0" smtClean="0"/>
+              <a:t>scenarios.</a:t>
             </a:r>
           </a:p>
           <a:p>
@@ -7494,14 +7562,38 @@
             <a:pPr lvl="1"/>
             <a:r>
               <a:rPr lang="en-US" dirty="0" smtClean="0"/>
-              <a:t>Off-peak:</a:t>
+              <a:t>Off-peak: mean 1.2, </a:t>
+            </a:r>
+            <a:r>
+              <a:rPr lang="en-US" dirty="0" err="1" smtClean="0"/>
+              <a:t>var</a:t>
+            </a:r>
+            <a:r>
+              <a:rPr lang="en-US" dirty="0" smtClean="0"/>
+              <a:t> </a:t>
+            </a:r>
+            <a:r>
+              <a:rPr lang="en-US" dirty="0" smtClean="0"/>
+              <a:t>0.5</a:t>
             </a:r>
           </a:p>
           <a:p>
             <a:pPr lvl="1"/>
             <a:r>
               <a:rPr lang="en-US" dirty="0" smtClean="0"/>
-              <a:t>Evening &amp; Morning:</a:t>
+              <a:t>Evening &amp; Morning: mean 3.6, </a:t>
+            </a:r>
+            <a:r>
+              <a:rPr lang="en-US" dirty="0" err="1" smtClean="0"/>
+              <a:t>var</a:t>
+            </a:r>
+            <a:r>
+              <a:rPr lang="en-US" dirty="0" smtClean="0"/>
+              <a:t> </a:t>
+            </a:r>
+            <a:r>
+              <a:rPr lang="en-US" dirty="0" smtClean="0"/>
+              <a:t>0.5</a:t>
             </a:r>
             <a:endParaRPr lang="en-US" dirty="0"/>
           </a:p>
@@ -7519,7 +7611,7 @@
     </p:spTree>
     <p:extLst>
       <p:ext uri="{BB962C8B-B14F-4D97-AF65-F5344CB8AC3E}">
-        <p14:creationId xmlns="" xmlns:p14="http://schemas.microsoft.com/office/powerpoint/2010/main" val="2406025056"/>
+        <p14:creationId xmlns:p14="http://schemas.microsoft.com/office/powerpoint/2010/main" val="2254185372"/>
       </p:ext>
     </p:extLst>
   </p:cSld>
@@ -7529,7 +7621,7 @@
   <p:timing>
     <p:tnLst>
       <p:par>
-        <p:cTn id="1" dur="indefinite" restart="never" nodeType="tmRoot"/>
+        <p:cTn xmlns:p14="http://schemas.microsoft.com/office/powerpoint/2010/main" id="1" dur="indefinite" restart="never" nodeType="tmRoot"/>
       </p:par>
     </p:tnLst>
   </p:timing>
@@ -7683,7 +7775,7 @@
     </p:spTree>
     <p:extLst>
       <p:ext uri="{BB962C8B-B14F-4D97-AF65-F5344CB8AC3E}">
-        <p14:creationId xmlns="" xmlns:p14="http://schemas.microsoft.com/office/powerpoint/2010/main" val="3939641284"/>
+        <p14:creationId xmlns:p14="http://schemas.microsoft.com/office/powerpoint/2010/main" val="3939641284"/>
       </p:ext>
     </p:extLst>
   </p:cSld>
@@ -7693,7 +7785,7 @@
   <p:timing>
     <p:tnLst>
       <p:par>
-        <p:cTn id="1" dur="indefinite" restart="never" nodeType="tmRoot"/>
+        <p:cTn xmlns:p14="http://schemas.microsoft.com/office/powerpoint/2010/main" id="1" dur="indefinite" restart="never" nodeType="tmRoot"/>
       </p:par>
     </p:tnLst>
   </p:timing>
@@ -7740,274 +7832,1352 @@
           </a:p>
         </p:txBody>
       </p:sp>
-      <p:grpSp>
-        <p:nvGrpSpPr>
-          <p:cNvPr id="4" name="群組 3"/>
-          <p:cNvGrpSpPr/>
-          <p:nvPr/>
-        </p:nvGrpSpPr>
-        <p:grpSpPr>
-          <a:xfrm>
-            <a:off x="238539" y="2279374"/>
-            <a:ext cx="8719931" cy="2509920"/>
-            <a:chOff x="207073" y="2236560"/>
-            <a:chExt cx="8771791" cy="2512614"/>
-          </a:xfrm>
-        </p:grpSpPr>
-        <p:sp>
-          <p:nvSpPr>
-            <p:cNvPr id="5" name="TextBox 6"/>
-            <p:cNvSpPr txBox="1"/>
-            <p:nvPr/>
-          </p:nvSpPr>
-          <p:spPr>
-            <a:xfrm>
-              <a:off x="207073" y="2236560"/>
-              <a:ext cx="1199789" cy="369332"/>
-            </a:xfrm>
-            <a:prstGeom prst="rect">
-              <a:avLst/>
-            </a:prstGeom>
-          </p:spPr>
-          <p:style>
-            <a:lnRef idx="2">
-              <a:schemeClr val="accent2">
-                <a:shade val="50000"/>
-              </a:schemeClr>
-            </a:lnRef>
-            <a:fillRef idx="1">
-              <a:schemeClr val="accent2"/>
-            </a:fillRef>
-            <a:effectRef idx="0">
-              <a:schemeClr val="accent2"/>
-            </a:effectRef>
-            <a:fontRef idx="minor">
-              <a:schemeClr val="lt1"/>
-            </a:fontRef>
-          </p:style>
-          <p:txBody>
-            <a:bodyPr wrap="square" rtlCol="0">
-              <a:spAutoFit/>
-            </a:bodyPr>
-            <a:lstStyle/>
-            <a:p>
-              <a:r>
-                <a:rPr lang="en-US" dirty="0" smtClean="0">
-                  <a:solidFill>
-                    <a:srgbClr val="000000"/>
-                  </a:solidFill>
-                </a:rPr>
-                <a:t>Original</a:t>
-              </a:r>
-              <a:endParaRPr lang="en-US" dirty="0">
-                <a:solidFill>
-                  <a:srgbClr val="000000"/>
-                </a:solidFill>
-              </a:endParaRPr>
-            </a:p>
-          </p:txBody>
-        </p:sp>
-        <p:sp>
-          <p:nvSpPr>
-            <p:cNvPr id="6" name="TextBox 7"/>
-            <p:cNvSpPr txBox="1"/>
-            <p:nvPr/>
-          </p:nvSpPr>
-          <p:spPr>
-            <a:xfrm>
-              <a:off x="3146519" y="2239254"/>
-              <a:ext cx="883511" cy="369332"/>
-            </a:xfrm>
-            <a:prstGeom prst="rect">
-              <a:avLst/>
-            </a:prstGeom>
-          </p:spPr>
-          <p:style>
-            <a:lnRef idx="2">
-              <a:schemeClr val="accent2">
-                <a:shade val="50000"/>
-              </a:schemeClr>
-            </a:lnRef>
-            <a:fillRef idx="1">
-              <a:schemeClr val="accent2"/>
-            </a:fillRef>
-            <a:effectRef idx="0">
-              <a:schemeClr val="accent2"/>
-            </a:effectRef>
-            <a:fontRef idx="minor">
-              <a:schemeClr val="lt1"/>
-            </a:fontRef>
-          </p:style>
-          <p:txBody>
-            <a:bodyPr wrap="square" rtlCol="0">
-              <a:spAutoFit/>
-            </a:bodyPr>
-            <a:lstStyle/>
-            <a:p>
-              <a:r>
-                <a:rPr lang="en-US" dirty="0" smtClean="0">
-                  <a:solidFill>
-                    <a:srgbClr val="000000"/>
-                  </a:solidFill>
-                </a:rPr>
-                <a:t>Chess</a:t>
-              </a:r>
-              <a:endParaRPr lang="en-US" dirty="0">
-                <a:solidFill>
-                  <a:srgbClr val="000000"/>
-                </a:solidFill>
-              </a:endParaRPr>
-            </a:p>
-          </p:txBody>
-        </p:sp>
-        <p:sp>
-          <p:nvSpPr>
-            <p:cNvPr id="7" name="TextBox 8"/>
-            <p:cNvSpPr txBox="1"/>
-            <p:nvPr/>
-          </p:nvSpPr>
-          <p:spPr>
-            <a:xfrm>
-              <a:off x="6165754" y="2236560"/>
-              <a:ext cx="883511" cy="369332"/>
-            </a:xfrm>
-            <a:prstGeom prst="rect">
-              <a:avLst/>
-            </a:prstGeom>
-          </p:spPr>
-          <p:style>
-            <a:lnRef idx="2">
-              <a:schemeClr val="accent2">
-                <a:shade val="50000"/>
-              </a:schemeClr>
-            </a:lnRef>
-            <a:fillRef idx="1">
-              <a:schemeClr val="accent2"/>
-            </a:fillRef>
-            <a:effectRef idx="0">
-              <a:schemeClr val="accent2"/>
-            </a:effectRef>
-            <a:fontRef idx="minor">
-              <a:schemeClr val="lt1"/>
-            </a:fontRef>
-          </p:style>
-          <p:txBody>
-            <a:bodyPr wrap="square" rtlCol="0">
-              <a:spAutoFit/>
-            </a:bodyPr>
-            <a:lstStyle/>
-            <a:p>
-              <a:r>
-                <a:rPr lang="en-US" dirty="0" err="1" smtClean="0">
-                  <a:solidFill>
-                    <a:srgbClr val="000000"/>
-                  </a:solidFill>
-                </a:rPr>
-                <a:t>Allpair</a:t>
-              </a:r>
-              <a:endParaRPr lang="en-US" dirty="0">
-                <a:solidFill>
-                  <a:srgbClr val="000000"/>
-                </a:solidFill>
-              </a:endParaRPr>
-            </a:p>
-          </p:txBody>
-        </p:sp>
-        <p:pic>
-          <p:nvPicPr>
-            <p:cNvPr id="8" name="Picture 9" descr="螢幕快照 2012-06-21 上午3.26.59.png"/>
-            <p:cNvPicPr>
-              <a:picLocks noChangeAspect="1"/>
-            </p:cNvPicPr>
-            <p:nvPr/>
-          </p:nvPicPr>
-          <p:blipFill>
-            <a:blip r:embed="rId3">
-              <a:extLst>
-                <a:ext uri="{28A0092B-C50C-407E-A947-70E740481C1C}">
-                  <a14:useLocalDpi xmlns="" xmlns:a14="http://schemas.microsoft.com/office/drawing/2010/main" val="0"/>
-                </a:ext>
-              </a:extLst>
-            </a:blip>
-            <a:stretch>
-              <a:fillRect/>
-            </a:stretch>
-          </p:blipFill>
-          <p:spPr>
-            <a:xfrm>
-              <a:off x="3146519" y="2605892"/>
-              <a:ext cx="2879524" cy="2143282"/>
-            </a:xfrm>
-            <a:prstGeom prst="rect">
-              <a:avLst/>
-            </a:prstGeom>
-          </p:spPr>
-        </p:pic>
-        <p:pic>
-          <p:nvPicPr>
-            <p:cNvPr id="9" name="Picture 10" descr="螢幕快照 2012-06-21 上午3.27.06.png"/>
-            <p:cNvPicPr>
-              <a:picLocks noChangeAspect="1"/>
-            </p:cNvPicPr>
-            <p:nvPr/>
-          </p:nvPicPr>
-          <p:blipFill>
-            <a:blip r:embed="rId4">
-              <a:extLst>
-                <a:ext uri="{28A0092B-C50C-407E-A947-70E740481C1C}">
-                  <a14:useLocalDpi xmlns="" xmlns:a14="http://schemas.microsoft.com/office/drawing/2010/main" val="0"/>
-                </a:ext>
-              </a:extLst>
-            </a:blip>
-            <a:stretch>
-              <a:fillRect/>
-            </a:stretch>
-          </p:blipFill>
-          <p:spPr>
-            <a:xfrm>
-              <a:off x="6165754" y="2608586"/>
-              <a:ext cx="2813110" cy="2140588"/>
-            </a:xfrm>
-            <a:prstGeom prst="rect">
-              <a:avLst/>
-            </a:prstGeom>
-          </p:spPr>
-        </p:pic>
-        <p:pic>
-          <p:nvPicPr>
-            <p:cNvPr id="10" name="Picture 11" descr="螢幕快照 2012-06-21 上午3.26.52.png"/>
-            <p:cNvPicPr>
-              <a:picLocks noChangeAspect="1"/>
-            </p:cNvPicPr>
-            <p:nvPr/>
-          </p:nvPicPr>
-          <p:blipFill>
-            <a:blip r:embed="rId5">
-              <a:extLst>
-                <a:ext uri="{28A0092B-C50C-407E-A947-70E740481C1C}">
-                  <a14:useLocalDpi xmlns="" xmlns:a14="http://schemas.microsoft.com/office/drawing/2010/main" val="0"/>
-                </a:ext>
-              </a:extLst>
-            </a:blip>
-            <a:stretch>
-              <a:fillRect/>
-            </a:stretch>
-          </p:blipFill>
-          <p:spPr>
-            <a:xfrm>
-              <a:off x="207073" y="2608586"/>
-              <a:ext cx="2837524" cy="2140588"/>
-            </a:xfrm>
-            <a:prstGeom prst="rect">
-              <a:avLst/>
-            </a:prstGeom>
-          </p:spPr>
-        </p:pic>
-      </p:grpSp>
+      <p:graphicFrame>
+        <p:nvGraphicFramePr>
+          <p:cNvPr id="11" name="Table 10"/>
+          <p:cNvGraphicFramePr>
+            <a:graphicFrameLocks noGrp="1"/>
+          </p:cNvGraphicFramePr>
+          <p:nvPr>
+            <p:extLst>
+              <p:ext uri="{D42A27DB-BD31-4B8C-83A1-F6EECF244321}">
+                <p14:modId xmlns:p14="http://schemas.microsoft.com/office/powerpoint/2010/main" val="3603663421"/>
+              </p:ext>
+            </p:extLst>
+          </p:nvPr>
+        </p:nvGraphicFramePr>
+        <p:xfrm>
+          <a:off x="1515342" y="1605280"/>
+          <a:ext cx="6127235" cy="5073210"/>
+        </p:xfrm>
+        <a:graphic>
+          <a:graphicData uri="http://schemas.openxmlformats.org/drawingml/2006/table">
+            <a:tbl>
+              <a:tblPr firstRow="1" bandRow="1">
+                <a:tableStyleId>{5C22544A-7EE6-4342-B048-85BDC9FD1C3A}</a:tableStyleId>
+              </a:tblPr>
+              <a:tblGrid>
+                <a:gridCol w="968213"/>
+                <a:gridCol w="1691454"/>
+                <a:gridCol w="1016674"/>
+                <a:gridCol w="1225447"/>
+                <a:gridCol w="1225447"/>
+              </a:tblGrid>
+              <a:tr h="245709">
+                <a:tc>
+                  <a:txBody>
+                    <a:bodyPr/>
+                    <a:lstStyle/>
+                    <a:p>
+                      <a:pPr algn="ctr"/>
+                      <a:endParaRPr lang="en-US" sz="1200" dirty="0"/>
+                    </a:p>
+                  </a:txBody>
+                  <a:tcPr/>
+                </a:tc>
+                <a:tc>
+                  <a:txBody>
+                    <a:bodyPr/>
+                    <a:lstStyle/>
+                    <a:p>
+                      <a:pPr algn="ctr"/>
+                      <a:endParaRPr lang="en-US" sz="1200" dirty="0"/>
+                    </a:p>
+                  </a:txBody>
+                  <a:tcPr/>
+                </a:tc>
+                <a:tc>
+                  <a:txBody>
+                    <a:bodyPr/>
+                    <a:lstStyle/>
+                    <a:p>
+                      <a:pPr algn="ctr"/>
+                      <a:r>
+                        <a:rPr lang="en-US" sz="1200" dirty="0" smtClean="0">
+                          <a:solidFill>
+                            <a:schemeClr val="tx1"/>
+                          </a:solidFill>
+                        </a:rPr>
+                        <a:t>Original</a:t>
+                      </a:r>
+                      <a:endParaRPr lang="en-US" sz="1200" dirty="0">
+                        <a:solidFill>
+                          <a:schemeClr val="tx1"/>
+                        </a:solidFill>
+                      </a:endParaRPr>
+                    </a:p>
+                  </a:txBody>
+                  <a:tcPr/>
+                </a:tc>
+                <a:tc>
+                  <a:txBody>
+                    <a:bodyPr/>
+                    <a:lstStyle/>
+                    <a:p>
+                      <a:pPr algn="ctr"/>
+                      <a:r>
+                        <a:rPr lang="en-US" sz="1200" dirty="0" smtClean="0">
+                          <a:solidFill>
+                            <a:schemeClr val="tx1"/>
+                          </a:solidFill>
+                        </a:rPr>
+                        <a:t>Chessboard</a:t>
+                      </a:r>
+                      <a:endParaRPr lang="en-US" sz="1200" dirty="0">
+                        <a:solidFill>
+                          <a:schemeClr val="tx1"/>
+                        </a:solidFill>
+                      </a:endParaRPr>
+                    </a:p>
+                  </a:txBody>
+                  <a:tcPr/>
+                </a:tc>
+                <a:tc>
+                  <a:txBody>
+                    <a:bodyPr/>
+                    <a:lstStyle/>
+                    <a:p>
+                      <a:pPr algn="ctr"/>
+                      <a:r>
+                        <a:rPr lang="en-US" sz="1200" dirty="0" smtClean="0">
+                          <a:solidFill>
+                            <a:schemeClr val="tx1"/>
+                          </a:solidFill>
+                        </a:rPr>
+                        <a:t>All-pair</a:t>
+                      </a:r>
+                      <a:endParaRPr lang="en-US" sz="1200" dirty="0">
+                        <a:solidFill>
+                          <a:schemeClr val="tx1"/>
+                        </a:solidFill>
+                      </a:endParaRPr>
+                    </a:p>
+                  </a:txBody>
+                  <a:tcPr/>
+                </a:tc>
+              </a:tr>
+              <a:tr h="388449">
+                <a:tc rowSpan="6">
+                  <a:txBody>
+                    <a:bodyPr/>
+                    <a:lstStyle/>
+                    <a:p>
+                      <a:pPr algn="ctr"/>
+                      <a:r>
+                        <a:rPr lang="en-US" sz="1200" b="1" dirty="0" smtClean="0"/>
+                        <a:t>Client Statistics</a:t>
+                      </a:r>
+                      <a:endParaRPr lang="en-US" sz="1200" b="1" dirty="0"/>
+                    </a:p>
+                  </a:txBody>
+                  <a:tcPr>
+                    <a:lnB w="12700" cap="flat" cmpd="sng" algn="ctr">
+                      <a:solidFill>
+                        <a:scrgbClr r="0" g="0" b="0"/>
+                      </a:solidFill>
+                      <a:prstDash val="solid"/>
+                      <a:round/>
+                      <a:headEnd type="none" w="med" len="med"/>
+                      <a:tailEnd type="none" w="med" len="med"/>
+                    </a:lnB>
+                  </a:tcPr>
+                </a:tc>
+                <a:tc>
+                  <a:txBody>
+                    <a:bodyPr/>
+                    <a:lstStyle/>
+                    <a:p>
+                      <a:pPr algn="ctr"/>
+                      <a:r>
+                        <a:rPr lang="en-US" sz="1200" b="0" dirty="0" smtClean="0"/>
+                        <a:t>Client</a:t>
+                      </a:r>
+                      <a:r>
+                        <a:rPr lang="en-US" sz="1200" b="0" baseline="0" dirty="0" smtClean="0"/>
+                        <a:t> Generated</a:t>
+                      </a:r>
+                      <a:endParaRPr lang="en-US" sz="1200" b="0" dirty="0"/>
+                    </a:p>
+                  </a:txBody>
+                  <a:tcPr/>
+                </a:tc>
+                <a:tc>
+                  <a:txBody>
+                    <a:bodyPr/>
+                    <a:lstStyle/>
+                    <a:p>
+                      <a:pPr algn="ctr"/>
+                      <a:r>
+                        <a:rPr lang="en-US" sz="1200" dirty="0" smtClean="0"/>
+                        <a:t>506,146</a:t>
+                      </a:r>
+                      <a:endParaRPr lang="en-US" sz="1200" dirty="0"/>
+                    </a:p>
+                  </a:txBody>
+                  <a:tcPr/>
+                </a:tc>
+                <a:tc>
+                  <a:txBody>
+                    <a:bodyPr/>
+                    <a:lstStyle/>
+                    <a:p>
+                      <a:pPr algn="ctr"/>
+                      <a:r>
+                        <a:rPr lang="en-US" sz="1200" dirty="0" smtClean="0"/>
+                        <a:t>506,402</a:t>
+                      </a:r>
+                      <a:endParaRPr lang="en-US" sz="1200" dirty="0"/>
+                    </a:p>
+                  </a:txBody>
+                  <a:tcPr/>
+                </a:tc>
+                <a:tc>
+                  <a:txBody>
+                    <a:bodyPr/>
+                    <a:lstStyle/>
+                    <a:p>
+                      <a:pPr algn="ctr"/>
+                      <a:r>
+                        <a:rPr lang="en-US" sz="1200" dirty="0" smtClean="0"/>
+                        <a:t>505,904</a:t>
+                      </a:r>
+                      <a:endParaRPr lang="en-US" sz="1200" dirty="0"/>
+                    </a:p>
+                  </a:txBody>
+                  <a:tcPr/>
+                </a:tc>
+              </a:tr>
+              <a:tr h="388449">
+                <a:tc vMerge="1">
+                  <a:txBody>
+                    <a:bodyPr/>
+                    <a:lstStyle/>
+                    <a:p>
+                      <a:pPr algn="ctr"/>
+                      <a:endParaRPr lang="en-US" sz="1200" b="1" dirty="0"/>
+                    </a:p>
+                  </a:txBody>
+                  <a:tcPr/>
+                </a:tc>
+                <a:tc>
+                  <a:txBody>
+                    <a:bodyPr/>
+                    <a:lstStyle/>
+                    <a:p>
+                      <a:pPr algn="ctr"/>
+                      <a:r>
+                        <a:rPr lang="en-US" sz="1200" b="0" dirty="0" smtClean="0"/>
+                        <a:t>Client</a:t>
+                      </a:r>
+                      <a:r>
+                        <a:rPr lang="en-US" sz="1200" b="0" baseline="0" dirty="0" smtClean="0"/>
+                        <a:t> Left on </a:t>
+                      </a:r>
+                      <a:r>
+                        <a:rPr lang="en-US" sz="1200" b="0" baseline="0" dirty="0" smtClean="0"/>
+                        <a:t>Map</a:t>
+                      </a:r>
+                      <a:endParaRPr lang="en-US" sz="1200" b="0" dirty="0"/>
+                    </a:p>
+                  </a:txBody>
+                  <a:tcPr/>
+                </a:tc>
+                <a:tc>
+                  <a:txBody>
+                    <a:bodyPr/>
+                    <a:lstStyle/>
+                    <a:p>
+                      <a:pPr algn="ctr"/>
+                      <a:r>
+                        <a:rPr lang="en-US" sz="1200" dirty="0" smtClean="0"/>
+                        <a:t>149</a:t>
+                      </a:r>
+                      <a:endParaRPr lang="en-US" sz="1200" dirty="0"/>
+                    </a:p>
+                  </a:txBody>
+                  <a:tcPr/>
+                </a:tc>
+                <a:tc>
+                  <a:txBody>
+                    <a:bodyPr/>
+                    <a:lstStyle/>
+                    <a:p>
+                      <a:pPr algn="ctr"/>
+                      <a:r>
+                        <a:rPr lang="en-US" sz="1200" dirty="0" smtClean="0"/>
+                        <a:t>170</a:t>
+                      </a:r>
+                      <a:endParaRPr lang="en-US" sz="1200" dirty="0"/>
+                    </a:p>
+                  </a:txBody>
+                  <a:tcPr/>
+                </a:tc>
+                <a:tc>
+                  <a:txBody>
+                    <a:bodyPr/>
+                    <a:lstStyle/>
+                    <a:p>
+                      <a:pPr algn="ctr"/>
+                      <a:r>
+                        <a:rPr lang="en-US" sz="1200" dirty="0" smtClean="0"/>
+                        <a:t>1841</a:t>
+                      </a:r>
+                      <a:endParaRPr lang="en-US" sz="1200" dirty="0"/>
+                    </a:p>
+                  </a:txBody>
+                  <a:tcPr/>
+                </a:tc>
+              </a:tr>
+              <a:tr h="388449">
+                <a:tc vMerge="1">
+                  <a:txBody>
+                    <a:bodyPr/>
+                    <a:lstStyle/>
+                    <a:p>
+                      <a:pPr algn="ctr"/>
+                      <a:endParaRPr lang="en-US" sz="1200" b="1" dirty="0"/>
+                    </a:p>
+                  </a:txBody>
+                  <a:tcPr/>
+                </a:tc>
+                <a:tc>
+                  <a:txBody>
+                    <a:bodyPr/>
+                    <a:lstStyle/>
+                    <a:p>
+                      <a:pPr algn="ctr"/>
+                      <a:r>
+                        <a:rPr lang="en-US" sz="1200" b="0" dirty="0" smtClean="0"/>
+                        <a:t>Completion</a:t>
+                      </a:r>
+                      <a:r>
+                        <a:rPr lang="en-US" sz="1200" b="0" baseline="0" dirty="0" smtClean="0"/>
+                        <a:t> </a:t>
+                      </a:r>
+                      <a:r>
+                        <a:rPr lang="en-US" sz="1200" b="0" baseline="0" dirty="0" smtClean="0"/>
+                        <a:t>Rate</a:t>
+                      </a:r>
+                      <a:endParaRPr lang="en-US" sz="1200" b="0" dirty="0"/>
+                    </a:p>
+                  </a:txBody>
+                  <a:tcPr/>
+                </a:tc>
+                <a:tc>
+                  <a:txBody>
+                    <a:bodyPr/>
+                    <a:lstStyle/>
+                    <a:p>
+                      <a:pPr algn="ctr"/>
+                      <a:r>
+                        <a:rPr lang="en-US" sz="1200" dirty="0" smtClean="0"/>
+                        <a:t>99.97%</a:t>
+                      </a:r>
+                      <a:endParaRPr lang="en-US" sz="1200" dirty="0"/>
+                    </a:p>
+                  </a:txBody>
+                  <a:tcPr/>
+                </a:tc>
+                <a:tc>
+                  <a:txBody>
+                    <a:bodyPr/>
+                    <a:lstStyle/>
+                    <a:p>
+                      <a:pPr algn="ctr"/>
+                      <a:r>
+                        <a:rPr lang="en-US" sz="1200" dirty="0" smtClean="0"/>
+                        <a:t>99.97%</a:t>
+                      </a:r>
+                      <a:endParaRPr lang="en-US" sz="1200" dirty="0"/>
+                    </a:p>
+                  </a:txBody>
+                  <a:tcPr/>
+                </a:tc>
+                <a:tc>
+                  <a:txBody>
+                    <a:bodyPr/>
+                    <a:lstStyle/>
+                    <a:p>
+                      <a:pPr algn="ctr"/>
+                      <a:r>
+                        <a:rPr lang="en-US" sz="1200" dirty="0" smtClean="0"/>
+                        <a:t>99.64%</a:t>
+                      </a:r>
+                      <a:endParaRPr lang="en-US" sz="1200" dirty="0"/>
+                    </a:p>
+                  </a:txBody>
+                  <a:tcPr/>
+                </a:tc>
+              </a:tr>
+              <a:tr h="388449">
+                <a:tc vMerge="1">
+                  <a:txBody>
+                    <a:bodyPr/>
+                    <a:lstStyle/>
+                    <a:p>
+                      <a:pPr algn="ctr"/>
+                      <a:endParaRPr lang="en-US" sz="1200" b="1" dirty="0"/>
+                    </a:p>
+                  </a:txBody>
+                  <a:tcPr/>
+                </a:tc>
+                <a:tc>
+                  <a:txBody>
+                    <a:bodyPr/>
+                    <a:lstStyle/>
+                    <a:p>
+                      <a:pPr algn="ctr"/>
+                      <a:r>
+                        <a:rPr lang="en-US" sz="1200" b="0" dirty="0" smtClean="0"/>
+                        <a:t>Average</a:t>
+                      </a:r>
+                      <a:r>
+                        <a:rPr lang="en-US" sz="1200" b="0" baseline="0" dirty="0" smtClean="0"/>
+                        <a:t> Time </a:t>
+                      </a:r>
+                      <a:r>
+                        <a:rPr lang="en-US" sz="1200" b="0" baseline="0" dirty="0" smtClean="0"/>
+                        <a:t>Cost</a:t>
+                      </a:r>
+                      <a:endParaRPr lang="en-US" sz="1200" b="0" dirty="0"/>
+                    </a:p>
+                  </a:txBody>
+                  <a:tcPr/>
+                </a:tc>
+                <a:tc>
+                  <a:txBody>
+                    <a:bodyPr/>
+                    <a:lstStyle/>
+                    <a:p>
+                      <a:pPr algn="ctr"/>
+                      <a:r>
+                        <a:rPr lang="en-US" sz="1200" dirty="0" smtClean="0"/>
+                        <a:t>14.63 min</a:t>
+                      </a:r>
+                      <a:endParaRPr lang="en-US" sz="1200" dirty="0"/>
+                    </a:p>
+                  </a:txBody>
+                  <a:tcPr/>
+                </a:tc>
+                <a:tc>
+                  <a:txBody>
+                    <a:bodyPr/>
+                    <a:lstStyle/>
+                    <a:p>
+                      <a:pPr algn="ctr"/>
+                      <a:r>
+                        <a:rPr lang="en-US" sz="1200" dirty="0" smtClean="0"/>
+                        <a:t>14.35 min</a:t>
+                      </a:r>
+                      <a:endParaRPr lang="en-US" sz="1200" dirty="0"/>
+                    </a:p>
+                  </a:txBody>
+                  <a:tcPr/>
+                </a:tc>
+                <a:tc>
+                  <a:txBody>
+                    <a:bodyPr/>
+                    <a:lstStyle/>
+                    <a:p>
+                      <a:pPr algn="ctr"/>
+                      <a:r>
+                        <a:rPr lang="en-US" sz="1200" dirty="0" smtClean="0"/>
+                        <a:t>39.76 min</a:t>
+                      </a:r>
+                      <a:endParaRPr lang="en-US" sz="1200" dirty="0"/>
+                    </a:p>
+                  </a:txBody>
+                  <a:tcPr/>
+                </a:tc>
+              </a:tr>
+              <a:tr h="388449">
+                <a:tc vMerge="1">
+                  <a:txBody>
+                    <a:bodyPr/>
+                    <a:lstStyle/>
+                    <a:p>
+                      <a:pPr algn="ctr"/>
+                      <a:endParaRPr lang="en-US" sz="1200" b="1" dirty="0"/>
+                    </a:p>
+                  </a:txBody>
+                  <a:tcPr>
+                    <a:lnB w="12700" cap="flat" cmpd="sng" algn="ctr">
+                      <a:noFill/>
+                      <a:prstDash val="solid"/>
+                      <a:round/>
+                      <a:headEnd type="none" w="med" len="med"/>
+                      <a:tailEnd type="none" w="med" len="med"/>
+                    </a:lnB>
+                  </a:tcPr>
+                </a:tc>
+                <a:tc>
+                  <a:txBody>
+                    <a:bodyPr/>
+                    <a:lstStyle/>
+                    <a:p>
+                      <a:pPr algn="ctr"/>
+                      <a:r>
+                        <a:rPr lang="en-US" sz="1200" b="0" dirty="0" smtClean="0"/>
+                        <a:t>Expected</a:t>
+                      </a:r>
+                      <a:r>
+                        <a:rPr lang="en-US" sz="1200" b="0" baseline="0" dirty="0" smtClean="0"/>
+                        <a:t> Travel Dist</a:t>
+                      </a:r>
+                      <a:r>
+                        <a:rPr lang="en-US" sz="1200" b="0" baseline="0" dirty="0" smtClean="0"/>
+                        <a:t>.</a:t>
+                      </a:r>
+                      <a:endParaRPr lang="en-US" sz="1200" b="0" dirty="0"/>
+                    </a:p>
+                  </a:txBody>
+                  <a:tcPr>
+                    <a:lnB w="12700" cap="flat" cmpd="sng" algn="ctr">
+                      <a:noFill/>
+                      <a:prstDash val="solid"/>
+                      <a:round/>
+                      <a:headEnd type="none" w="med" len="med"/>
+                      <a:tailEnd type="none" w="med" len="med"/>
+                    </a:lnB>
+                  </a:tcPr>
+                </a:tc>
+                <a:tc>
+                  <a:txBody>
+                    <a:bodyPr/>
+                    <a:lstStyle/>
+                    <a:p>
+                      <a:pPr algn="ctr"/>
+                      <a:r>
+                        <a:rPr lang="en-US" sz="1200" dirty="0" smtClean="0"/>
+                        <a:t>2663.35</a:t>
+                      </a:r>
+                      <a:r>
+                        <a:rPr lang="en-US" sz="1200" baseline="0" dirty="0" smtClean="0"/>
+                        <a:t> m</a:t>
+                      </a:r>
+                      <a:endParaRPr lang="en-US" sz="1200" dirty="0"/>
+                    </a:p>
+                  </a:txBody>
+                  <a:tcPr>
+                    <a:lnB w="12700" cap="flat" cmpd="sng" algn="ctr">
+                      <a:noFill/>
+                      <a:prstDash val="solid"/>
+                      <a:round/>
+                      <a:headEnd type="none" w="med" len="med"/>
+                      <a:tailEnd type="none" w="med" len="med"/>
+                    </a:lnB>
+                  </a:tcPr>
+                </a:tc>
+                <a:tc>
+                  <a:txBody>
+                    <a:bodyPr/>
+                    <a:lstStyle/>
+                    <a:p>
+                      <a:pPr algn="ctr"/>
+                      <a:r>
+                        <a:rPr lang="en-US" sz="1200" dirty="0" smtClean="0"/>
+                        <a:t>2645.99 m</a:t>
+                      </a:r>
+                      <a:endParaRPr lang="en-US" sz="1200" dirty="0"/>
+                    </a:p>
+                  </a:txBody>
+                  <a:tcPr>
+                    <a:lnB w="12700" cap="flat" cmpd="sng" algn="ctr">
+                      <a:noFill/>
+                      <a:prstDash val="solid"/>
+                      <a:round/>
+                      <a:headEnd type="none" w="med" len="med"/>
+                      <a:tailEnd type="none" w="med" len="med"/>
+                    </a:lnB>
+                  </a:tcPr>
+                </a:tc>
+                <a:tc>
+                  <a:txBody>
+                    <a:bodyPr/>
+                    <a:lstStyle/>
+                    <a:p>
+                      <a:pPr algn="ctr"/>
+                      <a:r>
+                        <a:rPr lang="en-US" sz="1200" dirty="0" smtClean="0"/>
+                        <a:t>2646.91</a:t>
+                      </a:r>
+                      <a:r>
+                        <a:rPr lang="en-US" sz="1200" baseline="0" dirty="0" smtClean="0"/>
+                        <a:t> m</a:t>
+                      </a:r>
+                      <a:endParaRPr lang="en-US" sz="1200" dirty="0"/>
+                    </a:p>
+                  </a:txBody>
+                  <a:tcPr>
+                    <a:lnB w="12700" cap="flat" cmpd="sng" algn="ctr">
+                      <a:noFill/>
+                      <a:prstDash val="solid"/>
+                      <a:round/>
+                      <a:headEnd type="none" w="med" len="med"/>
+                      <a:tailEnd type="none" w="med" len="med"/>
+                    </a:lnB>
+                  </a:tcPr>
+                </a:tc>
+              </a:tr>
+              <a:tr h="388449">
+                <a:tc vMerge="1">
+                  <a:txBody>
+                    <a:bodyPr/>
+                    <a:lstStyle/>
+                    <a:p>
+                      <a:pPr algn="ctr"/>
+                      <a:endParaRPr lang="en-US" sz="1200" b="1" dirty="0"/>
+                    </a:p>
+                  </a:txBody>
+                  <a:tcPr>
+                    <a:lnL w="12700" cmpd="sng">
+                      <a:noFill/>
+                    </a:lnL>
+                    <a:lnR w="12700" cmpd="sng">
+                      <a:noFill/>
+                    </a:lnR>
+                    <a:lnT w="12700" cap="flat" cmpd="sng" algn="ctr">
+                      <a:noFill/>
+                      <a:prstDash val="solid"/>
+                      <a:round/>
+                      <a:headEnd type="none" w="med" len="med"/>
+                      <a:tailEnd type="none" w="med" len="med"/>
+                    </a:lnT>
+                    <a:lnB w="12700" cap="flat" cmpd="sng" algn="ctr">
+                      <a:solidFill>
+                        <a:scrgbClr r="0" g="0" b="0"/>
+                      </a:solidFill>
+                      <a:prstDash val="solid"/>
+                      <a:round/>
+                      <a:headEnd type="none" w="med" len="med"/>
+                      <a:tailEnd type="none" w="med" len="med"/>
+                    </a:lnB>
+                    <a:lnTlToBr w="12700" cmpd="sng">
+                      <a:noFill/>
+                      <a:prstDash val="solid"/>
+                    </a:lnTlToBr>
+                    <a:lnBlToTr w="12700" cmpd="sng">
+                      <a:noFill/>
+                      <a:prstDash val="solid"/>
+                    </a:lnBlToTr>
+                  </a:tcPr>
+                </a:tc>
+                <a:tc>
+                  <a:txBody>
+                    <a:bodyPr/>
+                    <a:lstStyle/>
+                    <a:p>
+                      <a:pPr algn="ctr"/>
+                      <a:r>
+                        <a:rPr lang="en-US" sz="1200" b="0" dirty="0" smtClean="0"/>
+                        <a:t>Avg.</a:t>
+                      </a:r>
+                      <a:r>
+                        <a:rPr lang="en-US" sz="1200" b="0" baseline="0" dirty="0" smtClean="0"/>
+                        <a:t> Stop Transfer</a:t>
+                      </a:r>
+                      <a:endParaRPr lang="en-US" sz="1200" b="0" dirty="0"/>
+                    </a:p>
+                  </a:txBody>
+                  <a:tcPr>
+                    <a:lnL w="12700" cmpd="sng">
+                      <a:noFill/>
+                    </a:lnL>
+                    <a:lnR w="12700" cmpd="sng">
+                      <a:noFill/>
+                    </a:lnR>
+                    <a:lnT w="12700" cap="flat" cmpd="sng" algn="ctr">
+                      <a:noFill/>
+                      <a:prstDash val="solid"/>
+                      <a:round/>
+                      <a:headEnd type="none" w="med" len="med"/>
+                      <a:tailEnd type="none" w="med" len="med"/>
+                    </a:lnT>
+                    <a:lnB w="12700" cap="flat" cmpd="sng" algn="ctr">
+                      <a:solidFill>
+                        <a:scrgbClr r="0" g="0" b="0"/>
+                      </a:solidFill>
+                      <a:prstDash val="solid"/>
+                      <a:round/>
+                      <a:headEnd type="none" w="med" len="med"/>
+                      <a:tailEnd type="none" w="med" len="med"/>
+                    </a:lnB>
+                    <a:lnTlToBr w="12700" cmpd="sng">
+                      <a:noFill/>
+                      <a:prstDash val="solid"/>
+                    </a:lnTlToBr>
+                    <a:lnBlToTr w="12700" cmpd="sng">
+                      <a:noFill/>
+                      <a:prstDash val="solid"/>
+                    </a:lnBlToTr>
+                  </a:tcPr>
+                </a:tc>
+                <a:tc>
+                  <a:txBody>
+                    <a:bodyPr/>
+                    <a:lstStyle/>
+                    <a:p>
+                      <a:pPr algn="ctr"/>
+                      <a:r>
+                        <a:rPr lang="en-US" sz="1200" dirty="0" smtClean="0"/>
+                        <a:t>1.97</a:t>
+                      </a:r>
+                      <a:endParaRPr lang="en-US" sz="1200" dirty="0"/>
+                    </a:p>
+                  </a:txBody>
+                  <a:tcPr>
+                    <a:lnL w="12700" cmpd="sng">
+                      <a:noFill/>
+                    </a:lnL>
+                    <a:lnR w="12700" cmpd="sng">
+                      <a:noFill/>
+                    </a:lnR>
+                    <a:lnT w="12700" cap="flat" cmpd="sng" algn="ctr">
+                      <a:noFill/>
+                      <a:prstDash val="solid"/>
+                      <a:round/>
+                      <a:headEnd type="none" w="med" len="med"/>
+                      <a:tailEnd type="none" w="med" len="med"/>
+                    </a:lnT>
+                    <a:lnB w="12700" cap="flat" cmpd="sng" algn="ctr">
+                      <a:solidFill>
+                        <a:scrgbClr r="0" g="0" b="0"/>
+                      </a:solidFill>
+                      <a:prstDash val="solid"/>
+                      <a:round/>
+                      <a:headEnd type="none" w="med" len="med"/>
+                      <a:tailEnd type="none" w="med" len="med"/>
+                    </a:lnB>
+                    <a:lnTlToBr w="12700" cmpd="sng">
+                      <a:noFill/>
+                      <a:prstDash val="solid"/>
+                    </a:lnTlToBr>
+                    <a:lnBlToTr w="12700" cmpd="sng">
+                      <a:noFill/>
+                      <a:prstDash val="solid"/>
+                    </a:lnBlToTr>
+                  </a:tcPr>
+                </a:tc>
+                <a:tc>
+                  <a:txBody>
+                    <a:bodyPr/>
+                    <a:lstStyle/>
+                    <a:p>
+                      <a:pPr algn="ctr"/>
+                      <a:r>
+                        <a:rPr lang="en-US" sz="1200" dirty="0" smtClean="0"/>
+                        <a:t>1.33</a:t>
+                      </a:r>
+                      <a:endParaRPr lang="en-US" sz="1200" dirty="0"/>
+                    </a:p>
+                  </a:txBody>
+                  <a:tcPr>
+                    <a:lnL w="12700" cmpd="sng">
+                      <a:noFill/>
+                    </a:lnL>
+                    <a:lnR w="12700" cmpd="sng">
+                      <a:noFill/>
+                    </a:lnR>
+                    <a:lnT w="12700" cap="flat" cmpd="sng" algn="ctr">
+                      <a:noFill/>
+                      <a:prstDash val="solid"/>
+                      <a:round/>
+                      <a:headEnd type="none" w="med" len="med"/>
+                      <a:tailEnd type="none" w="med" len="med"/>
+                    </a:lnT>
+                    <a:lnB w="12700" cap="flat" cmpd="sng" algn="ctr">
+                      <a:solidFill>
+                        <a:scrgbClr r="0" g="0" b="0"/>
+                      </a:solidFill>
+                      <a:prstDash val="solid"/>
+                      <a:round/>
+                      <a:headEnd type="none" w="med" len="med"/>
+                      <a:tailEnd type="none" w="med" len="med"/>
+                    </a:lnB>
+                    <a:lnTlToBr w="12700" cmpd="sng">
+                      <a:noFill/>
+                      <a:prstDash val="solid"/>
+                    </a:lnTlToBr>
+                    <a:lnBlToTr w="12700" cmpd="sng">
+                      <a:noFill/>
+                      <a:prstDash val="solid"/>
+                    </a:lnBlToTr>
+                  </a:tcPr>
+                </a:tc>
+                <a:tc>
+                  <a:txBody>
+                    <a:bodyPr/>
+                    <a:lstStyle/>
+                    <a:p>
+                      <a:pPr algn="ctr"/>
+                      <a:r>
+                        <a:rPr lang="en-US" sz="1200" dirty="0" smtClean="0"/>
+                        <a:t>4.59</a:t>
+                      </a:r>
+                      <a:endParaRPr lang="en-US" sz="1200" dirty="0"/>
+                    </a:p>
+                  </a:txBody>
+                  <a:tcPr>
+                    <a:lnL w="12700" cmpd="sng">
+                      <a:noFill/>
+                    </a:lnL>
+                    <a:lnR w="12700" cmpd="sng">
+                      <a:noFill/>
+                    </a:lnR>
+                    <a:lnT w="12700" cap="flat" cmpd="sng" algn="ctr">
+                      <a:noFill/>
+                      <a:prstDash val="solid"/>
+                      <a:round/>
+                      <a:headEnd type="none" w="med" len="med"/>
+                      <a:tailEnd type="none" w="med" len="med"/>
+                    </a:lnT>
+                    <a:lnB w="12700" cap="flat" cmpd="sng" algn="ctr">
+                      <a:solidFill>
+                        <a:scrgbClr r="0" g="0" b="0"/>
+                      </a:solidFill>
+                      <a:prstDash val="solid"/>
+                      <a:round/>
+                      <a:headEnd type="none" w="med" len="med"/>
+                      <a:tailEnd type="none" w="med" len="med"/>
+                    </a:lnB>
+                    <a:lnTlToBr w="12700" cmpd="sng">
+                      <a:noFill/>
+                      <a:prstDash val="solid"/>
+                    </a:lnTlToBr>
+                    <a:lnBlToTr w="12700" cmpd="sng">
+                      <a:noFill/>
+                      <a:prstDash val="solid"/>
+                    </a:lnBlToTr>
+                  </a:tcPr>
+                </a:tc>
+              </a:tr>
+              <a:tr h="388449">
+                <a:tc rowSpan="6">
+                  <a:txBody>
+                    <a:bodyPr/>
+                    <a:lstStyle/>
+                    <a:p>
+                      <a:pPr algn="ctr"/>
+                      <a:r>
+                        <a:rPr lang="en-US" sz="1200" b="1" dirty="0" smtClean="0"/>
+                        <a:t>Bus</a:t>
+                      </a:r>
+                    </a:p>
+                    <a:p>
+                      <a:pPr algn="ctr"/>
+                      <a:r>
+                        <a:rPr lang="en-US" sz="1200" b="1" dirty="0" smtClean="0"/>
+                        <a:t>Statistic</a:t>
+                      </a:r>
+                      <a:endParaRPr lang="en-US" sz="1200" b="1" dirty="0"/>
+                    </a:p>
+                  </a:txBody>
+                  <a:tcPr>
+                    <a:lnT w="12700" cap="flat" cmpd="sng" algn="ctr">
+                      <a:solidFill>
+                        <a:scrgbClr r="0" g="0" b="0"/>
+                      </a:solidFill>
+                      <a:prstDash val="solid"/>
+                      <a:round/>
+                      <a:headEnd type="none" w="med" len="med"/>
+                      <a:tailEnd type="none" w="med" len="med"/>
+                    </a:lnT>
+                  </a:tcPr>
+                </a:tc>
+                <a:tc>
+                  <a:txBody>
+                    <a:bodyPr/>
+                    <a:lstStyle/>
+                    <a:p>
+                      <a:pPr algn="ctr"/>
+                      <a:r>
+                        <a:rPr lang="en-US" sz="1200" b="0" dirty="0" smtClean="0"/>
+                        <a:t>Edge Cover </a:t>
+                      </a:r>
+                      <a:r>
+                        <a:rPr lang="en-US" sz="1200" b="0" dirty="0" smtClean="0"/>
+                        <a:t>Rate</a:t>
+                      </a:r>
+                      <a:endParaRPr lang="en-US" sz="1200" b="0" dirty="0"/>
+                    </a:p>
+                  </a:txBody>
+                  <a:tcPr>
+                    <a:lnT w="12700" cap="flat" cmpd="sng" algn="ctr">
+                      <a:solidFill>
+                        <a:scrgbClr r="0" g="0" b="0"/>
+                      </a:solidFill>
+                      <a:prstDash val="solid"/>
+                      <a:round/>
+                      <a:headEnd type="none" w="med" len="med"/>
+                      <a:tailEnd type="none" w="med" len="med"/>
+                    </a:lnT>
+                  </a:tcPr>
+                </a:tc>
+                <a:tc>
+                  <a:txBody>
+                    <a:bodyPr/>
+                    <a:lstStyle/>
+                    <a:p>
+                      <a:pPr algn="ctr"/>
+                      <a:r>
+                        <a:rPr lang="en-US" sz="1200" dirty="0" smtClean="0"/>
+                        <a:t>99.52%</a:t>
+                      </a:r>
+                      <a:endParaRPr lang="en-US" sz="1200" dirty="0"/>
+                    </a:p>
+                  </a:txBody>
+                  <a:tcPr>
+                    <a:lnT w="12700" cap="flat" cmpd="sng" algn="ctr">
+                      <a:solidFill>
+                        <a:scrgbClr r="0" g="0" b="0"/>
+                      </a:solidFill>
+                      <a:prstDash val="solid"/>
+                      <a:round/>
+                      <a:headEnd type="none" w="med" len="med"/>
+                      <a:tailEnd type="none" w="med" len="med"/>
+                    </a:lnT>
+                  </a:tcPr>
+                </a:tc>
+                <a:tc>
+                  <a:txBody>
+                    <a:bodyPr/>
+                    <a:lstStyle/>
+                    <a:p>
+                      <a:pPr algn="ctr"/>
+                      <a:r>
+                        <a:rPr lang="en-US" sz="1200" dirty="0" smtClean="0"/>
+                        <a:t>99.25%</a:t>
+                      </a:r>
+                      <a:endParaRPr lang="en-US" sz="1200" dirty="0"/>
+                    </a:p>
+                  </a:txBody>
+                  <a:tcPr>
+                    <a:lnT w="12700" cap="flat" cmpd="sng" algn="ctr">
+                      <a:solidFill>
+                        <a:scrgbClr r="0" g="0" b="0"/>
+                      </a:solidFill>
+                      <a:prstDash val="solid"/>
+                      <a:round/>
+                      <a:headEnd type="none" w="med" len="med"/>
+                      <a:tailEnd type="none" w="med" len="med"/>
+                    </a:lnT>
+                  </a:tcPr>
+                </a:tc>
+                <a:tc>
+                  <a:txBody>
+                    <a:bodyPr/>
+                    <a:lstStyle/>
+                    <a:p>
+                      <a:pPr algn="ctr"/>
+                      <a:r>
+                        <a:rPr lang="en-US" sz="1200" dirty="0" smtClean="0"/>
+                        <a:t>100.00%</a:t>
+                      </a:r>
+                      <a:endParaRPr lang="en-US" sz="1200" dirty="0"/>
+                    </a:p>
+                  </a:txBody>
+                  <a:tcPr>
+                    <a:lnT w="12700" cap="flat" cmpd="sng" algn="ctr">
+                      <a:solidFill>
+                        <a:scrgbClr r="0" g="0" b="0"/>
+                      </a:solidFill>
+                      <a:prstDash val="solid"/>
+                      <a:round/>
+                      <a:headEnd type="none" w="med" len="med"/>
+                      <a:tailEnd type="none" w="med" len="med"/>
+                    </a:lnT>
+                  </a:tcPr>
+                </a:tc>
+              </a:tr>
+              <a:tr h="388449">
+                <a:tc vMerge="1">
+                  <a:txBody>
+                    <a:bodyPr/>
+                    <a:lstStyle/>
+                    <a:p>
+                      <a:pPr algn="ctr"/>
+                      <a:endParaRPr lang="en-US" sz="1200" b="1" dirty="0"/>
+                    </a:p>
+                  </a:txBody>
+                  <a:tcPr/>
+                </a:tc>
+                <a:tc>
+                  <a:txBody>
+                    <a:bodyPr/>
+                    <a:lstStyle/>
+                    <a:p>
+                      <a:pPr algn="ctr"/>
+                      <a:r>
+                        <a:rPr lang="en-US" sz="1200" b="0" dirty="0" smtClean="0"/>
+                        <a:t>Edge Repeat</a:t>
+                      </a:r>
+                      <a:r>
+                        <a:rPr lang="en-US" sz="1200" b="0" baseline="0" dirty="0" smtClean="0"/>
+                        <a:t> </a:t>
+                      </a:r>
+                      <a:r>
+                        <a:rPr lang="en-US" sz="1200" b="0" baseline="0" dirty="0" smtClean="0"/>
+                        <a:t>Rate</a:t>
+                      </a:r>
+                      <a:endParaRPr lang="en-US" sz="1200" b="0" dirty="0"/>
+                    </a:p>
+                  </a:txBody>
+                  <a:tcPr/>
+                </a:tc>
+                <a:tc>
+                  <a:txBody>
+                    <a:bodyPr/>
+                    <a:lstStyle/>
+                    <a:p>
+                      <a:pPr algn="ctr"/>
+                      <a:r>
+                        <a:rPr lang="en-US" sz="1200" dirty="0" smtClean="0"/>
+                        <a:t>649.25%</a:t>
+                      </a:r>
+                      <a:endParaRPr lang="en-US" sz="1200" dirty="0"/>
+                    </a:p>
+                  </a:txBody>
+                  <a:tcPr/>
+                </a:tc>
+                <a:tc>
+                  <a:txBody>
+                    <a:bodyPr/>
+                    <a:lstStyle/>
+                    <a:p>
+                      <a:pPr algn="ctr"/>
+                      <a:r>
+                        <a:rPr lang="en-US" sz="1200" dirty="0" smtClean="0"/>
+                        <a:t>11.19%</a:t>
+                      </a:r>
+                      <a:endParaRPr lang="en-US" sz="1200" dirty="0"/>
+                    </a:p>
+                  </a:txBody>
+                  <a:tcPr/>
+                </a:tc>
+                <a:tc>
+                  <a:txBody>
+                    <a:bodyPr/>
+                    <a:lstStyle/>
+                    <a:p>
+                      <a:pPr algn="ctr"/>
+                      <a:r>
+                        <a:rPr lang="en-US" sz="1200" dirty="0" smtClean="0"/>
+                        <a:t>0.00%</a:t>
+                      </a:r>
+                      <a:endParaRPr lang="en-US" sz="1200" dirty="0"/>
+                    </a:p>
+                  </a:txBody>
+                  <a:tcPr/>
+                </a:tc>
+              </a:tr>
+              <a:tr h="388449">
+                <a:tc vMerge="1">
+                  <a:txBody>
+                    <a:bodyPr/>
+                    <a:lstStyle/>
+                    <a:p>
+                      <a:pPr algn="ctr"/>
+                      <a:endParaRPr lang="en-US" sz="1200" b="1" dirty="0"/>
+                    </a:p>
+                  </a:txBody>
+                  <a:tcPr/>
+                </a:tc>
+                <a:tc>
+                  <a:txBody>
+                    <a:bodyPr/>
+                    <a:lstStyle/>
+                    <a:p>
+                      <a:pPr algn="ctr"/>
+                      <a:r>
+                        <a:rPr lang="en-US" sz="1200" b="0" dirty="0" smtClean="0"/>
+                        <a:t>Bus Generated</a:t>
+                      </a:r>
+                      <a:endParaRPr lang="en-US" sz="1200" b="0" dirty="0"/>
+                    </a:p>
+                  </a:txBody>
+                  <a:tcPr/>
+                </a:tc>
+                <a:tc>
+                  <a:txBody>
+                    <a:bodyPr/>
+                    <a:lstStyle/>
+                    <a:p>
+                      <a:pPr algn="ctr"/>
+                      <a:r>
+                        <a:rPr lang="en-US" sz="1200" dirty="0" smtClean="0"/>
+                        <a:t>81,650</a:t>
+                      </a:r>
+                      <a:endParaRPr lang="en-US" sz="1200" dirty="0"/>
+                    </a:p>
+                  </a:txBody>
+                  <a:tcPr/>
+                </a:tc>
+                <a:tc>
+                  <a:txBody>
+                    <a:bodyPr/>
+                    <a:lstStyle/>
+                    <a:p>
+                      <a:pPr algn="ctr"/>
+                      <a:r>
+                        <a:rPr lang="en-US" sz="1200" dirty="0" smtClean="0"/>
+                        <a:t>19020</a:t>
+                      </a:r>
+                      <a:endParaRPr lang="en-US" sz="1200" dirty="0"/>
+                    </a:p>
+                  </a:txBody>
+                  <a:tcPr/>
+                </a:tc>
+                <a:tc>
+                  <a:txBody>
+                    <a:bodyPr/>
+                    <a:lstStyle/>
+                    <a:p>
+                      <a:pPr algn="ctr"/>
+                      <a:r>
+                        <a:rPr lang="en-US" sz="1200" dirty="0" smtClean="0"/>
+                        <a:t>127,434</a:t>
+                      </a:r>
+                      <a:endParaRPr lang="en-US" sz="1200" dirty="0"/>
+                    </a:p>
+                  </a:txBody>
+                  <a:tcPr/>
+                </a:tc>
+              </a:tr>
+              <a:tr h="388449">
+                <a:tc vMerge="1">
+                  <a:txBody>
+                    <a:bodyPr/>
+                    <a:lstStyle/>
+                    <a:p>
+                      <a:pPr algn="ctr"/>
+                      <a:endParaRPr lang="en-US" sz="1200" b="1" dirty="0"/>
+                    </a:p>
+                  </a:txBody>
+                  <a:tcPr/>
+                </a:tc>
+                <a:tc>
+                  <a:txBody>
+                    <a:bodyPr/>
+                    <a:lstStyle/>
+                    <a:p>
+                      <a:pPr algn="ctr"/>
+                      <a:r>
+                        <a:rPr lang="en-US" sz="1200" b="0" dirty="0" smtClean="0"/>
+                        <a:t>Avg. </a:t>
+                      </a:r>
+                      <a:r>
+                        <a:rPr lang="en-US" sz="1200" b="0" baseline="0" dirty="0" smtClean="0"/>
+                        <a:t>Bus on Map</a:t>
+                      </a:r>
+                      <a:endParaRPr lang="en-US" sz="1200" b="0" dirty="0"/>
+                    </a:p>
+                  </a:txBody>
+                  <a:tcPr/>
+                </a:tc>
+                <a:tc>
+                  <a:txBody>
+                    <a:bodyPr/>
+                    <a:lstStyle/>
+                    <a:p>
+                      <a:pPr algn="ctr"/>
+                      <a:r>
+                        <a:rPr lang="en-US" sz="1200" dirty="0" smtClean="0"/>
+                        <a:t>184</a:t>
+                      </a:r>
+                      <a:endParaRPr lang="en-US" sz="1200" dirty="0"/>
+                    </a:p>
+                  </a:txBody>
+                  <a:tcPr/>
+                </a:tc>
+                <a:tc>
+                  <a:txBody>
+                    <a:bodyPr/>
+                    <a:lstStyle/>
+                    <a:p>
+                      <a:pPr algn="ctr"/>
+                      <a:r>
+                        <a:rPr lang="en-US" sz="1200" dirty="0" smtClean="0"/>
+                        <a:t>36</a:t>
+                      </a:r>
+                      <a:endParaRPr lang="en-US" sz="1200" dirty="0"/>
+                    </a:p>
+                  </a:txBody>
+                  <a:tcPr/>
+                </a:tc>
+                <a:tc>
+                  <a:txBody>
+                    <a:bodyPr/>
+                    <a:lstStyle/>
+                    <a:p>
+                      <a:pPr algn="ctr"/>
+                      <a:r>
+                        <a:rPr lang="en-US" sz="1200" dirty="0" smtClean="0"/>
+                        <a:t>22</a:t>
+                      </a:r>
+                      <a:endParaRPr lang="en-US" sz="1200" dirty="0"/>
+                    </a:p>
+                  </a:txBody>
+                  <a:tcPr/>
+                </a:tc>
+              </a:tr>
+              <a:tr h="409514">
+                <a:tc vMerge="1">
+                  <a:txBody>
+                    <a:bodyPr/>
+                    <a:lstStyle/>
+                    <a:p>
+                      <a:pPr algn="ctr"/>
+                      <a:endParaRPr lang="en-US" sz="1200" b="1" dirty="0"/>
+                    </a:p>
+                  </a:txBody>
+                  <a:tcPr/>
+                </a:tc>
+                <a:tc>
+                  <a:txBody>
+                    <a:bodyPr/>
+                    <a:lstStyle/>
+                    <a:p>
+                      <a:pPr algn="ctr"/>
+                      <a:r>
+                        <a:rPr lang="en-US" sz="1200" b="0" dirty="0" smtClean="0"/>
+                        <a:t>Total Travel</a:t>
+                      </a:r>
+                      <a:r>
+                        <a:rPr lang="en-US" sz="1200" b="0" baseline="0" dirty="0" smtClean="0"/>
+                        <a:t> Dist.</a:t>
+                      </a:r>
+                      <a:endParaRPr lang="en-US" sz="1200" b="0" dirty="0"/>
+                    </a:p>
+                  </a:txBody>
+                  <a:tcPr/>
+                </a:tc>
+                <a:tc>
+                  <a:txBody>
+                    <a:bodyPr/>
+                    <a:lstStyle/>
+                    <a:p>
+                      <a:pPr algn="ctr"/>
+                      <a:r>
+                        <a:rPr lang="en-US" sz="1200" dirty="0" smtClean="0"/>
+                        <a:t>1,062,990 km</a:t>
+                      </a:r>
+                      <a:endParaRPr lang="en-US" sz="1200" dirty="0"/>
+                    </a:p>
+                  </a:txBody>
+                  <a:tcPr/>
+                </a:tc>
+                <a:tc>
+                  <a:txBody>
+                    <a:bodyPr/>
+                    <a:lstStyle/>
+                    <a:p>
+                      <a:pPr algn="ctr"/>
+                      <a:r>
+                        <a:rPr lang="en-US" sz="1200" dirty="0" smtClean="0"/>
+                        <a:t>216,069 km</a:t>
+                      </a:r>
+                      <a:endParaRPr lang="en-US" sz="1200" dirty="0"/>
+                    </a:p>
+                  </a:txBody>
+                  <a:tcPr/>
+                </a:tc>
+                <a:tc>
+                  <a:txBody>
+                    <a:bodyPr/>
+                    <a:lstStyle/>
+                    <a:p>
+                      <a:pPr algn="ctr"/>
+                      <a:r>
+                        <a:rPr lang="en-US" sz="1200" dirty="0" smtClean="0"/>
+                        <a:t>196,107 km</a:t>
+                      </a:r>
+                      <a:endParaRPr lang="en-US" sz="1200" dirty="0"/>
+                    </a:p>
+                  </a:txBody>
+                  <a:tcPr/>
+                </a:tc>
+              </a:tr>
+              <a:tr h="388449">
+                <a:tc vMerge="1">
+                  <a:txBody>
+                    <a:bodyPr/>
+                    <a:lstStyle/>
+                    <a:p>
+                      <a:pPr algn="ctr"/>
+                      <a:endParaRPr lang="en-US" sz="1200" b="1" dirty="0"/>
+                    </a:p>
+                  </a:txBody>
+                  <a:tcPr/>
+                </a:tc>
+                <a:tc>
+                  <a:txBody>
+                    <a:bodyPr/>
+                    <a:lstStyle/>
+                    <a:p>
+                      <a:pPr algn="ctr"/>
+                      <a:r>
+                        <a:rPr lang="en-US" sz="1200" b="0" dirty="0" smtClean="0"/>
+                        <a:t>Average Capacity</a:t>
+                      </a:r>
+                      <a:endParaRPr lang="en-US" sz="1200" b="0" dirty="0"/>
+                    </a:p>
+                  </a:txBody>
+                  <a:tcPr/>
+                </a:tc>
+                <a:tc>
+                  <a:txBody>
+                    <a:bodyPr/>
+                    <a:lstStyle/>
+                    <a:p>
+                      <a:pPr algn="ctr"/>
+                      <a:r>
+                        <a:rPr lang="en-US" sz="1200" dirty="0" smtClean="0"/>
+                        <a:t>2.18</a:t>
+                      </a:r>
+                      <a:endParaRPr lang="en-US" sz="1200" dirty="0"/>
+                    </a:p>
+                  </a:txBody>
+                  <a:tcPr/>
+                </a:tc>
+                <a:tc>
+                  <a:txBody>
+                    <a:bodyPr/>
+                    <a:lstStyle/>
+                    <a:p>
+                      <a:pPr algn="ctr"/>
+                      <a:r>
+                        <a:rPr lang="en-US" sz="1200" dirty="0" smtClean="0"/>
+                        <a:t>9.69</a:t>
+                      </a:r>
+                      <a:endParaRPr lang="en-US" sz="1200" dirty="0"/>
+                    </a:p>
+                  </a:txBody>
+                  <a:tcPr/>
+                </a:tc>
+                <a:tc>
+                  <a:txBody>
+                    <a:bodyPr/>
+                    <a:lstStyle/>
+                    <a:p>
+                      <a:pPr algn="ctr"/>
+                      <a:r>
+                        <a:rPr lang="en-US" sz="1200" dirty="0" smtClean="0"/>
+                        <a:t>5.79</a:t>
+                      </a:r>
+                      <a:endParaRPr lang="en-US" sz="1200" dirty="0"/>
+                    </a:p>
+                  </a:txBody>
+                  <a:tcPr/>
+                </a:tc>
+              </a:tr>
+            </a:tbl>
+          </a:graphicData>
+        </a:graphic>
+      </p:graphicFrame>
     </p:spTree>
     <p:extLst>
       <p:ext uri="{BB962C8B-B14F-4D97-AF65-F5344CB8AC3E}">
-        <p14:creationId xmlns="" xmlns:p14="http://schemas.microsoft.com/office/powerpoint/2010/main" val="3939641284"/>
+        <p14:creationId xmlns:p14="http://schemas.microsoft.com/office/powerpoint/2010/main" val="3939641284"/>
       </p:ext>
     </p:extLst>
   </p:cSld>
@@ -8017,7 +9187,7 @@
   <p:timing>
     <p:tnLst>
       <p:par>
-        <p:cTn id="1" dur="indefinite" restart="never" nodeType="tmRoot"/>
+        <p:cTn xmlns:p14="http://schemas.microsoft.com/office/powerpoint/2010/main" id="1" dur="indefinite" restart="never" nodeType="tmRoot"/>
       </p:par>
     </p:tnLst>
   </p:timing>
@@ -8058,291 +9228,1372 @@
           <a:p>
             <a:r>
               <a:rPr lang="en-US" dirty="0" smtClean="0"/>
-              <a:t>Result – Morning</a:t>
+              <a:t>Result – </a:t>
+            </a:r>
+            <a:r>
+              <a:rPr lang="en-US" dirty="0" smtClean="0"/>
+              <a:t>Morning</a:t>
             </a:r>
             <a:endParaRPr lang="en-US" dirty="0"/>
           </a:p>
         </p:txBody>
       </p:sp>
-      <p:grpSp>
-        <p:nvGrpSpPr>
-          <p:cNvPr id="11" name="群組 10"/>
-          <p:cNvGrpSpPr/>
-          <p:nvPr/>
-        </p:nvGrpSpPr>
-        <p:grpSpPr>
-          <a:xfrm>
-            <a:off x="238539" y="2234923"/>
-            <a:ext cx="8658000" cy="2469600"/>
-            <a:chOff x="207073" y="2225448"/>
-            <a:chExt cx="8657272" cy="2468807"/>
-          </a:xfrm>
-        </p:grpSpPr>
-        <p:sp>
-          <p:nvSpPr>
-            <p:cNvPr id="12" name="TextBox 6"/>
-            <p:cNvSpPr txBox="1"/>
-            <p:nvPr/>
-          </p:nvSpPr>
-          <p:spPr>
-            <a:xfrm>
-              <a:off x="207073" y="2236560"/>
-              <a:ext cx="1197383" cy="363387"/>
-            </a:xfrm>
-            <a:prstGeom prst="rect">
-              <a:avLst/>
-            </a:prstGeom>
-          </p:spPr>
-          <p:style>
-            <a:lnRef idx="2">
-              <a:schemeClr val="accent2">
-                <a:shade val="50000"/>
-              </a:schemeClr>
-            </a:lnRef>
-            <a:fillRef idx="1">
-              <a:schemeClr val="accent2"/>
-            </a:fillRef>
-            <a:effectRef idx="0">
-              <a:schemeClr val="accent2"/>
-            </a:effectRef>
-            <a:fontRef idx="minor">
-              <a:schemeClr val="lt1"/>
-            </a:fontRef>
-          </p:style>
-          <p:txBody>
-            <a:bodyPr wrap="square" rtlCol="0">
-              <a:spAutoFit/>
-            </a:bodyPr>
-            <a:lstStyle/>
-            <a:p>
-              <a:r>
-                <a:rPr lang="en-US" dirty="0" smtClean="0">
-                  <a:solidFill>
-                    <a:srgbClr val="000000"/>
-                  </a:solidFill>
-                </a:rPr>
-                <a:t>Original</a:t>
-              </a:r>
-              <a:endParaRPr lang="en-US" dirty="0">
-                <a:solidFill>
-                  <a:srgbClr val="000000"/>
-                </a:solidFill>
-              </a:endParaRPr>
-            </a:p>
-          </p:txBody>
-        </p:sp>
-        <p:sp>
-          <p:nvSpPr>
-            <p:cNvPr id="13" name="TextBox 7"/>
-            <p:cNvSpPr txBox="1"/>
-            <p:nvPr/>
-          </p:nvSpPr>
-          <p:spPr>
-            <a:xfrm>
-              <a:off x="3146519" y="2225448"/>
-              <a:ext cx="883511" cy="369332"/>
-            </a:xfrm>
-            <a:prstGeom prst="rect">
-              <a:avLst/>
-            </a:prstGeom>
-          </p:spPr>
-          <p:style>
-            <a:lnRef idx="2">
-              <a:schemeClr val="accent2">
-                <a:shade val="50000"/>
-              </a:schemeClr>
-            </a:lnRef>
-            <a:fillRef idx="1">
-              <a:schemeClr val="accent2"/>
-            </a:fillRef>
-            <a:effectRef idx="0">
-              <a:schemeClr val="accent2"/>
-            </a:effectRef>
-            <a:fontRef idx="minor">
-              <a:schemeClr val="lt1"/>
-            </a:fontRef>
-          </p:style>
-          <p:txBody>
-            <a:bodyPr wrap="square" rtlCol="0">
-              <a:spAutoFit/>
-            </a:bodyPr>
-            <a:lstStyle/>
-            <a:p>
-              <a:r>
-                <a:rPr lang="en-US" dirty="0" smtClean="0">
-                  <a:solidFill>
-                    <a:srgbClr val="000000"/>
-                  </a:solidFill>
-                </a:rPr>
-                <a:t>Chess</a:t>
-              </a:r>
-              <a:endParaRPr lang="en-US" dirty="0">
-                <a:solidFill>
-                  <a:srgbClr val="000000"/>
-                </a:solidFill>
-              </a:endParaRPr>
-            </a:p>
-          </p:txBody>
-        </p:sp>
-        <p:sp>
-          <p:nvSpPr>
-            <p:cNvPr id="14" name="TextBox 8"/>
-            <p:cNvSpPr txBox="1"/>
-            <p:nvPr/>
-          </p:nvSpPr>
-          <p:spPr>
-            <a:xfrm>
-              <a:off x="6038755" y="2250671"/>
-              <a:ext cx="883511" cy="369332"/>
-            </a:xfrm>
-            <a:prstGeom prst="rect">
-              <a:avLst/>
-            </a:prstGeom>
-          </p:spPr>
-          <p:style>
-            <a:lnRef idx="2">
-              <a:schemeClr val="accent2">
-                <a:shade val="50000"/>
-              </a:schemeClr>
-            </a:lnRef>
-            <a:fillRef idx="1">
-              <a:schemeClr val="accent2"/>
-            </a:fillRef>
-            <a:effectRef idx="0">
-              <a:schemeClr val="accent2"/>
-            </a:effectRef>
-            <a:fontRef idx="minor">
-              <a:schemeClr val="lt1"/>
-            </a:fontRef>
-          </p:style>
-          <p:txBody>
-            <a:bodyPr wrap="square" rtlCol="0">
-              <a:spAutoFit/>
-            </a:bodyPr>
-            <a:lstStyle/>
-            <a:p>
-              <a:r>
-                <a:rPr lang="en-US" dirty="0" err="1" smtClean="0">
-                  <a:solidFill>
-                    <a:srgbClr val="000000"/>
-                  </a:solidFill>
-                </a:rPr>
-                <a:t>Allpair</a:t>
-              </a:r>
-              <a:endParaRPr lang="en-US" dirty="0">
-                <a:solidFill>
-                  <a:srgbClr val="000000"/>
-                </a:solidFill>
-              </a:endParaRPr>
-            </a:p>
-          </p:txBody>
-        </p:sp>
-        <p:pic>
-          <p:nvPicPr>
-            <p:cNvPr id="15" name="Picture 9" descr="螢幕快照 2012-06-21 上午3.33.43.png"/>
-            <p:cNvPicPr>
-              <a:picLocks noChangeAspect="1"/>
-            </p:cNvPicPr>
-            <p:nvPr/>
-          </p:nvPicPr>
-          <p:blipFill>
-            <a:blip r:embed="rId3">
-              <a:extLst>
-                <a:ext uri="{28A0092B-C50C-407E-A947-70E740481C1C}">
-                  <a14:useLocalDpi xmlns="" xmlns:a14="http://schemas.microsoft.com/office/drawing/2010/main" val="0"/>
-                </a:ext>
-              </a:extLst>
-            </a:blip>
-            <a:stretch>
-              <a:fillRect/>
-            </a:stretch>
-          </p:blipFill>
-          <p:spPr>
-            <a:xfrm>
-              <a:off x="207073" y="2605892"/>
-              <a:ext cx="2789790" cy="2074253"/>
-            </a:xfrm>
-            <a:prstGeom prst="rect">
-              <a:avLst/>
-            </a:prstGeom>
-          </p:spPr>
-        </p:pic>
-        <p:pic>
-          <p:nvPicPr>
-            <p:cNvPr id="16" name="Picture 10" descr="螢幕快照 2012-06-21 上午3.33.53.png"/>
-            <p:cNvPicPr>
-              <a:picLocks noChangeAspect="1"/>
-            </p:cNvPicPr>
-            <p:nvPr/>
-          </p:nvPicPr>
-          <p:blipFill>
-            <a:blip r:embed="rId4">
-              <a:extLst>
-                <a:ext uri="{28A0092B-C50C-407E-A947-70E740481C1C}">
-                  <a14:useLocalDpi xmlns="" xmlns:a14="http://schemas.microsoft.com/office/drawing/2010/main" val="0"/>
-                </a:ext>
-              </a:extLst>
-            </a:blip>
-            <a:stretch>
-              <a:fillRect/>
-            </a:stretch>
-          </p:blipFill>
-          <p:spPr>
-            <a:xfrm>
-              <a:off x="3132715" y="2605892"/>
-              <a:ext cx="2757723" cy="2074253"/>
-            </a:xfrm>
-            <a:prstGeom prst="rect">
-              <a:avLst/>
-            </a:prstGeom>
-          </p:spPr>
-        </p:pic>
-        <p:pic>
-          <p:nvPicPr>
-            <p:cNvPr id="17" name="Picture 13" descr="螢幕快照 2012-06-21 上午3.39.40.png"/>
-            <p:cNvPicPr>
-              <a:picLocks noChangeAspect="1"/>
-            </p:cNvPicPr>
-            <p:nvPr/>
-          </p:nvPicPr>
-          <p:blipFill>
-            <a:blip r:embed="rId5">
-              <a:extLst>
-                <a:ext uri="{28A0092B-C50C-407E-A947-70E740481C1C}">
-                  <a14:useLocalDpi xmlns="" xmlns:a14="http://schemas.microsoft.com/office/drawing/2010/main" val="0"/>
-                </a:ext>
-              </a:extLst>
-            </a:blip>
-            <a:stretch>
-              <a:fillRect/>
-            </a:stretch>
-          </p:blipFill>
-          <p:spPr>
-            <a:xfrm>
-              <a:off x="6038755" y="2608890"/>
-              <a:ext cx="2825590" cy="2085365"/>
-            </a:xfrm>
-            <a:prstGeom prst="rect">
-              <a:avLst/>
-            </a:prstGeom>
-          </p:spPr>
-        </p:pic>
-      </p:grpSp>
+      <p:graphicFrame>
+        <p:nvGraphicFramePr>
+          <p:cNvPr id="11" name="Table 10"/>
+          <p:cNvGraphicFramePr>
+            <a:graphicFrameLocks noGrp="1"/>
+          </p:cNvGraphicFramePr>
+          <p:nvPr>
+            <p:extLst>
+              <p:ext uri="{D42A27DB-BD31-4B8C-83A1-F6EECF244321}">
+                <p14:modId xmlns:p14="http://schemas.microsoft.com/office/powerpoint/2010/main" val="3259247888"/>
+              </p:ext>
+            </p:extLst>
+          </p:nvPr>
+        </p:nvGraphicFramePr>
+        <p:xfrm>
+          <a:off x="1515342" y="1605280"/>
+          <a:ext cx="6127235" cy="5073210"/>
+        </p:xfrm>
+        <a:graphic>
+          <a:graphicData uri="http://schemas.openxmlformats.org/drawingml/2006/table">
+            <a:tbl>
+              <a:tblPr firstRow="1" bandRow="1">
+                <a:tableStyleId>{5C22544A-7EE6-4342-B048-85BDC9FD1C3A}</a:tableStyleId>
+              </a:tblPr>
+              <a:tblGrid>
+                <a:gridCol w="968213"/>
+                <a:gridCol w="1691454"/>
+                <a:gridCol w="1016674"/>
+                <a:gridCol w="1225447"/>
+                <a:gridCol w="1225447"/>
+              </a:tblGrid>
+              <a:tr h="245709">
+                <a:tc>
+                  <a:txBody>
+                    <a:bodyPr/>
+                    <a:lstStyle/>
+                    <a:p>
+                      <a:pPr algn="ctr"/>
+                      <a:endParaRPr lang="en-US" sz="1200" dirty="0"/>
+                    </a:p>
+                  </a:txBody>
+                  <a:tcPr/>
+                </a:tc>
+                <a:tc>
+                  <a:txBody>
+                    <a:bodyPr/>
+                    <a:lstStyle/>
+                    <a:p>
+                      <a:pPr algn="ctr"/>
+                      <a:endParaRPr lang="en-US" sz="1200" dirty="0"/>
+                    </a:p>
+                  </a:txBody>
+                  <a:tcPr/>
+                </a:tc>
+                <a:tc>
+                  <a:txBody>
+                    <a:bodyPr/>
+                    <a:lstStyle/>
+                    <a:p>
+                      <a:pPr algn="ctr"/>
+                      <a:r>
+                        <a:rPr lang="en-US" sz="1200" dirty="0" smtClean="0">
+                          <a:solidFill>
+                            <a:schemeClr val="tx1"/>
+                          </a:solidFill>
+                        </a:rPr>
+                        <a:t>Original</a:t>
+                      </a:r>
+                      <a:endParaRPr lang="en-US" sz="1200" dirty="0">
+                        <a:solidFill>
+                          <a:schemeClr val="tx1"/>
+                        </a:solidFill>
+                      </a:endParaRPr>
+                    </a:p>
+                  </a:txBody>
+                  <a:tcPr/>
+                </a:tc>
+                <a:tc>
+                  <a:txBody>
+                    <a:bodyPr/>
+                    <a:lstStyle/>
+                    <a:p>
+                      <a:pPr algn="ctr"/>
+                      <a:r>
+                        <a:rPr lang="en-US" sz="1200" dirty="0" smtClean="0">
+                          <a:solidFill>
+                            <a:schemeClr val="tx1"/>
+                          </a:solidFill>
+                        </a:rPr>
+                        <a:t>Chessboard</a:t>
+                      </a:r>
+                      <a:endParaRPr lang="en-US" sz="1200" dirty="0">
+                        <a:solidFill>
+                          <a:schemeClr val="tx1"/>
+                        </a:solidFill>
+                      </a:endParaRPr>
+                    </a:p>
+                  </a:txBody>
+                  <a:tcPr/>
+                </a:tc>
+                <a:tc>
+                  <a:txBody>
+                    <a:bodyPr/>
+                    <a:lstStyle/>
+                    <a:p>
+                      <a:pPr algn="ctr"/>
+                      <a:r>
+                        <a:rPr lang="en-US" sz="1200" dirty="0" smtClean="0">
+                          <a:solidFill>
+                            <a:schemeClr val="tx1"/>
+                          </a:solidFill>
+                        </a:rPr>
+                        <a:t>All-pair</a:t>
+                      </a:r>
+                      <a:endParaRPr lang="en-US" sz="1200" dirty="0">
+                        <a:solidFill>
+                          <a:schemeClr val="tx1"/>
+                        </a:solidFill>
+                      </a:endParaRPr>
+                    </a:p>
+                  </a:txBody>
+                  <a:tcPr/>
+                </a:tc>
+              </a:tr>
+              <a:tr h="388449">
+                <a:tc rowSpan="6">
+                  <a:txBody>
+                    <a:bodyPr/>
+                    <a:lstStyle/>
+                    <a:p>
+                      <a:pPr algn="ctr"/>
+                      <a:r>
+                        <a:rPr lang="en-US" sz="1200" b="1" dirty="0" smtClean="0"/>
+                        <a:t>Client Statistics</a:t>
+                      </a:r>
+                      <a:endParaRPr lang="en-US" sz="1200" b="1" dirty="0"/>
+                    </a:p>
+                  </a:txBody>
+                  <a:tcPr>
+                    <a:lnB w="12700" cap="flat" cmpd="sng" algn="ctr">
+                      <a:solidFill>
+                        <a:scrgbClr r="0" g="0" b="0"/>
+                      </a:solidFill>
+                      <a:prstDash val="solid"/>
+                      <a:round/>
+                      <a:headEnd type="none" w="med" len="med"/>
+                      <a:tailEnd type="none" w="med" len="med"/>
+                    </a:lnB>
+                  </a:tcPr>
+                </a:tc>
+                <a:tc>
+                  <a:txBody>
+                    <a:bodyPr/>
+                    <a:lstStyle/>
+                    <a:p>
+                      <a:pPr algn="ctr"/>
+                      <a:r>
+                        <a:rPr lang="en-US" sz="1200" b="0" dirty="0" smtClean="0"/>
+                        <a:t>Client</a:t>
+                      </a:r>
+                      <a:r>
+                        <a:rPr lang="en-US" sz="1200" b="0" baseline="0" dirty="0" smtClean="0"/>
+                        <a:t> Generated</a:t>
+                      </a:r>
+                      <a:endParaRPr lang="en-US" sz="1200" b="0" dirty="0"/>
+                    </a:p>
+                  </a:txBody>
+                  <a:tcPr/>
+                </a:tc>
+                <a:tc>
+                  <a:txBody>
+                    <a:bodyPr/>
+                    <a:lstStyle/>
+                    <a:p>
+                      <a:pPr algn="ctr"/>
+                      <a:r>
+                        <a:rPr lang="en-US" sz="1200" dirty="0" smtClean="0"/>
+                        <a:t>1,141,862</a:t>
+                      </a:r>
+                      <a:endParaRPr lang="en-US" sz="1200" dirty="0"/>
+                    </a:p>
+                  </a:txBody>
+                  <a:tcPr/>
+                </a:tc>
+                <a:tc>
+                  <a:txBody>
+                    <a:bodyPr/>
+                    <a:lstStyle/>
+                    <a:p>
+                      <a:pPr algn="ctr"/>
+                      <a:r>
+                        <a:rPr lang="en-US" sz="1200" dirty="0" smtClean="0"/>
+                        <a:t>1,142,108</a:t>
+                      </a:r>
+                      <a:endParaRPr lang="en-US" sz="1200" dirty="0"/>
+                    </a:p>
+                  </a:txBody>
+                  <a:tcPr/>
+                </a:tc>
+                <a:tc>
+                  <a:txBody>
+                    <a:bodyPr/>
+                    <a:lstStyle/>
+                    <a:p>
+                      <a:pPr algn="ctr"/>
+                      <a:r>
+                        <a:rPr lang="en-US" sz="1200" dirty="0" smtClean="0"/>
+                        <a:t>1,141,338</a:t>
+                      </a:r>
+                      <a:endParaRPr lang="en-US" sz="1200" dirty="0"/>
+                    </a:p>
+                  </a:txBody>
+                  <a:tcPr/>
+                </a:tc>
+              </a:tr>
+              <a:tr h="388449">
+                <a:tc vMerge="1">
+                  <a:txBody>
+                    <a:bodyPr/>
+                    <a:lstStyle/>
+                    <a:p>
+                      <a:pPr algn="ctr"/>
+                      <a:endParaRPr lang="en-US" sz="1200" b="1" dirty="0"/>
+                    </a:p>
+                  </a:txBody>
+                  <a:tcPr/>
+                </a:tc>
+                <a:tc>
+                  <a:txBody>
+                    <a:bodyPr/>
+                    <a:lstStyle/>
+                    <a:p>
+                      <a:pPr algn="ctr"/>
+                      <a:r>
+                        <a:rPr lang="en-US" sz="1200" b="0" dirty="0" smtClean="0"/>
+                        <a:t>Client</a:t>
+                      </a:r>
+                      <a:r>
+                        <a:rPr lang="en-US" sz="1200" b="0" baseline="0" dirty="0" smtClean="0"/>
+                        <a:t> Left on </a:t>
+                      </a:r>
+                      <a:r>
+                        <a:rPr lang="en-US" sz="1200" b="0" baseline="0" dirty="0" smtClean="0"/>
+                        <a:t>Map</a:t>
+                      </a:r>
+                      <a:endParaRPr lang="en-US" sz="1200" b="0" dirty="0"/>
+                    </a:p>
+                  </a:txBody>
+                  <a:tcPr/>
+                </a:tc>
+                <a:tc>
+                  <a:txBody>
+                    <a:bodyPr/>
+                    <a:lstStyle/>
+                    <a:p>
+                      <a:pPr algn="ctr"/>
+                      <a:r>
+                        <a:rPr lang="en-US" sz="1200" dirty="0" smtClean="0"/>
+                        <a:t>403</a:t>
+                      </a:r>
+                      <a:endParaRPr lang="en-US" sz="1200" dirty="0"/>
+                    </a:p>
+                  </a:txBody>
+                  <a:tcPr/>
+                </a:tc>
+                <a:tc>
+                  <a:txBody>
+                    <a:bodyPr/>
+                    <a:lstStyle/>
+                    <a:p>
+                      <a:pPr algn="ctr"/>
+                      <a:r>
+                        <a:rPr lang="en-US" sz="1200" dirty="0" smtClean="0"/>
+                        <a:t>449</a:t>
+                      </a:r>
+                      <a:endParaRPr lang="en-US" sz="1200" dirty="0"/>
+                    </a:p>
+                  </a:txBody>
+                  <a:tcPr/>
+                </a:tc>
+                <a:tc>
+                  <a:txBody>
+                    <a:bodyPr/>
+                    <a:lstStyle/>
+                    <a:p>
+                      <a:pPr algn="ctr"/>
+                      <a:r>
+                        <a:rPr lang="en-US" sz="1200" dirty="0" smtClean="0"/>
+                        <a:t>4479</a:t>
+                      </a:r>
+                      <a:endParaRPr lang="en-US" sz="1200" dirty="0"/>
+                    </a:p>
+                  </a:txBody>
+                  <a:tcPr/>
+                </a:tc>
+              </a:tr>
+              <a:tr h="388449">
+                <a:tc vMerge="1">
+                  <a:txBody>
+                    <a:bodyPr/>
+                    <a:lstStyle/>
+                    <a:p>
+                      <a:pPr algn="ctr"/>
+                      <a:endParaRPr lang="en-US" sz="1200" b="1" dirty="0"/>
+                    </a:p>
+                  </a:txBody>
+                  <a:tcPr/>
+                </a:tc>
+                <a:tc>
+                  <a:txBody>
+                    <a:bodyPr/>
+                    <a:lstStyle/>
+                    <a:p>
+                      <a:pPr algn="ctr"/>
+                      <a:r>
+                        <a:rPr lang="en-US" sz="1200" b="0" dirty="0" smtClean="0"/>
+                        <a:t>Completion</a:t>
+                      </a:r>
+                      <a:r>
+                        <a:rPr lang="en-US" sz="1200" b="0" baseline="0" dirty="0" smtClean="0"/>
+                        <a:t> </a:t>
+                      </a:r>
+                      <a:r>
+                        <a:rPr lang="en-US" sz="1200" b="0" baseline="0" dirty="0" smtClean="0"/>
+                        <a:t>Rate</a:t>
+                      </a:r>
+                      <a:endParaRPr lang="en-US" sz="1200" b="0" dirty="0"/>
+                    </a:p>
+                  </a:txBody>
+                  <a:tcPr/>
+                </a:tc>
+                <a:tc>
+                  <a:txBody>
+                    <a:bodyPr/>
+                    <a:lstStyle/>
+                    <a:p>
+                      <a:pPr algn="ctr"/>
+                      <a:r>
+                        <a:rPr lang="en-US" sz="1200" dirty="0" smtClean="0"/>
+                        <a:t>99.96%</a:t>
+                      </a:r>
+                      <a:endParaRPr lang="en-US" sz="1200" dirty="0"/>
+                    </a:p>
+                  </a:txBody>
+                  <a:tcPr/>
+                </a:tc>
+                <a:tc>
+                  <a:txBody>
+                    <a:bodyPr/>
+                    <a:lstStyle/>
+                    <a:p>
+                      <a:pPr algn="ctr"/>
+                      <a:r>
+                        <a:rPr lang="en-US" sz="1200" dirty="0" smtClean="0"/>
+                        <a:t>99.96%</a:t>
+                      </a:r>
+                      <a:endParaRPr lang="en-US" sz="1200" dirty="0"/>
+                    </a:p>
+                  </a:txBody>
+                  <a:tcPr/>
+                </a:tc>
+                <a:tc>
+                  <a:txBody>
+                    <a:bodyPr/>
+                    <a:lstStyle/>
+                    <a:p>
+                      <a:pPr algn="ctr"/>
+                      <a:r>
+                        <a:rPr lang="en-US" sz="1200" dirty="0" smtClean="0"/>
+                        <a:t>99.61%</a:t>
+                      </a:r>
+                      <a:endParaRPr lang="en-US" sz="1200" dirty="0"/>
+                    </a:p>
+                  </a:txBody>
+                  <a:tcPr/>
+                </a:tc>
+              </a:tr>
+              <a:tr h="388449">
+                <a:tc vMerge="1">
+                  <a:txBody>
+                    <a:bodyPr/>
+                    <a:lstStyle/>
+                    <a:p>
+                      <a:pPr algn="ctr"/>
+                      <a:endParaRPr lang="en-US" sz="1200" b="1" dirty="0"/>
+                    </a:p>
+                  </a:txBody>
+                  <a:tcPr/>
+                </a:tc>
+                <a:tc>
+                  <a:txBody>
+                    <a:bodyPr/>
+                    <a:lstStyle/>
+                    <a:p>
+                      <a:pPr algn="ctr"/>
+                      <a:r>
+                        <a:rPr lang="en-US" sz="1200" b="0" dirty="0" smtClean="0"/>
+                        <a:t>Average</a:t>
+                      </a:r>
+                      <a:r>
+                        <a:rPr lang="en-US" sz="1200" b="0" baseline="0" dirty="0" smtClean="0"/>
+                        <a:t> Time </a:t>
+                      </a:r>
+                      <a:r>
+                        <a:rPr lang="en-US" sz="1200" b="0" baseline="0" dirty="0" smtClean="0"/>
+                        <a:t>Cost</a:t>
+                      </a:r>
+                      <a:endParaRPr lang="en-US" sz="1200" b="0" dirty="0"/>
+                    </a:p>
+                  </a:txBody>
+                  <a:tcPr/>
+                </a:tc>
+                <a:tc>
+                  <a:txBody>
+                    <a:bodyPr/>
+                    <a:lstStyle/>
+                    <a:p>
+                      <a:pPr algn="ctr"/>
+                      <a:r>
+                        <a:rPr lang="en-US" sz="1200" dirty="0" smtClean="0"/>
+                        <a:t>14.71 min</a:t>
+                      </a:r>
+                      <a:endParaRPr lang="en-US" sz="1200" dirty="0"/>
+                    </a:p>
+                  </a:txBody>
+                  <a:tcPr/>
+                </a:tc>
+                <a:tc>
+                  <a:txBody>
+                    <a:bodyPr/>
+                    <a:lstStyle/>
+                    <a:p>
+                      <a:pPr algn="ctr"/>
+                      <a:r>
+                        <a:rPr lang="en-US" sz="1200" dirty="0" smtClean="0"/>
+                        <a:t>15.24 min</a:t>
+                      </a:r>
+                      <a:endParaRPr lang="en-US" sz="1200" dirty="0"/>
+                    </a:p>
+                  </a:txBody>
+                  <a:tcPr/>
+                </a:tc>
+                <a:tc>
+                  <a:txBody>
+                    <a:bodyPr/>
+                    <a:lstStyle/>
+                    <a:p>
+                      <a:pPr algn="ctr"/>
+                      <a:r>
+                        <a:rPr lang="en-US" sz="1200" dirty="0" smtClean="0"/>
+                        <a:t>43.16 min</a:t>
+                      </a:r>
+                      <a:endParaRPr lang="en-US" sz="1200" dirty="0"/>
+                    </a:p>
+                  </a:txBody>
+                  <a:tcPr/>
+                </a:tc>
+              </a:tr>
+              <a:tr h="388449">
+                <a:tc vMerge="1">
+                  <a:txBody>
+                    <a:bodyPr/>
+                    <a:lstStyle/>
+                    <a:p>
+                      <a:pPr algn="ctr"/>
+                      <a:endParaRPr lang="en-US" sz="1200" b="1" dirty="0"/>
+                    </a:p>
+                  </a:txBody>
+                  <a:tcPr>
+                    <a:lnB w="12700" cap="flat" cmpd="sng" algn="ctr">
+                      <a:noFill/>
+                      <a:prstDash val="solid"/>
+                      <a:round/>
+                      <a:headEnd type="none" w="med" len="med"/>
+                      <a:tailEnd type="none" w="med" len="med"/>
+                    </a:lnB>
+                  </a:tcPr>
+                </a:tc>
+                <a:tc>
+                  <a:txBody>
+                    <a:bodyPr/>
+                    <a:lstStyle/>
+                    <a:p>
+                      <a:pPr algn="ctr"/>
+                      <a:r>
+                        <a:rPr lang="en-US" sz="1200" b="0" dirty="0" smtClean="0"/>
+                        <a:t>Expected</a:t>
+                      </a:r>
+                      <a:r>
+                        <a:rPr lang="en-US" sz="1200" b="0" baseline="0" dirty="0" smtClean="0"/>
+                        <a:t> Travel Dist</a:t>
+                      </a:r>
+                      <a:r>
+                        <a:rPr lang="en-US" sz="1200" b="0" baseline="0" dirty="0" smtClean="0"/>
+                        <a:t>.</a:t>
+                      </a:r>
+                      <a:endParaRPr lang="en-US" sz="1200" b="0" dirty="0"/>
+                    </a:p>
+                  </a:txBody>
+                  <a:tcPr>
+                    <a:lnB w="12700" cap="flat" cmpd="sng" algn="ctr">
+                      <a:noFill/>
+                      <a:prstDash val="solid"/>
+                      <a:round/>
+                      <a:headEnd type="none" w="med" len="med"/>
+                      <a:tailEnd type="none" w="med" len="med"/>
+                    </a:lnB>
+                  </a:tcPr>
+                </a:tc>
+                <a:tc>
+                  <a:txBody>
+                    <a:bodyPr/>
+                    <a:lstStyle/>
+                    <a:p>
+                      <a:pPr algn="ctr"/>
+                      <a:r>
+                        <a:rPr lang="en-US" sz="1200" dirty="0" smtClean="0"/>
+                        <a:t>2885.72</a:t>
+                      </a:r>
+                      <a:r>
+                        <a:rPr lang="en-US" sz="1200" baseline="0" dirty="0" smtClean="0"/>
+                        <a:t> m</a:t>
+                      </a:r>
+                      <a:endParaRPr lang="en-US" sz="1200" dirty="0"/>
+                    </a:p>
+                  </a:txBody>
+                  <a:tcPr>
+                    <a:lnB w="12700" cap="flat" cmpd="sng" algn="ctr">
+                      <a:noFill/>
+                      <a:prstDash val="solid"/>
+                      <a:round/>
+                      <a:headEnd type="none" w="med" len="med"/>
+                      <a:tailEnd type="none" w="med" len="med"/>
+                    </a:lnB>
+                  </a:tcPr>
+                </a:tc>
+                <a:tc>
+                  <a:txBody>
+                    <a:bodyPr/>
+                    <a:lstStyle/>
+                    <a:p>
+                      <a:pPr algn="ctr"/>
+                      <a:r>
+                        <a:rPr lang="en-US" sz="1200" dirty="0" smtClean="0"/>
+                        <a:t>2872.47 m</a:t>
+                      </a:r>
+                      <a:endParaRPr lang="en-US" sz="1200" dirty="0"/>
+                    </a:p>
+                  </a:txBody>
+                  <a:tcPr>
+                    <a:lnB w="12700" cap="flat" cmpd="sng" algn="ctr">
+                      <a:noFill/>
+                      <a:prstDash val="solid"/>
+                      <a:round/>
+                      <a:headEnd type="none" w="med" len="med"/>
+                      <a:tailEnd type="none" w="med" len="med"/>
+                    </a:lnB>
+                  </a:tcPr>
+                </a:tc>
+                <a:tc>
+                  <a:txBody>
+                    <a:bodyPr/>
+                    <a:lstStyle/>
+                    <a:p>
+                      <a:pPr algn="ctr"/>
+                      <a:r>
+                        <a:rPr lang="en-US" sz="1200" dirty="0" smtClean="0"/>
+                        <a:t>2865.24</a:t>
+                      </a:r>
+                      <a:r>
+                        <a:rPr lang="en-US" sz="1200" baseline="0" dirty="0" smtClean="0"/>
+                        <a:t> m</a:t>
+                      </a:r>
+                      <a:endParaRPr lang="en-US" sz="1200" dirty="0"/>
+                    </a:p>
+                  </a:txBody>
+                  <a:tcPr>
+                    <a:lnB w="12700" cap="flat" cmpd="sng" algn="ctr">
+                      <a:noFill/>
+                      <a:prstDash val="solid"/>
+                      <a:round/>
+                      <a:headEnd type="none" w="med" len="med"/>
+                      <a:tailEnd type="none" w="med" len="med"/>
+                    </a:lnB>
+                  </a:tcPr>
+                </a:tc>
+              </a:tr>
+              <a:tr h="388449">
+                <a:tc vMerge="1">
+                  <a:txBody>
+                    <a:bodyPr/>
+                    <a:lstStyle/>
+                    <a:p>
+                      <a:pPr algn="ctr"/>
+                      <a:endParaRPr lang="en-US" sz="1200" b="1" dirty="0"/>
+                    </a:p>
+                  </a:txBody>
+                  <a:tcPr>
+                    <a:lnL w="12700" cmpd="sng">
+                      <a:noFill/>
+                    </a:lnL>
+                    <a:lnR w="12700" cmpd="sng">
+                      <a:noFill/>
+                    </a:lnR>
+                    <a:lnT w="12700" cap="flat" cmpd="sng" algn="ctr">
+                      <a:noFill/>
+                      <a:prstDash val="solid"/>
+                      <a:round/>
+                      <a:headEnd type="none" w="med" len="med"/>
+                      <a:tailEnd type="none" w="med" len="med"/>
+                    </a:lnT>
+                    <a:lnB w="12700" cap="flat" cmpd="sng" algn="ctr">
+                      <a:solidFill>
+                        <a:scrgbClr r="0" g="0" b="0"/>
+                      </a:solidFill>
+                      <a:prstDash val="solid"/>
+                      <a:round/>
+                      <a:headEnd type="none" w="med" len="med"/>
+                      <a:tailEnd type="none" w="med" len="med"/>
+                    </a:lnB>
+                    <a:lnTlToBr w="12700" cmpd="sng">
+                      <a:noFill/>
+                      <a:prstDash val="solid"/>
+                    </a:lnTlToBr>
+                    <a:lnBlToTr w="12700" cmpd="sng">
+                      <a:noFill/>
+                      <a:prstDash val="solid"/>
+                    </a:lnBlToTr>
+                  </a:tcPr>
+                </a:tc>
+                <a:tc>
+                  <a:txBody>
+                    <a:bodyPr/>
+                    <a:lstStyle/>
+                    <a:p>
+                      <a:pPr algn="ctr"/>
+                      <a:r>
+                        <a:rPr lang="en-US" sz="1200" b="0" dirty="0" smtClean="0"/>
+                        <a:t>Avg.</a:t>
+                      </a:r>
+                      <a:r>
+                        <a:rPr lang="en-US" sz="1200" b="0" baseline="0" dirty="0" smtClean="0"/>
+                        <a:t> Stop Transfer</a:t>
+                      </a:r>
+                      <a:endParaRPr lang="en-US" sz="1200" b="0" dirty="0"/>
+                    </a:p>
+                  </a:txBody>
+                  <a:tcPr>
+                    <a:lnL w="12700" cmpd="sng">
+                      <a:noFill/>
+                    </a:lnL>
+                    <a:lnR w="12700" cmpd="sng">
+                      <a:noFill/>
+                    </a:lnR>
+                    <a:lnT w="12700" cap="flat" cmpd="sng" algn="ctr">
+                      <a:noFill/>
+                      <a:prstDash val="solid"/>
+                      <a:round/>
+                      <a:headEnd type="none" w="med" len="med"/>
+                      <a:tailEnd type="none" w="med" len="med"/>
+                    </a:lnT>
+                    <a:lnB w="12700" cap="flat" cmpd="sng" algn="ctr">
+                      <a:solidFill>
+                        <a:scrgbClr r="0" g="0" b="0"/>
+                      </a:solidFill>
+                      <a:prstDash val="solid"/>
+                      <a:round/>
+                      <a:headEnd type="none" w="med" len="med"/>
+                      <a:tailEnd type="none" w="med" len="med"/>
+                    </a:lnB>
+                    <a:lnTlToBr w="12700" cmpd="sng">
+                      <a:noFill/>
+                      <a:prstDash val="solid"/>
+                    </a:lnTlToBr>
+                    <a:lnBlToTr w="12700" cmpd="sng">
+                      <a:noFill/>
+                      <a:prstDash val="solid"/>
+                    </a:lnBlToTr>
+                  </a:tcPr>
+                </a:tc>
+                <a:tc>
+                  <a:txBody>
+                    <a:bodyPr/>
+                    <a:lstStyle/>
+                    <a:p>
+                      <a:pPr algn="ctr"/>
+                      <a:r>
+                        <a:rPr lang="en-US" sz="1200" dirty="0" smtClean="0"/>
+                        <a:t>2.14</a:t>
+                      </a:r>
+                      <a:endParaRPr lang="en-US" sz="1200" dirty="0"/>
+                    </a:p>
+                  </a:txBody>
+                  <a:tcPr>
+                    <a:lnL w="12700" cmpd="sng">
+                      <a:noFill/>
+                    </a:lnL>
+                    <a:lnR w="12700" cmpd="sng">
+                      <a:noFill/>
+                    </a:lnR>
+                    <a:lnT w="12700" cap="flat" cmpd="sng" algn="ctr">
+                      <a:noFill/>
+                      <a:prstDash val="solid"/>
+                      <a:round/>
+                      <a:headEnd type="none" w="med" len="med"/>
+                      <a:tailEnd type="none" w="med" len="med"/>
+                    </a:lnT>
+                    <a:lnB w="12700" cap="flat" cmpd="sng" algn="ctr">
+                      <a:solidFill>
+                        <a:scrgbClr r="0" g="0" b="0"/>
+                      </a:solidFill>
+                      <a:prstDash val="solid"/>
+                      <a:round/>
+                      <a:headEnd type="none" w="med" len="med"/>
+                      <a:tailEnd type="none" w="med" len="med"/>
+                    </a:lnB>
+                    <a:lnTlToBr w="12700" cmpd="sng">
+                      <a:noFill/>
+                      <a:prstDash val="solid"/>
+                    </a:lnTlToBr>
+                    <a:lnBlToTr w="12700" cmpd="sng">
+                      <a:noFill/>
+                      <a:prstDash val="solid"/>
+                    </a:lnBlToTr>
+                  </a:tcPr>
+                </a:tc>
+                <a:tc>
+                  <a:txBody>
+                    <a:bodyPr/>
+                    <a:lstStyle/>
+                    <a:p>
+                      <a:pPr algn="ctr"/>
+                      <a:r>
+                        <a:rPr lang="en-US" sz="1200" dirty="0" smtClean="0"/>
+                        <a:t>1.42</a:t>
+                      </a:r>
+                      <a:endParaRPr lang="en-US" sz="1200" dirty="0"/>
+                    </a:p>
+                  </a:txBody>
+                  <a:tcPr>
+                    <a:lnL w="12700" cmpd="sng">
+                      <a:noFill/>
+                    </a:lnL>
+                    <a:lnR w="12700" cmpd="sng">
+                      <a:noFill/>
+                    </a:lnR>
+                    <a:lnT w="12700" cap="flat" cmpd="sng" algn="ctr">
+                      <a:noFill/>
+                      <a:prstDash val="solid"/>
+                      <a:round/>
+                      <a:headEnd type="none" w="med" len="med"/>
+                      <a:tailEnd type="none" w="med" len="med"/>
+                    </a:lnT>
+                    <a:lnB w="12700" cap="flat" cmpd="sng" algn="ctr">
+                      <a:solidFill>
+                        <a:scrgbClr r="0" g="0" b="0"/>
+                      </a:solidFill>
+                      <a:prstDash val="solid"/>
+                      <a:round/>
+                      <a:headEnd type="none" w="med" len="med"/>
+                      <a:tailEnd type="none" w="med" len="med"/>
+                    </a:lnB>
+                    <a:lnTlToBr w="12700" cmpd="sng">
+                      <a:noFill/>
+                      <a:prstDash val="solid"/>
+                    </a:lnTlToBr>
+                    <a:lnBlToTr w="12700" cmpd="sng">
+                      <a:noFill/>
+                      <a:prstDash val="solid"/>
+                    </a:lnBlToTr>
+                  </a:tcPr>
+                </a:tc>
+                <a:tc>
+                  <a:txBody>
+                    <a:bodyPr/>
+                    <a:lstStyle/>
+                    <a:p>
+                      <a:pPr algn="ctr"/>
+                      <a:r>
+                        <a:rPr lang="en-US" sz="1200" dirty="0" smtClean="0"/>
+                        <a:t>5.08</a:t>
+                      </a:r>
+                      <a:endParaRPr lang="en-US" sz="1200" dirty="0"/>
+                    </a:p>
+                  </a:txBody>
+                  <a:tcPr>
+                    <a:lnL w="12700" cmpd="sng">
+                      <a:noFill/>
+                    </a:lnL>
+                    <a:lnR w="12700" cmpd="sng">
+                      <a:noFill/>
+                    </a:lnR>
+                    <a:lnT w="12700" cap="flat" cmpd="sng" algn="ctr">
+                      <a:noFill/>
+                      <a:prstDash val="solid"/>
+                      <a:round/>
+                      <a:headEnd type="none" w="med" len="med"/>
+                      <a:tailEnd type="none" w="med" len="med"/>
+                    </a:lnT>
+                    <a:lnB w="12700" cap="flat" cmpd="sng" algn="ctr">
+                      <a:solidFill>
+                        <a:scrgbClr r="0" g="0" b="0"/>
+                      </a:solidFill>
+                      <a:prstDash val="solid"/>
+                      <a:round/>
+                      <a:headEnd type="none" w="med" len="med"/>
+                      <a:tailEnd type="none" w="med" len="med"/>
+                    </a:lnB>
+                    <a:lnTlToBr w="12700" cmpd="sng">
+                      <a:noFill/>
+                      <a:prstDash val="solid"/>
+                    </a:lnTlToBr>
+                    <a:lnBlToTr w="12700" cmpd="sng">
+                      <a:noFill/>
+                      <a:prstDash val="solid"/>
+                    </a:lnBlToTr>
+                  </a:tcPr>
+                </a:tc>
+              </a:tr>
+              <a:tr h="388449">
+                <a:tc rowSpan="6">
+                  <a:txBody>
+                    <a:bodyPr/>
+                    <a:lstStyle/>
+                    <a:p>
+                      <a:pPr algn="ctr"/>
+                      <a:r>
+                        <a:rPr lang="en-US" sz="1200" b="1" dirty="0" smtClean="0"/>
+                        <a:t>Bus</a:t>
+                      </a:r>
+                    </a:p>
+                    <a:p>
+                      <a:pPr algn="ctr"/>
+                      <a:r>
+                        <a:rPr lang="en-US" sz="1200" b="1" dirty="0" smtClean="0"/>
+                        <a:t>Statistic</a:t>
+                      </a:r>
+                      <a:endParaRPr lang="en-US" sz="1200" b="1" dirty="0"/>
+                    </a:p>
+                  </a:txBody>
+                  <a:tcPr>
+                    <a:lnT w="12700" cap="flat" cmpd="sng" algn="ctr">
+                      <a:solidFill>
+                        <a:scrgbClr r="0" g="0" b="0"/>
+                      </a:solidFill>
+                      <a:prstDash val="solid"/>
+                      <a:round/>
+                      <a:headEnd type="none" w="med" len="med"/>
+                      <a:tailEnd type="none" w="med" len="med"/>
+                    </a:lnT>
+                  </a:tcPr>
+                </a:tc>
+                <a:tc>
+                  <a:txBody>
+                    <a:bodyPr/>
+                    <a:lstStyle/>
+                    <a:p>
+                      <a:pPr algn="ctr"/>
+                      <a:r>
+                        <a:rPr lang="en-US" sz="1200" b="0" dirty="0" smtClean="0"/>
+                        <a:t>Edge Cover </a:t>
+                      </a:r>
+                      <a:r>
+                        <a:rPr lang="en-US" sz="1200" b="0" dirty="0" smtClean="0"/>
+                        <a:t>Rate</a:t>
+                      </a:r>
+                      <a:endParaRPr lang="en-US" sz="1200" b="0" dirty="0"/>
+                    </a:p>
+                  </a:txBody>
+                  <a:tcPr>
+                    <a:lnT w="12700" cap="flat" cmpd="sng" algn="ctr">
+                      <a:solidFill>
+                        <a:scrgbClr r="0" g="0" b="0"/>
+                      </a:solidFill>
+                      <a:prstDash val="solid"/>
+                      <a:round/>
+                      <a:headEnd type="none" w="med" len="med"/>
+                      <a:tailEnd type="none" w="med" len="med"/>
+                    </a:lnT>
+                  </a:tcPr>
+                </a:tc>
+                <a:tc>
+                  <a:txBody>
+                    <a:bodyPr/>
+                    <a:lstStyle/>
+                    <a:p>
+                      <a:pPr algn="ctr"/>
+                      <a:r>
+                        <a:rPr lang="en-US" sz="1200" dirty="0" smtClean="0"/>
+                        <a:t>99.52%</a:t>
+                      </a:r>
+                      <a:endParaRPr lang="en-US" sz="1200" dirty="0"/>
+                    </a:p>
+                  </a:txBody>
+                  <a:tcPr>
+                    <a:lnT w="12700" cap="flat" cmpd="sng" algn="ctr">
+                      <a:solidFill>
+                        <a:scrgbClr r="0" g="0" b="0"/>
+                      </a:solidFill>
+                      <a:prstDash val="solid"/>
+                      <a:round/>
+                      <a:headEnd type="none" w="med" len="med"/>
+                      <a:tailEnd type="none" w="med" len="med"/>
+                    </a:lnT>
+                  </a:tcPr>
+                </a:tc>
+                <a:tc>
+                  <a:txBody>
+                    <a:bodyPr/>
+                    <a:lstStyle/>
+                    <a:p>
+                      <a:pPr algn="ctr"/>
+                      <a:r>
+                        <a:rPr lang="en-US" sz="1200" dirty="0" smtClean="0"/>
+                        <a:t>99.25%</a:t>
+                      </a:r>
+                      <a:endParaRPr lang="en-US" sz="1200" dirty="0"/>
+                    </a:p>
+                  </a:txBody>
+                  <a:tcPr>
+                    <a:lnT w="12700" cap="flat" cmpd="sng" algn="ctr">
+                      <a:solidFill>
+                        <a:scrgbClr r="0" g="0" b="0"/>
+                      </a:solidFill>
+                      <a:prstDash val="solid"/>
+                      <a:round/>
+                      <a:headEnd type="none" w="med" len="med"/>
+                      <a:tailEnd type="none" w="med" len="med"/>
+                    </a:lnT>
+                  </a:tcPr>
+                </a:tc>
+                <a:tc>
+                  <a:txBody>
+                    <a:bodyPr/>
+                    <a:lstStyle/>
+                    <a:p>
+                      <a:pPr algn="ctr"/>
+                      <a:r>
+                        <a:rPr lang="en-US" sz="1200" dirty="0" smtClean="0"/>
+                        <a:t>100.00%</a:t>
+                      </a:r>
+                      <a:endParaRPr lang="en-US" sz="1200" dirty="0"/>
+                    </a:p>
+                  </a:txBody>
+                  <a:tcPr>
+                    <a:lnT w="12700" cap="flat" cmpd="sng" algn="ctr">
+                      <a:solidFill>
+                        <a:scrgbClr r="0" g="0" b="0"/>
+                      </a:solidFill>
+                      <a:prstDash val="solid"/>
+                      <a:round/>
+                      <a:headEnd type="none" w="med" len="med"/>
+                      <a:tailEnd type="none" w="med" len="med"/>
+                    </a:lnT>
+                  </a:tcPr>
+                </a:tc>
+              </a:tr>
+              <a:tr h="388449">
+                <a:tc vMerge="1">
+                  <a:txBody>
+                    <a:bodyPr/>
+                    <a:lstStyle/>
+                    <a:p>
+                      <a:pPr algn="ctr"/>
+                      <a:endParaRPr lang="en-US" sz="1200" b="1" dirty="0"/>
+                    </a:p>
+                  </a:txBody>
+                  <a:tcPr/>
+                </a:tc>
+                <a:tc>
+                  <a:txBody>
+                    <a:bodyPr/>
+                    <a:lstStyle/>
+                    <a:p>
+                      <a:pPr algn="ctr"/>
+                      <a:r>
+                        <a:rPr lang="en-US" sz="1200" b="0" dirty="0" smtClean="0"/>
+                        <a:t>Edge Repeat</a:t>
+                      </a:r>
+                      <a:r>
+                        <a:rPr lang="en-US" sz="1200" b="0" baseline="0" dirty="0" smtClean="0"/>
+                        <a:t> </a:t>
+                      </a:r>
+                      <a:r>
+                        <a:rPr lang="en-US" sz="1200" b="0" baseline="0" dirty="0" smtClean="0"/>
+                        <a:t>Rate</a:t>
+                      </a:r>
+                      <a:endParaRPr lang="en-US" sz="1200" b="0" dirty="0"/>
+                    </a:p>
+                  </a:txBody>
+                  <a:tcPr/>
+                </a:tc>
+                <a:tc>
+                  <a:txBody>
+                    <a:bodyPr/>
+                    <a:lstStyle/>
+                    <a:p>
+                      <a:pPr algn="ctr"/>
+                      <a:r>
+                        <a:rPr lang="en-US" sz="1200" dirty="0" smtClean="0"/>
+                        <a:t>649.25%</a:t>
+                      </a:r>
+                      <a:endParaRPr lang="en-US" sz="1200" dirty="0"/>
+                    </a:p>
+                  </a:txBody>
+                  <a:tcPr/>
+                </a:tc>
+                <a:tc>
+                  <a:txBody>
+                    <a:bodyPr/>
+                    <a:lstStyle/>
+                    <a:p>
+                      <a:pPr algn="ctr"/>
+                      <a:r>
+                        <a:rPr lang="en-US" sz="1200" dirty="0" smtClean="0"/>
+                        <a:t>11.19%</a:t>
+                      </a:r>
+                      <a:endParaRPr lang="en-US" sz="1200" dirty="0"/>
+                    </a:p>
+                  </a:txBody>
+                  <a:tcPr/>
+                </a:tc>
+                <a:tc>
+                  <a:txBody>
+                    <a:bodyPr/>
+                    <a:lstStyle/>
+                    <a:p>
+                      <a:pPr algn="ctr"/>
+                      <a:r>
+                        <a:rPr lang="en-US" sz="1200" dirty="0" smtClean="0"/>
+                        <a:t>0.00%</a:t>
+                      </a:r>
+                      <a:endParaRPr lang="en-US" sz="1200" dirty="0"/>
+                    </a:p>
+                  </a:txBody>
+                  <a:tcPr/>
+                </a:tc>
+              </a:tr>
+              <a:tr h="388449">
+                <a:tc vMerge="1">
+                  <a:txBody>
+                    <a:bodyPr/>
+                    <a:lstStyle/>
+                    <a:p>
+                      <a:pPr algn="ctr"/>
+                      <a:endParaRPr lang="en-US" sz="1200" b="1" dirty="0"/>
+                    </a:p>
+                  </a:txBody>
+                  <a:tcPr/>
+                </a:tc>
+                <a:tc>
+                  <a:txBody>
+                    <a:bodyPr/>
+                    <a:lstStyle/>
+                    <a:p>
+                      <a:pPr algn="ctr"/>
+                      <a:r>
+                        <a:rPr lang="en-US" sz="1200" b="0" dirty="0" smtClean="0"/>
+                        <a:t>Bus Generated</a:t>
+                      </a:r>
+                      <a:endParaRPr lang="en-US" sz="1200" b="0" dirty="0"/>
+                    </a:p>
+                  </a:txBody>
+                  <a:tcPr/>
+                </a:tc>
+                <a:tc>
+                  <a:txBody>
+                    <a:bodyPr/>
+                    <a:lstStyle/>
+                    <a:p>
+                      <a:pPr algn="ctr"/>
+                      <a:r>
+                        <a:rPr lang="en-US" sz="1200" dirty="0" smtClean="0"/>
+                        <a:t>81,650</a:t>
+                      </a:r>
+                      <a:endParaRPr lang="en-US" sz="1200" dirty="0"/>
+                    </a:p>
+                  </a:txBody>
+                  <a:tcPr/>
+                </a:tc>
+                <a:tc>
+                  <a:txBody>
+                    <a:bodyPr/>
+                    <a:lstStyle/>
+                    <a:p>
+                      <a:pPr algn="ctr"/>
+                      <a:r>
+                        <a:rPr lang="en-US" sz="1200" dirty="0" smtClean="0"/>
+                        <a:t>19020</a:t>
+                      </a:r>
+                      <a:endParaRPr lang="en-US" sz="1200" dirty="0"/>
+                    </a:p>
+                  </a:txBody>
+                  <a:tcPr/>
+                </a:tc>
+                <a:tc>
+                  <a:txBody>
+                    <a:bodyPr/>
+                    <a:lstStyle/>
+                    <a:p>
+                      <a:pPr algn="ctr"/>
+                      <a:r>
+                        <a:rPr lang="en-US" sz="1200" dirty="0" smtClean="0"/>
+                        <a:t>127,434</a:t>
+                      </a:r>
+                      <a:endParaRPr lang="en-US" sz="1200" dirty="0"/>
+                    </a:p>
+                  </a:txBody>
+                  <a:tcPr/>
+                </a:tc>
+              </a:tr>
+              <a:tr h="388449">
+                <a:tc vMerge="1">
+                  <a:txBody>
+                    <a:bodyPr/>
+                    <a:lstStyle/>
+                    <a:p>
+                      <a:pPr algn="ctr"/>
+                      <a:endParaRPr lang="en-US" sz="1200" b="1" dirty="0"/>
+                    </a:p>
+                  </a:txBody>
+                  <a:tcPr/>
+                </a:tc>
+                <a:tc>
+                  <a:txBody>
+                    <a:bodyPr/>
+                    <a:lstStyle/>
+                    <a:p>
+                      <a:pPr algn="ctr"/>
+                      <a:r>
+                        <a:rPr lang="en-US" sz="1200" b="0" dirty="0" smtClean="0"/>
+                        <a:t>Avg. </a:t>
+                      </a:r>
+                      <a:r>
+                        <a:rPr lang="en-US" sz="1200" b="0" baseline="0" dirty="0" smtClean="0"/>
+                        <a:t>Bus on Map</a:t>
+                      </a:r>
+                      <a:endParaRPr lang="en-US" sz="1200" b="0" dirty="0"/>
+                    </a:p>
+                  </a:txBody>
+                  <a:tcPr/>
+                </a:tc>
+                <a:tc>
+                  <a:txBody>
+                    <a:bodyPr/>
+                    <a:lstStyle/>
+                    <a:p>
+                      <a:pPr algn="ctr"/>
+                      <a:r>
+                        <a:rPr lang="en-US" sz="1200" dirty="0" smtClean="0"/>
+                        <a:t>184</a:t>
+                      </a:r>
+                      <a:endParaRPr lang="en-US" sz="1200" dirty="0"/>
+                    </a:p>
+                  </a:txBody>
+                  <a:tcPr/>
+                </a:tc>
+                <a:tc>
+                  <a:txBody>
+                    <a:bodyPr/>
+                    <a:lstStyle/>
+                    <a:p>
+                      <a:pPr algn="ctr"/>
+                      <a:r>
+                        <a:rPr lang="en-US" sz="1200" dirty="0" smtClean="0"/>
+                        <a:t>36</a:t>
+                      </a:r>
+                      <a:endParaRPr lang="en-US" sz="1200" dirty="0"/>
+                    </a:p>
+                  </a:txBody>
+                  <a:tcPr/>
+                </a:tc>
+                <a:tc>
+                  <a:txBody>
+                    <a:bodyPr/>
+                    <a:lstStyle/>
+                    <a:p>
+                      <a:pPr algn="ctr"/>
+                      <a:r>
+                        <a:rPr lang="en-US" sz="1200" dirty="0" smtClean="0"/>
+                        <a:t>22</a:t>
+                      </a:r>
+                      <a:endParaRPr lang="en-US" sz="1200" dirty="0"/>
+                    </a:p>
+                  </a:txBody>
+                  <a:tcPr/>
+                </a:tc>
+              </a:tr>
+              <a:tr h="409514">
+                <a:tc vMerge="1">
+                  <a:txBody>
+                    <a:bodyPr/>
+                    <a:lstStyle/>
+                    <a:p>
+                      <a:pPr algn="ctr"/>
+                      <a:endParaRPr lang="en-US" sz="1200" b="1" dirty="0"/>
+                    </a:p>
+                  </a:txBody>
+                  <a:tcPr/>
+                </a:tc>
+                <a:tc>
+                  <a:txBody>
+                    <a:bodyPr/>
+                    <a:lstStyle/>
+                    <a:p>
+                      <a:pPr algn="ctr"/>
+                      <a:r>
+                        <a:rPr lang="en-US" sz="1200" b="0" dirty="0" smtClean="0"/>
+                        <a:t>Total Travel</a:t>
+                      </a:r>
+                      <a:r>
+                        <a:rPr lang="en-US" sz="1200" b="0" baseline="0" dirty="0" smtClean="0"/>
+                        <a:t> Dist.</a:t>
+                      </a:r>
+                      <a:endParaRPr lang="en-US" sz="1200" b="0" dirty="0"/>
+                    </a:p>
+                  </a:txBody>
+                  <a:tcPr/>
+                </a:tc>
+                <a:tc>
+                  <a:txBody>
+                    <a:bodyPr/>
+                    <a:lstStyle/>
+                    <a:p>
+                      <a:pPr algn="ctr"/>
+                      <a:r>
+                        <a:rPr lang="en-US" sz="1200" dirty="0" smtClean="0"/>
+                        <a:t>1,062,990 km</a:t>
+                      </a:r>
+                      <a:endParaRPr lang="en-US" sz="1200" dirty="0"/>
+                    </a:p>
+                  </a:txBody>
+                  <a:tcPr/>
+                </a:tc>
+                <a:tc>
+                  <a:txBody>
+                    <a:bodyPr/>
+                    <a:lstStyle/>
+                    <a:p>
+                      <a:pPr algn="ctr"/>
+                      <a:r>
+                        <a:rPr lang="en-US" sz="1200" dirty="0" smtClean="0"/>
+                        <a:t>216,069 km</a:t>
+                      </a:r>
+                      <a:endParaRPr lang="en-US" sz="1200" dirty="0"/>
+                    </a:p>
+                  </a:txBody>
+                  <a:tcPr/>
+                </a:tc>
+                <a:tc>
+                  <a:txBody>
+                    <a:bodyPr/>
+                    <a:lstStyle/>
+                    <a:p>
+                      <a:pPr algn="ctr"/>
+                      <a:r>
+                        <a:rPr lang="en-US" sz="1200" dirty="0" smtClean="0"/>
+                        <a:t>196,107 km</a:t>
+                      </a:r>
+                      <a:endParaRPr lang="en-US" sz="1200" dirty="0"/>
+                    </a:p>
+                  </a:txBody>
+                  <a:tcPr/>
+                </a:tc>
+              </a:tr>
+              <a:tr h="388449">
+                <a:tc vMerge="1">
+                  <a:txBody>
+                    <a:bodyPr/>
+                    <a:lstStyle/>
+                    <a:p>
+                      <a:pPr algn="ctr"/>
+                      <a:endParaRPr lang="en-US" sz="1200" b="1" dirty="0"/>
+                    </a:p>
+                  </a:txBody>
+                  <a:tcPr/>
+                </a:tc>
+                <a:tc>
+                  <a:txBody>
+                    <a:bodyPr/>
+                    <a:lstStyle/>
+                    <a:p>
+                      <a:pPr algn="ctr"/>
+                      <a:r>
+                        <a:rPr lang="en-US" sz="1200" b="0" dirty="0" smtClean="0"/>
+                        <a:t>Average Capacity</a:t>
+                      </a:r>
+                      <a:endParaRPr lang="en-US" sz="1200" b="0" dirty="0"/>
+                    </a:p>
+                  </a:txBody>
+                  <a:tcPr/>
+                </a:tc>
+                <a:tc>
+                  <a:txBody>
+                    <a:bodyPr/>
+                    <a:lstStyle/>
+                    <a:p>
+                      <a:pPr algn="ctr"/>
+                      <a:r>
+                        <a:rPr lang="en-US" sz="1200" dirty="0" smtClean="0"/>
+                        <a:t>5.29</a:t>
+                      </a:r>
+                      <a:endParaRPr lang="en-US" sz="1200" dirty="0"/>
+                    </a:p>
+                  </a:txBody>
+                  <a:tcPr/>
+                </a:tc>
+                <a:tc>
+                  <a:txBody>
+                    <a:bodyPr/>
+                    <a:lstStyle/>
+                    <a:p>
+                      <a:pPr algn="ctr"/>
+                      <a:r>
+                        <a:rPr lang="en-US" sz="1200" dirty="0" smtClean="0"/>
+                        <a:t>24.37</a:t>
+                      </a:r>
+                      <a:endParaRPr lang="en-US" sz="1200" dirty="0"/>
+                    </a:p>
+                  </a:txBody>
+                  <a:tcPr/>
+                </a:tc>
+                <a:tc>
+                  <a:txBody>
+                    <a:bodyPr/>
+                    <a:lstStyle/>
+                    <a:p>
+                      <a:pPr algn="ctr"/>
+                      <a:r>
+                        <a:rPr lang="en-US" sz="1200" dirty="0" smtClean="0"/>
+                        <a:t>14.26</a:t>
+                      </a:r>
+                      <a:endParaRPr lang="en-US" sz="1200" dirty="0"/>
+                    </a:p>
+                  </a:txBody>
+                  <a:tcPr/>
+                </a:tc>
+              </a:tr>
+            </a:tbl>
+          </a:graphicData>
+        </a:graphic>
+      </p:graphicFrame>
     </p:spTree>
     <p:extLst>
       <p:ext uri="{BB962C8B-B14F-4D97-AF65-F5344CB8AC3E}">
-        <p14:creationId xmlns="" xmlns:p14="http://schemas.microsoft.com/office/powerpoint/2010/main" val="3939641284"/>
+        <p14:creationId xmlns:p14="http://schemas.microsoft.com/office/powerpoint/2010/main" val="938850338"/>
       </p:ext>
     </p:extLst>
   </p:cSld>
   <p:clrMapOvr>
     <a:masterClrMapping/>
   </p:clrMapOvr>
-  <p:transition/>
   <p:timing>
     <p:tnLst>
       <p:par>
-        <p:cTn id="1" dur="indefinite" restart="never" nodeType="tmRoot"/>
+        <p:cTn xmlns:p14="http://schemas.microsoft.com/office/powerpoint/2010/main" id="1" dur="indefinite" restart="never" nodeType="tmRoot"/>
       </p:par>
     </p:tnLst>
   </p:timing>
@@ -8383,291 +10634,1372 @@
           <a:p>
             <a:r>
               <a:rPr lang="en-US" dirty="0" smtClean="0"/>
-              <a:t>Result – Evening</a:t>
+              <a:t>Result – </a:t>
+            </a:r>
+            <a:r>
+              <a:rPr lang="en-US" dirty="0" smtClean="0"/>
+              <a:t>Evening</a:t>
             </a:r>
             <a:endParaRPr lang="en-US" dirty="0"/>
           </a:p>
         </p:txBody>
       </p:sp>
-      <p:grpSp>
-        <p:nvGrpSpPr>
-          <p:cNvPr id="30" name="群組 29"/>
-          <p:cNvGrpSpPr/>
-          <p:nvPr/>
-        </p:nvGrpSpPr>
-        <p:grpSpPr>
-          <a:xfrm>
-            <a:off x="207072" y="2236560"/>
-            <a:ext cx="8658001" cy="2469600"/>
-            <a:chOff x="207072" y="2236560"/>
-            <a:chExt cx="8812684" cy="2522066"/>
-          </a:xfrm>
-        </p:grpSpPr>
-        <p:pic>
-          <p:nvPicPr>
-            <p:cNvPr id="31" name="Picture 3" descr="螢幕快照 2012-06-21 上午3.17.59.png"/>
-            <p:cNvPicPr>
-              <a:picLocks noChangeAspect="1"/>
-            </p:cNvPicPr>
-            <p:nvPr/>
-          </p:nvPicPr>
-          <p:blipFill>
-            <a:blip r:embed="rId3">
-              <a:extLst>
-                <a:ext uri="{28A0092B-C50C-407E-A947-70E740481C1C}">
-                  <a14:useLocalDpi xmlns="" xmlns:a14="http://schemas.microsoft.com/office/drawing/2010/main" val="0"/>
-                </a:ext>
-              </a:extLst>
-            </a:blip>
-            <a:stretch>
-              <a:fillRect/>
-            </a:stretch>
-          </p:blipFill>
-          <p:spPr>
-            <a:xfrm>
-              <a:off x="207073" y="2624051"/>
-              <a:ext cx="2804733" cy="2134575"/>
-            </a:xfrm>
-            <a:prstGeom prst="rect">
-              <a:avLst/>
-            </a:prstGeom>
-          </p:spPr>
-        </p:pic>
-        <p:pic>
-          <p:nvPicPr>
-            <p:cNvPr id="32" name="Picture 4" descr="螢幕快照 2012-06-21 上午3.18.11.png"/>
-            <p:cNvPicPr>
-              <a:picLocks noChangeAspect="1"/>
-            </p:cNvPicPr>
-            <p:nvPr/>
-          </p:nvPicPr>
-          <p:blipFill>
-            <a:blip r:embed="rId4">
-              <a:extLst>
-                <a:ext uri="{28A0092B-C50C-407E-A947-70E740481C1C}">
-                  <a14:useLocalDpi xmlns="" xmlns:a14="http://schemas.microsoft.com/office/drawing/2010/main" val="0"/>
-                </a:ext>
-              </a:extLst>
-            </a:blip>
-            <a:stretch>
-              <a:fillRect/>
-            </a:stretch>
-          </p:blipFill>
-          <p:spPr>
-            <a:xfrm>
-              <a:off x="3146519" y="2624051"/>
-              <a:ext cx="2904015" cy="2134575"/>
-            </a:xfrm>
-            <a:prstGeom prst="rect">
-              <a:avLst/>
-            </a:prstGeom>
-          </p:spPr>
-        </p:pic>
-        <p:pic>
-          <p:nvPicPr>
-            <p:cNvPr id="33" name="Picture 5" descr="螢幕快照 2012-06-21 上午3.18.21.png"/>
-            <p:cNvPicPr>
-              <a:picLocks noChangeAspect="1"/>
-            </p:cNvPicPr>
-            <p:nvPr/>
-          </p:nvPicPr>
-          <p:blipFill>
-            <a:blip r:embed="rId5">
-              <a:extLst>
-                <a:ext uri="{28A0092B-C50C-407E-A947-70E740481C1C}">
-                  <a14:useLocalDpi xmlns="" xmlns:a14="http://schemas.microsoft.com/office/drawing/2010/main" val="0"/>
-                </a:ext>
-              </a:extLst>
-            </a:blip>
-            <a:stretch>
-              <a:fillRect/>
-            </a:stretch>
-          </p:blipFill>
-          <p:spPr>
-            <a:xfrm>
-              <a:off x="6165754" y="2605892"/>
-              <a:ext cx="2854002" cy="2152734"/>
-            </a:xfrm>
-            <a:prstGeom prst="rect">
-              <a:avLst/>
-            </a:prstGeom>
-          </p:spPr>
-        </p:pic>
-        <p:sp>
-          <p:nvSpPr>
-            <p:cNvPr id="34" name="TextBox 6"/>
-            <p:cNvSpPr txBox="1"/>
-            <p:nvPr/>
-          </p:nvSpPr>
-          <p:spPr>
-            <a:xfrm>
-              <a:off x="207072" y="2236560"/>
-              <a:ext cx="1192077" cy="377178"/>
-            </a:xfrm>
-            <a:prstGeom prst="rect">
-              <a:avLst/>
-            </a:prstGeom>
-          </p:spPr>
-          <p:style>
-            <a:lnRef idx="2">
-              <a:schemeClr val="accent2">
-                <a:shade val="50000"/>
-              </a:schemeClr>
-            </a:lnRef>
-            <a:fillRef idx="1">
-              <a:schemeClr val="accent2"/>
-            </a:fillRef>
-            <a:effectRef idx="0">
-              <a:schemeClr val="accent2"/>
-            </a:effectRef>
-            <a:fontRef idx="minor">
-              <a:schemeClr val="lt1"/>
-            </a:fontRef>
-          </p:style>
-          <p:txBody>
-            <a:bodyPr wrap="square" rtlCol="0">
-              <a:spAutoFit/>
-            </a:bodyPr>
-            <a:lstStyle/>
-            <a:p>
-              <a:r>
-                <a:rPr lang="en-US" dirty="0" smtClean="0">
-                  <a:solidFill>
-                    <a:srgbClr val="000000"/>
-                  </a:solidFill>
-                </a:rPr>
-                <a:t>Original</a:t>
-              </a:r>
-              <a:endParaRPr lang="en-US" dirty="0">
-                <a:solidFill>
-                  <a:srgbClr val="000000"/>
-                </a:solidFill>
-              </a:endParaRPr>
-            </a:p>
-          </p:txBody>
-        </p:sp>
-        <p:sp>
-          <p:nvSpPr>
-            <p:cNvPr id="35" name="TextBox 7"/>
-            <p:cNvSpPr txBox="1"/>
-            <p:nvPr/>
-          </p:nvSpPr>
-          <p:spPr>
-            <a:xfrm>
-              <a:off x="3146519" y="2239254"/>
-              <a:ext cx="883511" cy="369332"/>
-            </a:xfrm>
-            <a:prstGeom prst="rect">
-              <a:avLst/>
-            </a:prstGeom>
-          </p:spPr>
-          <p:style>
-            <a:lnRef idx="2">
-              <a:schemeClr val="accent2">
-                <a:shade val="50000"/>
-              </a:schemeClr>
-            </a:lnRef>
-            <a:fillRef idx="1">
-              <a:schemeClr val="accent2"/>
-            </a:fillRef>
-            <a:effectRef idx="0">
-              <a:schemeClr val="accent2"/>
-            </a:effectRef>
-            <a:fontRef idx="minor">
-              <a:schemeClr val="lt1"/>
-            </a:fontRef>
-          </p:style>
-          <p:txBody>
-            <a:bodyPr wrap="square" rtlCol="0">
-              <a:spAutoFit/>
-            </a:bodyPr>
-            <a:lstStyle/>
-            <a:p>
-              <a:r>
-                <a:rPr lang="en-US" dirty="0" smtClean="0">
-                  <a:solidFill>
-                    <a:srgbClr val="000000"/>
-                  </a:solidFill>
-                </a:rPr>
-                <a:t>Chess</a:t>
-              </a:r>
-              <a:endParaRPr lang="en-US" dirty="0">
-                <a:solidFill>
-                  <a:srgbClr val="000000"/>
-                </a:solidFill>
-              </a:endParaRPr>
-            </a:p>
-          </p:txBody>
-        </p:sp>
-        <p:sp>
-          <p:nvSpPr>
-            <p:cNvPr id="36" name="TextBox 8"/>
-            <p:cNvSpPr txBox="1"/>
-            <p:nvPr/>
-          </p:nvSpPr>
-          <p:spPr>
-            <a:xfrm>
-              <a:off x="6165754" y="2236560"/>
-              <a:ext cx="1060616" cy="377178"/>
-            </a:xfrm>
-            <a:prstGeom prst="rect">
-              <a:avLst/>
-            </a:prstGeom>
-          </p:spPr>
-          <p:style>
-            <a:lnRef idx="2">
-              <a:schemeClr val="accent2">
-                <a:shade val="50000"/>
-              </a:schemeClr>
-            </a:lnRef>
-            <a:fillRef idx="1">
-              <a:schemeClr val="accent2"/>
-            </a:fillRef>
-            <a:effectRef idx="0">
-              <a:schemeClr val="accent2"/>
-            </a:effectRef>
-            <a:fontRef idx="minor">
-              <a:schemeClr val="lt1"/>
-            </a:fontRef>
-          </p:style>
-          <p:txBody>
-            <a:bodyPr wrap="square" rtlCol="0">
-              <a:spAutoFit/>
-            </a:bodyPr>
-            <a:lstStyle/>
-            <a:p>
-              <a:r>
-                <a:rPr lang="en-US" dirty="0" err="1" smtClean="0">
-                  <a:solidFill>
-                    <a:srgbClr val="000000"/>
-                  </a:solidFill>
-                </a:rPr>
-                <a:t>Allpair</a:t>
-              </a:r>
-              <a:endParaRPr lang="en-US" dirty="0">
-                <a:solidFill>
-                  <a:srgbClr val="000000"/>
-                </a:solidFill>
-              </a:endParaRPr>
-            </a:p>
-          </p:txBody>
-        </p:sp>
-      </p:grpSp>
+      <p:graphicFrame>
+        <p:nvGraphicFramePr>
+          <p:cNvPr id="11" name="Table 10"/>
+          <p:cNvGraphicFramePr>
+            <a:graphicFrameLocks noGrp="1"/>
+          </p:cNvGraphicFramePr>
+          <p:nvPr>
+            <p:extLst>
+              <p:ext uri="{D42A27DB-BD31-4B8C-83A1-F6EECF244321}">
+                <p14:modId xmlns:p14="http://schemas.microsoft.com/office/powerpoint/2010/main" val="1789053465"/>
+              </p:ext>
+            </p:extLst>
+          </p:nvPr>
+        </p:nvGraphicFramePr>
+        <p:xfrm>
+          <a:off x="1515342" y="1605280"/>
+          <a:ext cx="6127235" cy="5073210"/>
+        </p:xfrm>
+        <a:graphic>
+          <a:graphicData uri="http://schemas.openxmlformats.org/drawingml/2006/table">
+            <a:tbl>
+              <a:tblPr firstRow="1" bandRow="1">
+                <a:tableStyleId>{5C22544A-7EE6-4342-B048-85BDC9FD1C3A}</a:tableStyleId>
+              </a:tblPr>
+              <a:tblGrid>
+                <a:gridCol w="968213"/>
+                <a:gridCol w="1691454"/>
+                <a:gridCol w="1016674"/>
+                <a:gridCol w="1225447"/>
+                <a:gridCol w="1225447"/>
+              </a:tblGrid>
+              <a:tr h="245709">
+                <a:tc>
+                  <a:txBody>
+                    <a:bodyPr/>
+                    <a:lstStyle/>
+                    <a:p>
+                      <a:pPr algn="ctr"/>
+                      <a:endParaRPr lang="en-US" sz="1200" dirty="0"/>
+                    </a:p>
+                  </a:txBody>
+                  <a:tcPr/>
+                </a:tc>
+                <a:tc>
+                  <a:txBody>
+                    <a:bodyPr/>
+                    <a:lstStyle/>
+                    <a:p>
+                      <a:pPr algn="ctr"/>
+                      <a:endParaRPr lang="en-US" sz="1200" dirty="0"/>
+                    </a:p>
+                  </a:txBody>
+                  <a:tcPr/>
+                </a:tc>
+                <a:tc>
+                  <a:txBody>
+                    <a:bodyPr/>
+                    <a:lstStyle/>
+                    <a:p>
+                      <a:pPr algn="ctr"/>
+                      <a:r>
+                        <a:rPr lang="en-US" sz="1200" dirty="0" smtClean="0">
+                          <a:solidFill>
+                            <a:schemeClr val="tx1"/>
+                          </a:solidFill>
+                        </a:rPr>
+                        <a:t>Original</a:t>
+                      </a:r>
+                      <a:endParaRPr lang="en-US" sz="1200" dirty="0">
+                        <a:solidFill>
+                          <a:schemeClr val="tx1"/>
+                        </a:solidFill>
+                      </a:endParaRPr>
+                    </a:p>
+                  </a:txBody>
+                  <a:tcPr/>
+                </a:tc>
+                <a:tc>
+                  <a:txBody>
+                    <a:bodyPr/>
+                    <a:lstStyle/>
+                    <a:p>
+                      <a:pPr algn="ctr"/>
+                      <a:r>
+                        <a:rPr lang="en-US" sz="1200" dirty="0" smtClean="0">
+                          <a:solidFill>
+                            <a:schemeClr val="tx1"/>
+                          </a:solidFill>
+                        </a:rPr>
+                        <a:t>Chessboard</a:t>
+                      </a:r>
+                      <a:endParaRPr lang="en-US" sz="1200" dirty="0">
+                        <a:solidFill>
+                          <a:schemeClr val="tx1"/>
+                        </a:solidFill>
+                      </a:endParaRPr>
+                    </a:p>
+                  </a:txBody>
+                  <a:tcPr/>
+                </a:tc>
+                <a:tc>
+                  <a:txBody>
+                    <a:bodyPr/>
+                    <a:lstStyle/>
+                    <a:p>
+                      <a:pPr algn="ctr"/>
+                      <a:r>
+                        <a:rPr lang="en-US" sz="1200" dirty="0" smtClean="0">
+                          <a:solidFill>
+                            <a:schemeClr val="tx1"/>
+                          </a:solidFill>
+                        </a:rPr>
+                        <a:t>All-pair</a:t>
+                      </a:r>
+                      <a:endParaRPr lang="en-US" sz="1200" dirty="0">
+                        <a:solidFill>
+                          <a:schemeClr val="tx1"/>
+                        </a:solidFill>
+                      </a:endParaRPr>
+                    </a:p>
+                  </a:txBody>
+                  <a:tcPr/>
+                </a:tc>
+              </a:tr>
+              <a:tr h="388449">
+                <a:tc rowSpan="6">
+                  <a:txBody>
+                    <a:bodyPr/>
+                    <a:lstStyle/>
+                    <a:p>
+                      <a:pPr algn="ctr"/>
+                      <a:r>
+                        <a:rPr lang="en-US" sz="1200" b="1" dirty="0" smtClean="0"/>
+                        <a:t>Client Statistics</a:t>
+                      </a:r>
+                      <a:endParaRPr lang="en-US" sz="1200" b="1" dirty="0"/>
+                    </a:p>
+                  </a:txBody>
+                  <a:tcPr>
+                    <a:lnB w="12700" cap="flat" cmpd="sng" algn="ctr">
+                      <a:solidFill>
+                        <a:scrgbClr r="0" g="0" b="0"/>
+                      </a:solidFill>
+                      <a:prstDash val="solid"/>
+                      <a:round/>
+                      <a:headEnd type="none" w="med" len="med"/>
+                      <a:tailEnd type="none" w="med" len="med"/>
+                    </a:lnB>
+                  </a:tcPr>
+                </a:tc>
+                <a:tc>
+                  <a:txBody>
+                    <a:bodyPr/>
+                    <a:lstStyle/>
+                    <a:p>
+                      <a:pPr algn="ctr"/>
+                      <a:r>
+                        <a:rPr lang="en-US" sz="1200" b="0" dirty="0" smtClean="0"/>
+                        <a:t>Client</a:t>
+                      </a:r>
+                      <a:r>
+                        <a:rPr lang="en-US" sz="1200" b="0" baseline="0" dirty="0" smtClean="0"/>
+                        <a:t> Generated</a:t>
+                      </a:r>
+                      <a:endParaRPr lang="en-US" sz="1200" b="0" dirty="0"/>
+                    </a:p>
+                  </a:txBody>
+                  <a:tcPr/>
+                </a:tc>
+                <a:tc>
+                  <a:txBody>
+                    <a:bodyPr/>
+                    <a:lstStyle/>
+                    <a:p>
+                      <a:pPr algn="ctr"/>
+                      <a:r>
+                        <a:rPr lang="en-US" sz="1200" dirty="0" smtClean="0"/>
+                        <a:t>1,141,024</a:t>
+                      </a:r>
+                      <a:endParaRPr lang="en-US" sz="1200" dirty="0"/>
+                    </a:p>
+                  </a:txBody>
+                  <a:tcPr/>
+                </a:tc>
+                <a:tc>
+                  <a:txBody>
+                    <a:bodyPr/>
+                    <a:lstStyle/>
+                    <a:p>
+                      <a:pPr algn="ctr"/>
+                      <a:r>
+                        <a:rPr lang="en-US" sz="1200" dirty="0" smtClean="0"/>
+                        <a:t>1,141,725</a:t>
+                      </a:r>
+                      <a:endParaRPr lang="en-US" sz="1200" dirty="0"/>
+                    </a:p>
+                  </a:txBody>
+                  <a:tcPr/>
+                </a:tc>
+                <a:tc>
+                  <a:txBody>
+                    <a:bodyPr/>
+                    <a:lstStyle/>
+                    <a:p>
+                      <a:pPr algn="ctr"/>
+                      <a:r>
+                        <a:rPr lang="en-US" sz="1200" dirty="0" smtClean="0"/>
+                        <a:t>1,142,253</a:t>
+                      </a:r>
+                      <a:endParaRPr lang="en-US" sz="1200" dirty="0"/>
+                    </a:p>
+                  </a:txBody>
+                  <a:tcPr/>
+                </a:tc>
+              </a:tr>
+              <a:tr h="388449">
+                <a:tc vMerge="1">
+                  <a:txBody>
+                    <a:bodyPr/>
+                    <a:lstStyle/>
+                    <a:p>
+                      <a:pPr algn="ctr"/>
+                      <a:endParaRPr lang="en-US" sz="1200" b="1" dirty="0"/>
+                    </a:p>
+                  </a:txBody>
+                  <a:tcPr/>
+                </a:tc>
+                <a:tc>
+                  <a:txBody>
+                    <a:bodyPr/>
+                    <a:lstStyle/>
+                    <a:p>
+                      <a:pPr algn="ctr"/>
+                      <a:r>
+                        <a:rPr lang="en-US" sz="1200" b="0" dirty="0" smtClean="0"/>
+                        <a:t>Client</a:t>
+                      </a:r>
+                      <a:r>
+                        <a:rPr lang="en-US" sz="1200" b="0" baseline="0" dirty="0" smtClean="0"/>
+                        <a:t> Left on </a:t>
+                      </a:r>
+                      <a:r>
+                        <a:rPr lang="en-US" sz="1200" b="0" baseline="0" dirty="0" smtClean="0"/>
+                        <a:t>Map</a:t>
+                      </a:r>
+                      <a:endParaRPr lang="en-US" sz="1200" b="0" dirty="0"/>
+                    </a:p>
+                  </a:txBody>
+                  <a:tcPr/>
+                </a:tc>
+                <a:tc>
+                  <a:txBody>
+                    <a:bodyPr/>
+                    <a:lstStyle/>
+                    <a:p>
+                      <a:pPr algn="ctr"/>
+                      <a:r>
+                        <a:rPr lang="en-US" sz="1200" dirty="0" smtClean="0"/>
+                        <a:t>385</a:t>
+                      </a:r>
+                      <a:endParaRPr lang="en-US" sz="1200" dirty="0"/>
+                    </a:p>
+                  </a:txBody>
+                  <a:tcPr/>
+                </a:tc>
+                <a:tc>
+                  <a:txBody>
+                    <a:bodyPr/>
+                    <a:lstStyle/>
+                    <a:p>
+                      <a:pPr algn="ctr"/>
+                      <a:r>
+                        <a:rPr lang="en-US" sz="1200" dirty="0" smtClean="0"/>
+                        <a:t>359</a:t>
+                      </a:r>
+                      <a:endParaRPr lang="en-US" sz="1200" dirty="0"/>
+                    </a:p>
+                  </a:txBody>
+                  <a:tcPr/>
+                </a:tc>
+                <a:tc>
+                  <a:txBody>
+                    <a:bodyPr/>
+                    <a:lstStyle/>
+                    <a:p>
+                      <a:pPr algn="ctr"/>
+                      <a:r>
+                        <a:rPr lang="en-US" sz="1200" dirty="0" smtClean="0"/>
+                        <a:t>4268</a:t>
+                      </a:r>
+                      <a:endParaRPr lang="en-US" sz="1200" dirty="0"/>
+                    </a:p>
+                  </a:txBody>
+                  <a:tcPr/>
+                </a:tc>
+              </a:tr>
+              <a:tr h="388449">
+                <a:tc vMerge="1">
+                  <a:txBody>
+                    <a:bodyPr/>
+                    <a:lstStyle/>
+                    <a:p>
+                      <a:pPr algn="ctr"/>
+                      <a:endParaRPr lang="en-US" sz="1200" b="1" dirty="0"/>
+                    </a:p>
+                  </a:txBody>
+                  <a:tcPr/>
+                </a:tc>
+                <a:tc>
+                  <a:txBody>
+                    <a:bodyPr/>
+                    <a:lstStyle/>
+                    <a:p>
+                      <a:pPr algn="ctr"/>
+                      <a:r>
+                        <a:rPr lang="en-US" sz="1200" b="0" dirty="0" smtClean="0"/>
+                        <a:t>Completion</a:t>
+                      </a:r>
+                      <a:r>
+                        <a:rPr lang="en-US" sz="1200" b="0" baseline="0" dirty="0" smtClean="0"/>
+                        <a:t> </a:t>
+                      </a:r>
+                      <a:r>
+                        <a:rPr lang="en-US" sz="1200" b="0" baseline="0" dirty="0" smtClean="0"/>
+                        <a:t>Rate</a:t>
+                      </a:r>
+                      <a:endParaRPr lang="en-US" sz="1200" b="0" dirty="0"/>
+                    </a:p>
+                  </a:txBody>
+                  <a:tcPr/>
+                </a:tc>
+                <a:tc>
+                  <a:txBody>
+                    <a:bodyPr/>
+                    <a:lstStyle/>
+                    <a:p>
+                      <a:pPr algn="ctr"/>
+                      <a:r>
+                        <a:rPr lang="en-US" sz="1200" dirty="0" smtClean="0"/>
+                        <a:t>99.97%</a:t>
+                      </a:r>
+                      <a:endParaRPr lang="en-US" sz="1200" dirty="0"/>
+                    </a:p>
+                  </a:txBody>
+                  <a:tcPr/>
+                </a:tc>
+                <a:tc>
+                  <a:txBody>
+                    <a:bodyPr/>
+                    <a:lstStyle/>
+                    <a:p>
+                      <a:pPr algn="ctr"/>
+                      <a:r>
+                        <a:rPr lang="en-US" sz="1200" dirty="0" smtClean="0"/>
+                        <a:t>99.97%</a:t>
+                      </a:r>
+                      <a:endParaRPr lang="en-US" sz="1200" dirty="0"/>
+                    </a:p>
+                  </a:txBody>
+                  <a:tcPr/>
+                </a:tc>
+                <a:tc>
+                  <a:txBody>
+                    <a:bodyPr/>
+                    <a:lstStyle/>
+                    <a:p>
+                      <a:pPr algn="ctr"/>
+                      <a:r>
+                        <a:rPr lang="en-US" sz="1200" dirty="0" smtClean="0"/>
+                        <a:t>99.63%</a:t>
+                      </a:r>
+                      <a:endParaRPr lang="en-US" sz="1200" dirty="0"/>
+                    </a:p>
+                  </a:txBody>
+                  <a:tcPr/>
+                </a:tc>
+              </a:tr>
+              <a:tr h="388449">
+                <a:tc vMerge="1">
+                  <a:txBody>
+                    <a:bodyPr/>
+                    <a:lstStyle/>
+                    <a:p>
+                      <a:pPr algn="ctr"/>
+                      <a:endParaRPr lang="en-US" sz="1200" b="1" dirty="0"/>
+                    </a:p>
+                  </a:txBody>
+                  <a:tcPr/>
+                </a:tc>
+                <a:tc>
+                  <a:txBody>
+                    <a:bodyPr/>
+                    <a:lstStyle/>
+                    <a:p>
+                      <a:pPr algn="ctr"/>
+                      <a:r>
+                        <a:rPr lang="en-US" sz="1200" b="0" dirty="0" smtClean="0"/>
+                        <a:t>Average</a:t>
+                      </a:r>
+                      <a:r>
+                        <a:rPr lang="en-US" sz="1200" b="0" baseline="0" dirty="0" smtClean="0"/>
+                        <a:t> Time </a:t>
+                      </a:r>
+                      <a:r>
+                        <a:rPr lang="en-US" sz="1200" b="0" baseline="0" dirty="0" smtClean="0"/>
+                        <a:t>Cost</a:t>
+                      </a:r>
+                      <a:endParaRPr lang="en-US" sz="1200" b="0" dirty="0"/>
+                    </a:p>
+                  </a:txBody>
+                  <a:tcPr/>
+                </a:tc>
+                <a:tc>
+                  <a:txBody>
+                    <a:bodyPr/>
+                    <a:lstStyle/>
+                    <a:p>
+                      <a:pPr algn="ctr"/>
+                      <a:r>
+                        <a:rPr lang="en-US" sz="1200" dirty="0" smtClean="0"/>
+                        <a:t>14.53 min</a:t>
+                      </a:r>
+                      <a:endParaRPr lang="en-US" sz="1200" dirty="0"/>
+                    </a:p>
+                  </a:txBody>
+                  <a:tcPr/>
+                </a:tc>
+                <a:tc>
+                  <a:txBody>
+                    <a:bodyPr/>
+                    <a:lstStyle/>
+                    <a:p>
+                      <a:pPr algn="ctr"/>
+                      <a:r>
+                        <a:rPr lang="en-US" sz="1200" dirty="0" smtClean="0"/>
+                        <a:t>14.51 min</a:t>
+                      </a:r>
+                      <a:endParaRPr lang="en-US" sz="1200" dirty="0"/>
+                    </a:p>
+                  </a:txBody>
+                  <a:tcPr/>
+                </a:tc>
+                <a:tc>
+                  <a:txBody>
+                    <a:bodyPr/>
+                    <a:lstStyle/>
+                    <a:p>
+                      <a:pPr algn="ctr"/>
+                      <a:r>
+                        <a:rPr lang="en-US" sz="1200" dirty="0" smtClean="0"/>
+                        <a:t>40.20 min</a:t>
+                      </a:r>
+                      <a:endParaRPr lang="en-US" sz="1200" dirty="0"/>
+                    </a:p>
+                  </a:txBody>
+                  <a:tcPr/>
+                </a:tc>
+              </a:tr>
+              <a:tr h="388449">
+                <a:tc vMerge="1">
+                  <a:txBody>
+                    <a:bodyPr/>
+                    <a:lstStyle/>
+                    <a:p>
+                      <a:pPr algn="ctr"/>
+                      <a:endParaRPr lang="en-US" sz="1200" b="1" dirty="0"/>
+                    </a:p>
+                  </a:txBody>
+                  <a:tcPr>
+                    <a:lnB w="12700" cap="flat" cmpd="sng" algn="ctr">
+                      <a:noFill/>
+                      <a:prstDash val="solid"/>
+                      <a:round/>
+                      <a:headEnd type="none" w="med" len="med"/>
+                      <a:tailEnd type="none" w="med" len="med"/>
+                    </a:lnB>
+                  </a:tcPr>
+                </a:tc>
+                <a:tc>
+                  <a:txBody>
+                    <a:bodyPr/>
+                    <a:lstStyle/>
+                    <a:p>
+                      <a:pPr algn="ctr"/>
+                      <a:r>
+                        <a:rPr lang="en-US" sz="1200" b="0" dirty="0" smtClean="0"/>
+                        <a:t>Expected</a:t>
+                      </a:r>
+                      <a:r>
+                        <a:rPr lang="en-US" sz="1200" b="0" baseline="0" dirty="0" smtClean="0"/>
+                        <a:t> Travel Dist</a:t>
+                      </a:r>
+                      <a:r>
+                        <a:rPr lang="en-US" sz="1200" b="0" baseline="0" dirty="0" smtClean="0"/>
+                        <a:t>.</a:t>
+                      </a:r>
+                      <a:endParaRPr lang="en-US" sz="1200" b="0" dirty="0"/>
+                    </a:p>
+                  </a:txBody>
+                  <a:tcPr>
+                    <a:lnB w="12700" cap="flat" cmpd="sng" algn="ctr">
+                      <a:noFill/>
+                      <a:prstDash val="solid"/>
+                      <a:round/>
+                      <a:headEnd type="none" w="med" len="med"/>
+                      <a:tailEnd type="none" w="med" len="med"/>
+                    </a:lnB>
+                  </a:tcPr>
+                </a:tc>
+                <a:tc>
+                  <a:txBody>
+                    <a:bodyPr/>
+                    <a:lstStyle/>
+                    <a:p>
+                      <a:pPr algn="ctr"/>
+                      <a:r>
+                        <a:rPr lang="en-US" sz="1200" dirty="0" smtClean="0"/>
+                        <a:t>2697.61</a:t>
+                      </a:r>
+                      <a:r>
+                        <a:rPr lang="en-US" sz="1200" baseline="0" dirty="0" smtClean="0"/>
+                        <a:t> m</a:t>
+                      </a:r>
+                      <a:endParaRPr lang="en-US" sz="1200" dirty="0"/>
+                    </a:p>
+                  </a:txBody>
+                  <a:tcPr>
+                    <a:lnB w="12700" cap="flat" cmpd="sng" algn="ctr">
+                      <a:noFill/>
+                      <a:prstDash val="solid"/>
+                      <a:round/>
+                      <a:headEnd type="none" w="med" len="med"/>
+                      <a:tailEnd type="none" w="med" len="med"/>
+                    </a:lnB>
+                  </a:tcPr>
+                </a:tc>
+                <a:tc>
+                  <a:txBody>
+                    <a:bodyPr/>
+                    <a:lstStyle/>
+                    <a:p>
+                      <a:pPr algn="ctr"/>
+                      <a:r>
+                        <a:rPr lang="en-US" sz="1200" dirty="0" smtClean="0"/>
+                        <a:t>2681.17 m</a:t>
+                      </a:r>
+                      <a:endParaRPr lang="en-US" sz="1200" dirty="0"/>
+                    </a:p>
+                  </a:txBody>
+                  <a:tcPr>
+                    <a:lnB w="12700" cap="flat" cmpd="sng" algn="ctr">
+                      <a:noFill/>
+                      <a:prstDash val="solid"/>
+                      <a:round/>
+                      <a:headEnd type="none" w="med" len="med"/>
+                      <a:tailEnd type="none" w="med" len="med"/>
+                    </a:lnB>
+                  </a:tcPr>
+                </a:tc>
+                <a:tc>
+                  <a:txBody>
+                    <a:bodyPr/>
+                    <a:lstStyle/>
+                    <a:p>
+                      <a:pPr algn="ctr"/>
+                      <a:r>
+                        <a:rPr lang="en-US" sz="1200" dirty="0" smtClean="0"/>
+                        <a:t>2673.47</a:t>
+                      </a:r>
+                      <a:r>
+                        <a:rPr lang="en-US" sz="1200" baseline="0" dirty="0" smtClean="0"/>
+                        <a:t> m</a:t>
+                      </a:r>
+                      <a:endParaRPr lang="en-US" sz="1200" dirty="0"/>
+                    </a:p>
+                  </a:txBody>
+                  <a:tcPr>
+                    <a:lnB w="12700" cap="flat" cmpd="sng" algn="ctr">
+                      <a:noFill/>
+                      <a:prstDash val="solid"/>
+                      <a:round/>
+                      <a:headEnd type="none" w="med" len="med"/>
+                      <a:tailEnd type="none" w="med" len="med"/>
+                    </a:lnB>
+                  </a:tcPr>
+                </a:tc>
+              </a:tr>
+              <a:tr h="388449">
+                <a:tc vMerge="1">
+                  <a:txBody>
+                    <a:bodyPr/>
+                    <a:lstStyle/>
+                    <a:p>
+                      <a:pPr algn="ctr"/>
+                      <a:endParaRPr lang="en-US" sz="1200" b="1" dirty="0"/>
+                    </a:p>
+                  </a:txBody>
+                  <a:tcPr>
+                    <a:lnL w="12700" cmpd="sng">
+                      <a:noFill/>
+                    </a:lnL>
+                    <a:lnR w="12700" cmpd="sng">
+                      <a:noFill/>
+                    </a:lnR>
+                    <a:lnT w="12700" cap="flat" cmpd="sng" algn="ctr">
+                      <a:noFill/>
+                      <a:prstDash val="solid"/>
+                      <a:round/>
+                      <a:headEnd type="none" w="med" len="med"/>
+                      <a:tailEnd type="none" w="med" len="med"/>
+                    </a:lnT>
+                    <a:lnB w="12700" cap="flat" cmpd="sng" algn="ctr">
+                      <a:solidFill>
+                        <a:scrgbClr r="0" g="0" b="0"/>
+                      </a:solidFill>
+                      <a:prstDash val="solid"/>
+                      <a:round/>
+                      <a:headEnd type="none" w="med" len="med"/>
+                      <a:tailEnd type="none" w="med" len="med"/>
+                    </a:lnB>
+                    <a:lnTlToBr w="12700" cmpd="sng">
+                      <a:noFill/>
+                      <a:prstDash val="solid"/>
+                    </a:lnTlToBr>
+                    <a:lnBlToTr w="12700" cmpd="sng">
+                      <a:noFill/>
+                      <a:prstDash val="solid"/>
+                    </a:lnBlToTr>
+                  </a:tcPr>
+                </a:tc>
+                <a:tc>
+                  <a:txBody>
+                    <a:bodyPr/>
+                    <a:lstStyle/>
+                    <a:p>
+                      <a:pPr algn="ctr"/>
+                      <a:r>
+                        <a:rPr lang="en-US" sz="1200" b="0" dirty="0" smtClean="0"/>
+                        <a:t>Avg.</a:t>
+                      </a:r>
+                      <a:r>
+                        <a:rPr lang="en-US" sz="1200" b="0" baseline="0" dirty="0" smtClean="0"/>
+                        <a:t> Stop Transfer</a:t>
+                      </a:r>
+                      <a:endParaRPr lang="en-US" sz="1200" b="0" dirty="0"/>
+                    </a:p>
+                  </a:txBody>
+                  <a:tcPr>
+                    <a:lnL w="12700" cmpd="sng">
+                      <a:noFill/>
+                    </a:lnL>
+                    <a:lnR w="12700" cmpd="sng">
+                      <a:noFill/>
+                    </a:lnR>
+                    <a:lnT w="12700" cap="flat" cmpd="sng" algn="ctr">
+                      <a:noFill/>
+                      <a:prstDash val="solid"/>
+                      <a:round/>
+                      <a:headEnd type="none" w="med" len="med"/>
+                      <a:tailEnd type="none" w="med" len="med"/>
+                    </a:lnT>
+                    <a:lnB w="12700" cap="flat" cmpd="sng" algn="ctr">
+                      <a:solidFill>
+                        <a:scrgbClr r="0" g="0" b="0"/>
+                      </a:solidFill>
+                      <a:prstDash val="solid"/>
+                      <a:round/>
+                      <a:headEnd type="none" w="med" len="med"/>
+                      <a:tailEnd type="none" w="med" len="med"/>
+                    </a:lnB>
+                    <a:lnTlToBr w="12700" cmpd="sng">
+                      <a:noFill/>
+                      <a:prstDash val="solid"/>
+                    </a:lnTlToBr>
+                    <a:lnBlToTr w="12700" cmpd="sng">
+                      <a:noFill/>
+                      <a:prstDash val="solid"/>
+                    </a:lnBlToTr>
+                  </a:tcPr>
+                </a:tc>
+                <a:tc>
+                  <a:txBody>
+                    <a:bodyPr/>
+                    <a:lstStyle/>
+                    <a:p>
+                      <a:pPr algn="ctr"/>
+                      <a:r>
+                        <a:rPr lang="en-US" sz="1200" dirty="0" smtClean="0"/>
+                        <a:t>2.00</a:t>
+                      </a:r>
+                      <a:endParaRPr lang="en-US" sz="1200" dirty="0"/>
+                    </a:p>
+                  </a:txBody>
+                  <a:tcPr>
+                    <a:lnL w="12700" cmpd="sng">
+                      <a:noFill/>
+                    </a:lnL>
+                    <a:lnR w="12700" cmpd="sng">
+                      <a:noFill/>
+                    </a:lnR>
+                    <a:lnT w="12700" cap="flat" cmpd="sng" algn="ctr">
+                      <a:noFill/>
+                      <a:prstDash val="solid"/>
+                      <a:round/>
+                      <a:headEnd type="none" w="med" len="med"/>
+                      <a:tailEnd type="none" w="med" len="med"/>
+                    </a:lnT>
+                    <a:lnB w="12700" cap="flat" cmpd="sng" algn="ctr">
+                      <a:solidFill>
+                        <a:scrgbClr r="0" g="0" b="0"/>
+                      </a:solidFill>
+                      <a:prstDash val="solid"/>
+                      <a:round/>
+                      <a:headEnd type="none" w="med" len="med"/>
+                      <a:tailEnd type="none" w="med" len="med"/>
+                    </a:lnB>
+                    <a:lnTlToBr w="12700" cmpd="sng">
+                      <a:noFill/>
+                      <a:prstDash val="solid"/>
+                    </a:lnTlToBr>
+                    <a:lnBlToTr w="12700" cmpd="sng">
+                      <a:noFill/>
+                      <a:prstDash val="solid"/>
+                    </a:lnBlToTr>
+                  </a:tcPr>
+                </a:tc>
+                <a:tc>
+                  <a:txBody>
+                    <a:bodyPr/>
+                    <a:lstStyle/>
+                    <a:p>
+                      <a:pPr algn="ctr"/>
+                      <a:r>
+                        <a:rPr lang="en-US" sz="1200" dirty="0" smtClean="0"/>
+                        <a:t>1.34</a:t>
+                      </a:r>
+                      <a:endParaRPr lang="en-US" sz="1200" dirty="0"/>
+                    </a:p>
+                  </a:txBody>
+                  <a:tcPr>
+                    <a:lnL w="12700" cmpd="sng">
+                      <a:noFill/>
+                    </a:lnL>
+                    <a:lnR w="12700" cmpd="sng">
+                      <a:noFill/>
+                    </a:lnR>
+                    <a:lnT w="12700" cap="flat" cmpd="sng" algn="ctr">
+                      <a:noFill/>
+                      <a:prstDash val="solid"/>
+                      <a:round/>
+                      <a:headEnd type="none" w="med" len="med"/>
+                      <a:tailEnd type="none" w="med" len="med"/>
+                    </a:lnT>
+                    <a:lnB w="12700" cap="flat" cmpd="sng" algn="ctr">
+                      <a:solidFill>
+                        <a:scrgbClr r="0" g="0" b="0"/>
+                      </a:solidFill>
+                      <a:prstDash val="solid"/>
+                      <a:round/>
+                      <a:headEnd type="none" w="med" len="med"/>
+                      <a:tailEnd type="none" w="med" len="med"/>
+                    </a:lnB>
+                    <a:lnTlToBr w="12700" cmpd="sng">
+                      <a:noFill/>
+                      <a:prstDash val="solid"/>
+                    </a:lnTlToBr>
+                    <a:lnBlToTr w="12700" cmpd="sng">
+                      <a:noFill/>
+                      <a:prstDash val="solid"/>
+                    </a:lnBlToTr>
+                  </a:tcPr>
+                </a:tc>
+                <a:tc>
+                  <a:txBody>
+                    <a:bodyPr/>
+                    <a:lstStyle/>
+                    <a:p>
+                      <a:pPr algn="ctr"/>
+                      <a:r>
+                        <a:rPr lang="en-US" sz="1200" dirty="0" smtClean="0"/>
+                        <a:t>4.65</a:t>
+                      </a:r>
+                      <a:endParaRPr lang="en-US" sz="1200" dirty="0"/>
+                    </a:p>
+                  </a:txBody>
+                  <a:tcPr>
+                    <a:lnL w="12700" cmpd="sng">
+                      <a:noFill/>
+                    </a:lnL>
+                    <a:lnR w="12700" cmpd="sng">
+                      <a:noFill/>
+                    </a:lnR>
+                    <a:lnT w="12700" cap="flat" cmpd="sng" algn="ctr">
+                      <a:noFill/>
+                      <a:prstDash val="solid"/>
+                      <a:round/>
+                      <a:headEnd type="none" w="med" len="med"/>
+                      <a:tailEnd type="none" w="med" len="med"/>
+                    </a:lnT>
+                    <a:lnB w="12700" cap="flat" cmpd="sng" algn="ctr">
+                      <a:solidFill>
+                        <a:scrgbClr r="0" g="0" b="0"/>
+                      </a:solidFill>
+                      <a:prstDash val="solid"/>
+                      <a:round/>
+                      <a:headEnd type="none" w="med" len="med"/>
+                      <a:tailEnd type="none" w="med" len="med"/>
+                    </a:lnB>
+                    <a:lnTlToBr w="12700" cmpd="sng">
+                      <a:noFill/>
+                      <a:prstDash val="solid"/>
+                    </a:lnTlToBr>
+                    <a:lnBlToTr w="12700" cmpd="sng">
+                      <a:noFill/>
+                      <a:prstDash val="solid"/>
+                    </a:lnBlToTr>
+                  </a:tcPr>
+                </a:tc>
+              </a:tr>
+              <a:tr h="388449">
+                <a:tc rowSpan="6">
+                  <a:txBody>
+                    <a:bodyPr/>
+                    <a:lstStyle/>
+                    <a:p>
+                      <a:pPr algn="ctr"/>
+                      <a:r>
+                        <a:rPr lang="en-US" sz="1200" b="1" dirty="0" smtClean="0"/>
+                        <a:t>Bus</a:t>
+                      </a:r>
+                    </a:p>
+                    <a:p>
+                      <a:pPr algn="ctr"/>
+                      <a:r>
+                        <a:rPr lang="en-US" sz="1200" b="1" dirty="0" smtClean="0"/>
+                        <a:t>Statistic</a:t>
+                      </a:r>
+                      <a:endParaRPr lang="en-US" sz="1200" b="1" dirty="0"/>
+                    </a:p>
+                  </a:txBody>
+                  <a:tcPr>
+                    <a:lnT w="12700" cap="flat" cmpd="sng" algn="ctr">
+                      <a:solidFill>
+                        <a:scrgbClr r="0" g="0" b="0"/>
+                      </a:solidFill>
+                      <a:prstDash val="solid"/>
+                      <a:round/>
+                      <a:headEnd type="none" w="med" len="med"/>
+                      <a:tailEnd type="none" w="med" len="med"/>
+                    </a:lnT>
+                  </a:tcPr>
+                </a:tc>
+                <a:tc>
+                  <a:txBody>
+                    <a:bodyPr/>
+                    <a:lstStyle/>
+                    <a:p>
+                      <a:pPr algn="ctr"/>
+                      <a:r>
+                        <a:rPr lang="en-US" sz="1200" b="0" dirty="0" smtClean="0"/>
+                        <a:t>Edge Cover </a:t>
+                      </a:r>
+                      <a:r>
+                        <a:rPr lang="en-US" sz="1200" b="0" dirty="0" smtClean="0"/>
+                        <a:t>Rate</a:t>
+                      </a:r>
+                      <a:endParaRPr lang="en-US" sz="1200" b="0" dirty="0"/>
+                    </a:p>
+                  </a:txBody>
+                  <a:tcPr>
+                    <a:lnT w="12700" cap="flat" cmpd="sng" algn="ctr">
+                      <a:solidFill>
+                        <a:scrgbClr r="0" g="0" b="0"/>
+                      </a:solidFill>
+                      <a:prstDash val="solid"/>
+                      <a:round/>
+                      <a:headEnd type="none" w="med" len="med"/>
+                      <a:tailEnd type="none" w="med" len="med"/>
+                    </a:lnT>
+                  </a:tcPr>
+                </a:tc>
+                <a:tc>
+                  <a:txBody>
+                    <a:bodyPr/>
+                    <a:lstStyle/>
+                    <a:p>
+                      <a:pPr algn="ctr"/>
+                      <a:r>
+                        <a:rPr lang="en-US" sz="1200" dirty="0" smtClean="0"/>
+                        <a:t>99.52%</a:t>
+                      </a:r>
+                      <a:endParaRPr lang="en-US" sz="1200" dirty="0"/>
+                    </a:p>
+                  </a:txBody>
+                  <a:tcPr>
+                    <a:lnT w="12700" cap="flat" cmpd="sng" algn="ctr">
+                      <a:solidFill>
+                        <a:scrgbClr r="0" g="0" b="0"/>
+                      </a:solidFill>
+                      <a:prstDash val="solid"/>
+                      <a:round/>
+                      <a:headEnd type="none" w="med" len="med"/>
+                      <a:tailEnd type="none" w="med" len="med"/>
+                    </a:lnT>
+                  </a:tcPr>
+                </a:tc>
+                <a:tc>
+                  <a:txBody>
+                    <a:bodyPr/>
+                    <a:lstStyle/>
+                    <a:p>
+                      <a:pPr algn="ctr"/>
+                      <a:r>
+                        <a:rPr lang="en-US" sz="1200" dirty="0" smtClean="0"/>
+                        <a:t>99.25%</a:t>
+                      </a:r>
+                      <a:endParaRPr lang="en-US" sz="1200" dirty="0"/>
+                    </a:p>
+                  </a:txBody>
+                  <a:tcPr>
+                    <a:lnT w="12700" cap="flat" cmpd="sng" algn="ctr">
+                      <a:solidFill>
+                        <a:scrgbClr r="0" g="0" b="0"/>
+                      </a:solidFill>
+                      <a:prstDash val="solid"/>
+                      <a:round/>
+                      <a:headEnd type="none" w="med" len="med"/>
+                      <a:tailEnd type="none" w="med" len="med"/>
+                    </a:lnT>
+                  </a:tcPr>
+                </a:tc>
+                <a:tc>
+                  <a:txBody>
+                    <a:bodyPr/>
+                    <a:lstStyle/>
+                    <a:p>
+                      <a:pPr algn="ctr"/>
+                      <a:r>
+                        <a:rPr lang="en-US" sz="1200" dirty="0" smtClean="0"/>
+                        <a:t>100.00%</a:t>
+                      </a:r>
+                      <a:endParaRPr lang="en-US" sz="1200" dirty="0"/>
+                    </a:p>
+                  </a:txBody>
+                  <a:tcPr>
+                    <a:lnT w="12700" cap="flat" cmpd="sng" algn="ctr">
+                      <a:solidFill>
+                        <a:scrgbClr r="0" g="0" b="0"/>
+                      </a:solidFill>
+                      <a:prstDash val="solid"/>
+                      <a:round/>
+                      <a:headEnd type="none" w="med" len="med"/>
+                      <a:tailEnd type="none" w="med" len="med"/>
+                    </a:lnT>
+                  </a:tcPr>
+                </a:tc>
+              </a:tr>
+              <a:tr h="388449">
+                <a:tc vMerge="1">
+                  <a:txBody>
+                    <a:bodyPr/>
+                    <a:lstStyle/>
+                    <a:p>
+                      <a:pPr algn="ctr"/>
+                      <a:endParaRPr lang="en-US" sz="1200" b="1" dirty="0"/>
+                    </a:p>
+                  </a:txBody>
+                  <a:tcPr/>
+                </a:tc>
+                <a:tc>
+                  <a:txBody>
+                    <a:bodyPr/>
+                    <a:lstStyle/>
+                    <a:p>
+                      <a:pPr algn="ctr"/>
+                      <a:r>
+                        <a:rPr lang="en-US" sz="1200" b="0" dirty="0" smtClean="0"/>
+                        <a:t>Edge Repeat</a:t>
+                      </a:r>
+                      <a:r>
+                        <a:rPr lang="en-US" sz="1200" b="0" baseline="0" dirty="0" smtClean="0"/>
+                        <a:t> </a:t>
+                      </a:r>
+                      <a:r>
+                        <a:rPr lang="en-US" sz="1200" b="0" baseline="0" dirty="0" smtClean="0"/>
+                        <a:t>Rate</a:t>
+                      </a:r>
+                      <a:endParaRPr lang="en-US" sz="1200" b="0" dirty="0"/>
+                    </a:p>
+                  </a:txBody>
+                  <a:tcPr/>
+                </a:tc>
+                <a:tc>
+                  <a:txBody>
+                    <a:bodyPr/>
+                    <a:lstStyle/>
+                    <a:p>
+                      <a:pPr algn="ctr"/>
+                      <a:r>
+                        <a:rPr lang="en-US" sz="1200" dirty="0" smtClean="0"/>
+                        <a:t>649.25%</a:t>
+                      </a:r>
+                      <a:endParaRPr lang="en-US" sz="1200" dirty="0"/>
+                    </a:p>
+                  </a:txBody>
+                  <a:tcPr/>
+                </a:tc>
+                <a:tc>
+                  <a:txBody>
+                    <a:bodyPr/>
+                    <a:lstStyle/>
+                    <a:p>
+                      <a:pPr algn="ctr"/>
+                      <a:r>
+                        <a:rPr lang="en-US" sz="1200" dirty="0" smtClean="0"/>
+                        <a:t>11.19%</a:t>
+                      </a:r>
+                      <a:endParaRPr lang="en-US" sz="1200" dirty="0"/>
+                    </a:p>
+                  </a:txBody>
+                  <a:tcPr/>
+                </a:tc>
+                <a:tc>
+                  <a:txBody>
+                    <a:bodyPr/>
+                    <a:lstStyle/>
+                    <a:p>
+                      <a:pPr algn="ctr"/>
+                      <a:r>
+                        <a:rPr lang="en-US" sz="1200" dirty="0" smtClean="0"/>
+                        <a:t>0.00%</a:t>
+                      </a:r>
+                      <a:endParaRPr lang="en-US" sz="1200" dirty="0"/>
+                    </a:p>
+                  </a:txBody>
+                  <a:tcPr/>
+                </a:tc>
+              </a:tr>
+              <a:tr h="388449">
+                <a:tc vMerge="1">
+                  <a:txBody>
+                    <a:bodyPr/>
+                    <a:lstStyle/>
+                    <a:p>
+                      <a:pPr algn="ctr"/>
+                      <a:endParaRPr lang="en-US" sz="1200" b="1" dirty="0"/>
+                    </a:p>
+                  </a:txBody>
+                  <a:tcPr/>
+                </a:tc>
+                <a:tc>
+                  <a:txBody>
+                    <a:bodyPr/>
+                    <a:lstStyle/>
+                    <a:p>
+                      <a:pPr algn="ctr"/>
+                      <a:r>
+                        <a:rPr lang="en-US" sz="1200" b="0" dirty="0" smtClean="0"/>
+                        <a:t>Bus Generated</a:t>
+                      </a:r>
+                      <a:endParaRPr lang="en-US" sz="1200" b="0" dirty="0"/>
+                    </a:p>
+                  </a:txBody>
+                  <a:tcPr/>
+                </a:tc>
+                <a:tc>
+                  <a:txBody>
+                    <a:bodyPr/>
+                    <a:lstStyle/>
+                    <a:p>
+                      <a:pPr algn="ctr"/>
+                      <a:r>
+                        <a:rPr lang="en-US" sz="1200" dirty="0" smtClean="0"/>
+                        <a:t>81,650</a:t>
+                      </a:r>
+                      <a:endParaRPr lang="en-US" sz="1200" dirty="0"/>
+                    </a:p>
+                  </a:txBody>
+                  <a:tcPr/>
+                </a:tc>
+                <a:tc>
+                  <a:txBody>
+                    <a:bodyPr/>
+                    <a:lstStyle/>
+                    <a:p>
+                      <a:pPr algn="ctr"/>
+                      <a:r>
+                        <a:rPr lang="en-US" sz="1200" dirty="0" smtClean="0"/>
+                        <a:t>19020</a:t>
+                      </a:r>
+                      <a:endParaRPr lang="en-US" sz="1200" dirty="0"/>
+                    </a:p>
+                  </a:txBody>
+                  <a:tcPr/>
+                </a:tc>
+                <a:tc>
+                  <a:txBody>
+                    <a:bodyPr/>
+                    <a:lstStyle/>
+                    <a:p>
+                      <a:pPr algn="ctr"/>
+                      <a:r>
+                        <a:rPr lang="en-US" sz="1200" dirty="0" smtClean="0"/>
+                        <a:t>127,434</a:t>
+                      </a:r>
+                      <a:endParaRPr lang="en-US" sz="1200" dirty="0"/>
+                    </a:p>
+                  </a:txBody>
+                  <a:tcPr/>
+                </a:tc>
+              </a:tr>
+              <a:tr h="388449">
+                <a:tc vMerge="1">
+                  <a:txBody>
+                    <a:bodyPr/>
+                    <a:lstStyle/>
+                    <a:p>
+                      <a:pPr algn="ctr"/>
+                      <a:endParaRPr lang="en-US" sz="1200" b="1" dirty="0"/>
+                    </a:p>
+                  </a:txBody>
+                  <a:tcPr/>
+                </a:tc>
+                <a:tc>
+                  <a:txBody>
+                    <a:bodyPr/>
+                    <a:lstStyle/>
+                    <a:p>
+                      <a:pPr algn="ctr"/>
+                      <a:r>
+                        <a:rPr lang="en-US" sz="1200" b="0" dirty="0" smtClean="0"/>
+                        <a:t>Avg. </a:t>
+                      </a:r>
+                      <a:r>
+                        <a:rPr lang="en-US" sz="1200" b="0" baseline="0" dirty="0" smtClean="0"/>
+                        <a:t>Bus on Map</a:t>
+                      </a:r>
+                      <a:endParaRPr lang="en-US" sz="1200" b="0" dirty="0"/>
+                    </a:p>
+                  </a:txBody>
+                  <a:tcPr/>
+                </a:tc>
+                <a:tc>
+                  <a:txBody>
+                    <a:bodyPr/>
+                    <a:lstStyle/>
+                    <a:p>
+                      <a:pPr algn="ctr"/>
+                      <a:r>
+                        <a:rPr lang="en-US" sz="1200" dirty="0" smtClean="0"/>
+                        <a:t>184</a:t>
+                      </a:r>
+                      <a:endParaRPr lang="en-US" sz="1200" dirty="0"/>
+                    </a:p>
+                  </a:txBody>
+                  <a:tcPr/>
+                </a:tc>
+                <a:tc>
+                  <a:txBody>
+                    <a:bodyPr/>
+                    <a:lstStyle/>
+                    <a:p>
+                      <a:pPr algn="ctr"/>
+                      <a:r>
+                        <a:rPr lang="en-US" sz="1200" dirty="0" smtClean="0"/>
+                        <a:t>36</a:t>
+                      </a:r>
+                      <a:endParaRPr lang="en-US" sz="1200" dirty="0"/>
+                    </a:p>
+                  </a:txBody>
+                  <a:tcPr/>
+                </a:tc>
+                <a:tc>
+                  <a:txBody>
+                    <a:bodyPr/>
+                    <a:lstStyle/>
+                    <a:p>
+                      <a:pPr algn="ctr"/>
+                      <a:r>
+                        <a:rPr lang="en-US" sz="1200" dirty="0" smtClean="0"/>
+                        <a:t>22</a:t>
+                      </a:r>
+                      <a:endParaRPr lang="en-US" sz="1200" dirty="0"/>
+                    </a:p>
+                  </a:txBody>
+                  <a:tcPr/>
+                </a:tc>
+              </a:tr>
+              <a:tr h="409514">
+                <a:tc vMerge="1">
+                  <a:txBody>
+                    <a:bodyPr/>
+                    <a:lstStyle/>
+                    <a:p>
+                      <a:pPr algn="ctr"/>
+                      <a:endParaRPr lang="en-US" sz="1200" b="1" dirty="0"/>
+                    </a:p>
+                  </a:txBody>
+                  <a:tcPr/>
+                </a:tc>
+                <a:tc>
+                  <a:txBody>
+                    <a:bodyPr/>
+                    <a:lstStyle/>
+                    <a:p>
+                      <a:pPr algn="ctr"/>
+                      <a:r>
+                        <a:rPr lang="en-US" sz="1200" b="0" dirty="0" smtClean="0"/>
+                        <a:t>Total Travel</a:t>
+                      </a:r>
+                      <a:r>
+                        <a:rPr lang="en-US" sz="1200" b="0" baseline="0" dirty="0" smtClean="0"/>
+                        <a:t> Dist.</a:t>
+                      </a:r>
+                      <a:endParaRPr lang="en-US" sz="1200" b="0" dirty="0"/>
+                    </a:p>
+                  </a:txBody>
+                  <a:tcPr/>
+                </a:tc>
+                <a:tc>
+                  <a:txBody>
+                    <a:bodyPr/>
+                    <a:lstStyle/>
+                    <a:p>
+                      <a:pPr algn="ctr"/>
+                      <a:r>
+                        <a:rPr lang="en-US" sz="1200" dirty="0" smtClean="0"/>
+                        <a:t>1,062,990 km</a:t>
+                      </a:r>
+                      <a:endParaRPr lang="en-US" sz="1200" dirty="0"/>
+                    </a:p>
+                  </a:txBody>
+                  <a:tcPr/>
+                </a:tc>
+                <a:tc>
+                  <a:txBody>
+                    <a:bodyPr/>
+                    <a:lstStyle/>
+                    <a:p>
+                      <a:pPr algn="ctr"/>
+                      <a:r>
+                        <a:rPr lang="en-US" sz="1200" dirty="0" smtClean="0"/>
+                        <a:t>216,069 km</a:t>
+                      </a:r>
+                      <a:endParaRPr lang="en-US" sz="1200" dirty="0"/>
+                    </a:p>
+                  </a:txBody>
+                  <a:tcPr/>
+                </a:tc>
+                <a:tc>
+                  <a:txBody>
+                    <a:bodyPr/>
+                    <a:lstStyle/>
+                    <a:p>
+                      <a:pPr algn="ctr"/>
+                      <a:r>
+                        <a:rPr lang="en-US" sz="1200" dirty="0" smtClean="0"/>
+                        <a:t>196,107 km</a:t>
+                      </a:r>
+                      <a:endParaRPr lang="en-US" sz="1200" dirty="0"/>
+                    </a:p>
+                  </a:txBody>
+                  <a:tcPr/>
+                </a:tc>
+              </a:tr>
+              <a:tr h="388449">
+                <a:tc vMerge="1">
+                  <a:txBody>
+                    <a:bodyPr/>
+                    <a:lstStyle/>
+                    <a:p>
+                      <a:pPr algn="ctr"/>
+                      <a:endParaRPr lang="en-US" sz="1200" b="1" dirty="0"/>
+                    </a:p>
+                  </a:txBody>
+                  <a:tcPr/>
+                </a:tc>
+                <a:tc>
+                  <a:txBody>
+                    <a:bodyPr/>
+                    <a:lstStyle/>
+                    <a:p>
+                      <a:pPr algn="ctr"/>
+                      <a:r>
+                        <a:rPr lang="en-US" sz="1200" b="0" dirty="0" smtClean="0"/>
+                        <a:t>Average Capacity</a:t>
+                      </a:r>
+                      <a:endParaRPr lang="en-US" sz="1200" b="0" dirty="0"/>
+                    </a:p>
+                  </a:txBody>
+                  <a:tcPr/>
+                </a:tc>
+                <a:tc>
+                  <a:txBody>
+                    <a:bodyPr/>
+                    <a:lstStyle/>
+                    <a:p>
+                      <a:pPr algn="ctr"/>
+                      <a:r>
+                        <a:rPr lang="en-US" sz="1200" dirty="0" smtClean="0"/>
+                        <a:t>4.94</a:t>
+                      </a:r>
+                      <a:endParaRPr lang="en-US" sz="1200" dirty="0"/>
+                    </a:p>
+                  </a:txBody>
+                  <a:tcPr/>
+                </a:tc>
+                <a:tc>
+                  <a:txBody>
+                    <a:bodyPr/>
+                    <a:lstStyle/>
+                    <a:p>
+                      <a:pPr algn="ctr"/>
+                      <a:r>
+                        <a:rPr lang="en-US" sz="1200" dirty="0" smtClean="0"/>
+                        <a:t>22.08</a:t>
+                      </a:r>
+                      <a:endParaRPr lang="en-US" sz="1200" dirty="0"/>
+                    </a:p>
+                  </a:txBody>
+                  <a:tcPr/>
+                </a:tc>
+                <a:tc>
+                  <a:txBody>
+                    <a:bodyPr/>
+                    <a:lstStyle/>
+                    <a:p>
+                      <a:pPr algn="ctr"/>
+                      <a:r>
+                        <a:rPr lang="en-US" sz="1200" dirty="0" smtClean="0"/>
+                        <a:t>13.17</a:t>
+                      </a:r>
+                      <a:endParaRPr lang="en-US" sz="1200" dirty="0"/>
+                    </a:p>
+                  </a:txBody>
+                  <a:tcPr/>
+                </a:tc>
+              </a:tr>
+            </a:tbl>
+          </a:graphicData>
+        </a:graphic>
+      </p:graphicFrame>
     </p:spTree>
     <p:extLst>
       <p:ext uri="{BB962C8B-B14F-4D97-AF65-F5344CB8AC3E}">
-        <p14:creationId xmlns="" xmlns:p14="http://schemas.microsoft.com/office/powerpoint/2010/main" val="3939641284"/>
+        <p14:creationId xmlns:p14="http://schemas.microsoft.com/office/powerpoint/2010/main" val="3158556528"/>
       </p:ext>
     </p:extLst>
   </p:cSld>
   <p:clrMapOvr>
     <a:masterClrMapping/>
   </p:clrMapOvr>
-  <p:transition/>
   <p:timing>
     <p:tnLst>
       <p:par>
-        <p:cTn id="1" dur="indefinite" restart="never" nodeType="tmRoot"/>
+        <p:cTn xmlns:p14="http://schemas.microsoft.com/office/powerpoint/2010/main" id="1" dur="indefinite" restart="never" nodeType="tmRoot"/>
       </p:par>
     </p:tnLst>
   </p:timing>
@@ -8709,7 +12041,19 @@
             <a:pPr algn="r"/>
             <a:r>
               <a:rPr lang="en-US" dirty="0" smtClean="0"/>
-              <a:t>Conclusion and Future Work</a:t>
+              <a:t>Conclusion </a:t>
+            </a:r>
+            <a:r>
+              <a:rPr lang="en-US" dirty="0" smtClean="0"/>
+              <a:t>&amp; </a:t>
+            </a:r>
+            <a:r>
+              <a:rPr lang="en-US" dirty="0" smtClean="0"/>
+              <a:t>Future </a:t>
+            </a:r>
+            <a:r>
+              <a:rPr lang="en-US" dirty="0" smtClean="0"/>
+              <a:t>Work</a:t>
             </a:r>
             <a:endParaRPr lang="en-US" dirty="0"/>
           </a:p>
@@ -8718,7 +12062,7 @@
     </p:spTree>
     <p:extLst>
       <p:ext uri="{BB962C8B-B14F-4D97-AF65-F5344CB8AC3E}">
-        <p14:creationId xmlns="" xmlns:p14="http://schemas.microsoft.com/office/powerpoint/2010/main" val="1948975067"/>
+        <p14:creationId xmlns:p14="http://schemas.microsoft.com/office/powerpoint/2010/main" val="1948975067"/>
       </p:ext>
     </p:extLst>
   </p:cSld>
@@ -8728,7 +12072,7 @@
   <p:timing>
     <p:tnLst>
       <p:par>
-        <p:cTn id="1" dur="indefinite" restart="never" nodeType="tmRoot"/>
+        <p:cTn xmlns:p14="http://schemas.microsoft.com/office/powerpoint/2010/main" id="1" dur="indefinite" restart="never" nodeType="tmRoot"/>
       </p:par>
     </p:tnLst>
   </p:timing>
@@ -8790,7 +12134,28 @@
           <a:bodyPr/>
           <a:lstStyle/>
           <a:p>
-            <a:endParaRPr lang="zh-TW" altLang="en-US" dirty="0"/>
+            <a:r>
+              <a:rPr lang="en-US" altLang="zh-TW" dirty="0" smtClean="0"/>
+              <a:t>The simulation is an initial attempt to model the bus activities in Taipei city based on some real world data collected from Internet.</a:t>
+            </a:r>
+          </a:p>
+          <a:p>
+            <a:r>
+              <a:rPr lang="en-US" altLang="zh-TW" dirty="0" smtClean="0"/>
+              <a:t>However, the data are still limited so real world behavior of clients is hard to model.</a:t>
+            </a:r>
+          </a:p>
+          <a:p>
+            <a:r>
+              <a:rPr lang="en-US" altLang="zh-TW" dirty="0" smtClean="0"/>
+              <a:t>With some proper assumptions, the experiment results suggested that the chessboard policy is far more efficient in terms of the resource utilization compared to the policy in operation.</a:t>
+            </a:r>
+          </a:p>
+          <a:p>
+            <a:r>
+              <a:rPr lang="en-US" altLang="zh-TW" dirty="0" smtClean="0"/>
+              <a:t>However, it is not a engineering problem but a political/social one, which is 10 times harder than a pure engineering one.</a:t>
+            </a:r>
           </a:p>
         </p:txBody>
       </p:sp>
@@ -8802,7 +12167,7 @@
   <p:timing>
     <p:tnLst>
       <p:par>
-        <p:cTn id="1" dur="indefinite" restart="never" nodeType="tmRoot"/>
+        <p:cTn xmlns:p14="http://schemas.microsoft.com/office/powerpoint/2010/main" id="1" dur="indefinite" restart="never" nodeType="tmRoot"/>
       </p:par>
     </p:tnLst>
   </p:timing>
@@ -8866,22 +12231,55 @@
           <a:p>
             <a:r>
               <a:rPr lang="en-US" altLang="zh-TW" dirty="0" smtClean="0"/>
+              <a:t>More real world data should be collected to avoid incorrect assumptions. More data can also provide us a sophisticated modeling of the world.</a:t>
+            </a:r>
+          </a:p>
+          <a:p>
+            <a:r>
+              <a:rPr lang="en-US" altLang="zh-TW" dirty="0"/>
               <a:t>There is much room for improvement in modeling client behavior.</a:t>
             </a:r>
           </a:p>
           <a:p>
             <a:pPr lvl="1"/>
             <a:r>
+              <a:rPr lang="en-US" altLang="zh-TW" dirty="0"/>
+              <a:t>We wait at a bus stop for a bus which takes us to our destination directly.</a:t>
+            </a:r>
+          </a:p>
+          <a:p>
+            <a:pPr lvl="1"/>
+            <a:r>
+              <a:rPr lang="en-US" altLang="zh-TW" dirty="0"/>
+              <a:t>We do not like transfers.</a:t>
+            </a:r>
+          </a:p>
+          <a:p>
+            <a:r>
               <a:rPr lang="en-US" altLang="zh-TW" dirty="0" smtClean="0"/>
-              <a:t>We wait at a bus stop for a bus which takes us to our destination directly.</a:t>
+              <a:t>An optimization algorithm can be applied if more real data are available.</a:t>
             </a:r>
           </a:p>
           <a:p>
             <a:pPr lvl="1"/>
             <a:r>
               <a:rPr lang="en-US" altLang="zh-TW" dirty="0" smtClean="0"/>
-              <a:t>We do not like transfers.</a:t>
-            </a:r>
+              <a:t>Optimize on bus routes</a:t>
+            </a:r>
+          </a:p>
+          <a:p>
+            <a:pPr lvl="1"/>
+            <a:r>
+              <a:rPr lang="en-US" altLang="zh-TW" dirty="0" smtClean="0"/>
+              <a:t>Optimize on bus intervals</a:t>
+            </a:r>
+            <a:endParaRPr lang="en-US" altLang="zh-TW" dirty="0"/>
+          </a:p>
+          <a:p>
+            <a:endParaRPr lang="en-US" altLang="zh-TW" dirty="0"/>
+          </a:p>
+          <a:p>
+            <a:endParaRPr lang="en-US" altLang="zh-TW" dirty="0" smtClean="0"/>
           </a:p>
         </p:txBody>
       </p:sp>
@@ -8928,7 +12326,19 @@
             <a:pPr algn="r"/>
             <a:r>
               <a:rPr lang="en-US" dirty="0" smtClean="0"/>
-              <a:t>Motivation and Objectives</a:t>
+              <a:t>Motivation </a:t>
+            </a:r>
+            <a:r>
+              <a:rPr lang="en-US" dirty="0"/>
+              <a:t>&amp;</a:t>
+            </a:r>
+            <a:r>
+              <a:rPr lang="en-US" dirty="0" smtClean="0"/>
+              <a:t> </a:t>
+            </a:r>
+            <a:r>
+              <a:rPr lang="en-US" dirty="0" smtClean="0"/>
+              <a:t>Objectives</a:t>
             </a:r>
             <a:endParaRPr lang="en-US" dirty="0"/>
           </a:p>
@@ -8970,7 +12380,7 @@
     </p:spTree>
     <p:extLst>
       <p:ext uri="{BB962C8B-B14F-4D97-AF65-F5344CB8AC3E}">
-        <p14:creationId xmlns="" xmlns:p14="http://schemas.microsoft.com/office/powerpoint/2010/main" val="1320652892"/>
+        <p14:creationId xmlns:p14="http://schemas.microsoft.com/office/powerpoint/2010/main" val="1320652892"/>
       </p:ext>
     </p:extLst>
   </p:cSld>
@@ -8980,7 +12390,7 @@
   <p:timing>
     <p:tnLst>
       <p:par>
-        <p:cTn id="1" dur="indefinite" restart="never" nodeType="tmRoot"/>
+        <p:cTn xmlns:p14="http://schemas.microsoft.com/office/powerpoint/2010/main" id="1" dur="indefinite" restart="never" nodeType="tmRoot"/>
       </p:par>
     </p:tnLst>
   </p:timing>
@@ -9031,7 +12441,7 @@
     </p:spTree>
     <p:extLst>
       <p:ext uri="{BB962C8B-B14F-4D97-AF65-F5344CB8AC3E}">
-        <p14:creationId xmlns="" xmlns:p14="http://schemas.microsoft.com/office/powerpoint/2010/main" val="1948975067"/>
+        <p14:creationId xmlns:p14="http://schemas.microsoft.com/office/powerpoint/2010/main" val="1948975067"/>
       </p:ext>
     </p:extLst>
   </p:cSld>
@@ -9149,7 +12559,7 @@
   <p:timing>
     <p:tnLst>
       <p:par>
-        <p:cTn id="1" dur="indefinite" restart="never" nodeType="tmRoot"/>
+        <p:cTn xmlns:p14="http://schemas.microsoft.com/office/powerpoint/2010/main" id="1" dur="indefinite" restart="never" nodeType="tmRoot"/>
       </p:par>
     </p:tnLst>
   </p:timing>
@@ -9264,7 +12674,7 @@
   <p:timing>
     <p:tnLst>
       <p:par>
-        <p:cTn id="1" dur="indefinite" restart="never" nodeType="tmRoot"/>
+        <p:cTn xmlns:p14="http://schemas.microsoft.com/office/powerpoint/2010/main" id="1" dur="indefinite" restart="never" nodeType="tmRoot"/>
       </p:par>
     </p:tnLst>
   </p:timing>
@@ -9394,7 +12804,7 @@
   <p:timing>
     <p:tnLst>
       <p:par>
-        <p:cTn id="1" dur="indefinite" restart="never" nodeType="tmRoot"/>
+        <p:cTn xmlns:p14="http://schemas.microsoft.com/office/powerpoint/2010/main" id="1" dur="indefinite" restart="never" nodeType="tmRoot"/>
       </p:par>
     </p:tnLst>
   </p:timing>
@@ -9549,7 +12959,7 @@
   <p:timing>
     <p:tnLst>
       <p:par>
-        <p:cTn id="1" dur="indefinite" restart="never" nodeType="tmRoot"/>
+        <p:cTn xmlns:p14="http://schemas.microsoft.com/office/powerpoint/2010/main" id="1" dur="indefinite" restart="never" nodeType="tmRoot"/>
       </p:par>
     </p:tnLst>
   </p:timing>
@@ -9696,11 +13106,7 @@
             </a:br>
             <a:r>
               <a:rPr lang="zh-TW" altLang="en-US" sz="2000" dirty="0" smtClean="0"/>
-              <a:t>林志盈</a:t>
-            </a:r>
-            <a:r>
-              <a:rPr lang="zh-TW" altLang="en-US" sz="2000" dirty="0" smtClean="0"/>
-              <a:t>強調，這項整併作業涉及各家業者利益，這是主要困難所在，未來不排除先於設有公車專用道路段試辦實施，必要時採訂自治法規強制規範，預定明年度編列預算並送市議會審查後正式推動。</a:t>
+              <a:t>林志盈強調，這項整併作業涉及各家業者利益，這是主要困難所在，未來不排除先於設有公車專用道路段試辦實施，必要時採訂自治法規強制規範，預定明年度編列預算並送市議會審查後正式推動。</a:t>
             </a:r>
             <a:endParaRPr lang="zh-TW" altLang="en-US" sz="2000" dirty="0"/>
           </a:p>
@@ -9714,7 +13120,7 @@
   <p:timing>
     <p:tnLst>
       <p:par>
-        <p:cTn id="1" dur="indefinite" restart="never" nodeType="tmRoot"/>
+        <p:cTn xmlns:p14="http://schemas.microsoft.com/office/powerpoint/2010/main" id="1" dur="indefinite" restart="never" nodeType="tmRoot"/>
       </p:par>
     </p:tnLst>
   </p:timing>
@@ -9922,7 +13328,7 @@
   <p:timing>
     <p:tnLst>
       <p:par>
-        <p:cTn id="1" dur="indefinite" restart="never" nodeType="tmRoot"/>
+        <p:cTn xmlns:p14="http://schemas.microsoft.com/office/powerpoint/2010/main" id="1" dur="indefinite" restart="never" nodeType="tmRoot"/>
       </p:par>
     </p:tnLst>
   </p:timing>

--- a/ppt/multiagent_final-pochun.pptx
+++ b/ppt/multiagent_final-pochun.pptx
@@ -6101,11 +6101,7 @@
             </a:r>
             <a:r>
               <a:rPr lang="en-US" dirty="0" smtClean="0"/>
-              <a:t>urrent </a:t>
-            </a:r>
-            <a:r>
-              <a:rPr lang="en-US" dirty="0" smtClean="0"/>
-              <a:t>traffic information</a:t>
+              <a:t>urrent traffic information</a:t>
             </a:r>
           </a:p>
           <a:p>
@@ -7174,11 +7170,7 @@
             </a:r>
             <a:r>
               <a:rPr lang="en-US" dirty="0" smtClean="0"/>
-              <a:t> </a:t>
-            </a:r>
-            <a:r>
-              <a:rPr lang="en-US" dirty="0" smtClean="0"/>
-              <a:t>Future Work</a:t>
+              <a:t> Future Work</a:t>
             </a:r>
           </a:p>
           <a:p>
@@ -7268,13 +7260,8 @@
           <a:p>
             <a:r>
               <a:rPr lang="en-US" dirty="0" smtClean="0"/>
-              <a:t>Clients are </a:t>
-            </a:r>
-            <a:r>
-              <a:rPr lang="en-US" dirty="0" smtClean="0"/>
-              <a:t>generated on nodes with destinations.</a:t>
-            </a:r>
-            <a:endParaRPr lang="en-US" dirty="0" smtClean="0"/>
+              <a:t>Clients are generated on nodes with destinations.</a:t>
+            </a:r>
           </a:p>
           <a:p>
             <a:r>
@@ -7307,11 +7294,7 @@
           <a:p>
             <a:r>
               <a:rPr lang="en-US" dirty="0" smtClean="0"/>
-              <a:t>How </a:t>
-            </a:r>
-            <a:r>
-              <a:rPr lang="en-US" dirty="0" smtClean="0"/>
-              <a:t>to take a bus:</a:t>
+              <a:t>How to take a bus:</a:t>
             </a:r>
           </a:p>
           <a:p>
@@ -7325,47 +7308,22 @@
             <a:pPr lvl="1"/>
             <a:r>
               <a:rPr lang="en-US" dirty="0" smtClean="0"/>
-              <a:t>If a bus can take Client A to a node which is "closer" to A's destination than A's current </a:t>
-            </a:r>
+              <a:t>If a bus can take Client A to a node which is "closer" to A's destination than A's current location is, A will get on the bus.</a:t>
+            </a:r>
+          </a:p>
+          <a:p>
+            <a:pPr lvl="1"/>
             <a:r>
               <a:rPr lang="en-US" dirty="0" smtClean="0"/>
-              <a:t>location is, </a:t>
-            </a:r>
+              <a:t>The "distance" metric is based on the bus routes.</a:t>
+            </a:r>
+          </a:p>
+          <a:p>
+            <a:pPr lvl="1"/>
             <a:r>
               <a:rPr lang="en-US" dirty="0" smtClean="0"/>
-              <a:t>A </a:t>
-            </a:r>
-            <a:r>
-              <a:rPr lang="en-US" dirty="0" smtClean="0"/>
-              <a:t>will get </a:t>
-            </a:r>
-            <a:r>
-              <a:rPr lang="en-US" dirty="0" smtClean="0"/>
-              <a:t>on the bus.</a:t>
-            </a:r>
-          </a:p>
-          <a:p>
-            <a:pPr lvl="1"/>
-            <a:r>
-              <a:rPr lang="en-US" dirty="0" smtClean="0"/>
-              <a:t>The "distance" metric is based on the bus routes</a:t>
-            </a:r>
-            <a:r>
-              <a:rPr lang="en-US" dirty="0" smtClean="0"/>
-              <a:t>.</a:t>
-            </a:r>
-          </a:p>
-          <a:p>
-            <a:pPr lvl="1"/>
-            <a:r>
-              <a:rPr lang="en-US" dirty="0" smtClean="0"/>
-              <a:t>May not be intuitive</a:t>
-            </a:r>
-            <a:r>
-              <a:rPr lang="en-US" dirty="0" smtClean="0"/>
-              <a:t>…</a:t>
-            </a:r>
-            <a:endParaRPr lang="en-US" dirty="0" smtClean="0"/>
+              <a:t>May not be intuitive…</a:t>
+            </a:r>
           </a:p>
           <a:p>
             <a:endParaRPr lang="en-US" dirty="0"/>
@@ -7541,15 +7499,7 @@
           <a:p>
             <a:r>
               <a:rPr lang="en-US" dirty="0" smtClean="0"/>
-              <a:t>Run on </a:t>
-            </a:r>
-            <a:r>
-              <a:rPr lang="en-US" dirty="0" smtClean="0"/>
-              <a:t>three designated </a:t>
-            </a:r>
-            <a:r>
-              <a:rPr lang="en-US" dirty="0" smtClean="0"/>
-              <a:t>scenarios.</a:t>
+              <a:t>Run on three designated scenarios.</a:t>
             </a:r>
           </a:p>
           <a:p>
@@ -7570,11 +7520,7 @@
             </a:r>
             <a:r>
               <a:rPr lang="en-US" dirty="0" smtClean="0"/>
-              <a:t> </a:t>
-            </a:r>
-            <a:r>
-              <a:rPr lang="en-US" dirty="0" smtClean="0"/>
-              <a:t>0.5</a:t>
+              <a:t> 0.5</a:t>
             </a:r>
           </a:p>
           <a:p>
@@ -7589,11 +7535,7 @@
             </a:r>
             <a:r>
               <a:rPr lang="en-US" dirty="0" smtClean="0"/>
-              <a:t> </a:t>
-            </a:r>
-            <a:r>
-              <a:rPr lang="en-US" dirty="0" smtClean="0"/>
-              <a:t>0.5</a:t>
+              <a:t> 0.5</a:t>
             </a:r>
             <a:endParaRPr lang="en-US" dirty="0"/>
           </a:p>
@@ -8071,11 +8013,7 @@
                       </a:r>
                       <a:r>
                         <a:rPr lang="en-US" sz="1200" b="0" baseline="0" dirty="0" smtClean="0"/>
-                        <a:t> Left on </a:t>
-                      </a:r>
-                      <a:r>
-                        <a:rPr lang="en-US" sz="1200" b="0" baseline="0" dirty="0" smtClean="0"/>
-                        <a:t>Map</a:t>
+                        <a:t> Left on Map</a:t>
                       </a:r>
                       <a:endParaRPr lang="en-US" sz="1200" b="0" dirty="0"/>
                     </a:p>
@@ -8152,11 +8090,7 @@
                       </a:r>
                       <a:r>
                         <a:rPr lang="en-US" sz="1200" b="0" baseline="0" dirty="0" smtClean="0"/>
-                        <a:t> </a:t>
-                      </a:r>
-                      <a:r>
-                        <a:rPr lang="en-US" sz="1200" b="0" baseline="0" dirty="0" smtClean="0"/>
-                        <a:t>Rate</a:t>
+                        <a:t> Rate</a:t>
                       </a:r>
                       <a:endParaRPr lang="en-US" sz="1200" b="0" dirty="0"/>
                     </a:p>
@@ -8233,11 +8167,7 @@
                       </a:r>
                       <a:r>
                         <a:rPr lang="en-US" sz="1200" b="0" baseline="0" dirty="0" smtClean="0"/>
-                        <a:t> Time </a:t>
-                      </a:r>
-                      <a:r>
-                        <a:rPr lang="en-US" sz="1200" b="0" baseline="0" dirty="0" smtClean="0"/>
-                        <a:t>Cost</a:t>
+                        <a:t> Time Cost</a:t>
                       </a:r>
                       <a:endParaRPr lang="en-US" sz="1200" b="0" dirty="0"/>
                     </a:p>
@@ -8322,11 +8252,7 @@
                       </a:r>
                       <a:r>
                         <a:rPr lang="en-US" sz="1200" b="0" baseline="0" dirty="0" smtClean="0"/>
-                        <a:t> Travel Dist</a:t>
-                      </a:r>
-                      <a:r>
-                        <a:rPr lang="en-US" sz="1200" b="0" baseline="0" dirty="0" smtClean="0"/>
-                        <a:t>.</a:t>
+                        <a:t> Travel Dist.</a:t>
                       </a:r>
                       <a:endParaRPr lang="en-US" sz="1200" b="0" dirty="0"/>
                     </a:p>
@@ -8692,11 +8618,7 @@
                       <a:pPr algn="ctr"/>
                       <a:r>
                         <a:rPr lang="en-US" sz="1200" b="0" dirty="0" smtClean="0"/>
-                        <a:t>Edge Cover </a:t>
-                      </a:r>
-                      <a:r>
-                        <a:rPr lang="en-US" sz="1200" b="0" dirty="0" smtClean="0"/>
-                        <a:t>Rate</a:t>
+                        <a:t>Edge Cover Rate</a:t>
                       </a:r>
                       <a:endParaRPr lang="en-US" sz="1200" b="0" dirty="0"/>
                     </a:p>
@@ -8813,11 +8735,7 @@
                       </a:r>
                       <a:r>
                         <a:rPr lang="en-US" sz="1200" b="0" baseline="0" dirty="0" smtClean="0"/>
-                        <a:t> </a:t>
-                      </a:r>
-                      <a:r>
-                        <a:rPr lang="en-US" sz="1200" b="0" baseline="0" dirty="0" smtClean="0"/>
-                        <a:t>Rate</a:t>
+                        <a:t> Rate</a:t>
                       </a:r>
                       <a:endParaRPr lang="en-US" sz="1200" b="0" dirty="0"/>
                     </a:p>
@@ -9228,11 +9146,7 @@
           <a:p>
             <a:r>
               <a:rPr lang="en-US" dirty="0" smtClean="0"/>
-              <a:t>Result – </a:t>
-            </a:r>
-            <a:r>
-              <a:rPr lang="en-US" dirty="0" smtClean="0"/>
-              <a:t>Morning</a:t>
+              <a:t>Result – Morning</a:t>
             </a:r>
             <a:endParaRPr lang="en-US" dirty="0"/>
           </a:p>
@@ -9477,11 +9391,7 @@
                       </a:r>
                       <a:r>
                         <a:rPr lang="en-US" sz="1200" b="0" baseline="0" dirty="0" smtClean="0"/>
-                        <a:t> Left on </a:t>
-                      </a:r>
-                      <a:r>
-                        <a:rPr lang="en-US" sz="1200" b="0" baseline="0" dirty="0" smtClean="0"/>
-                        <a:t>Map</a:t>
+                        <a:t> Left on Map</a:t>
                       </a:r>
                       <a:endParaRPr lang="en-US" sz="1200" b="0" dirty="0"/>
                     </a:p>
@@ -9558,11 +9468,7 @@
                       </a:r>
                       <a:r>
                         <a:rPr lang="en-US" sz="1200" b="0" baseline="0" dirty="0" smtClean="0"/>
-                        <a:t> </a:t>
-                      </a:r>
-                      <a:r>
-                        <a:rPr lang="en-US" sz="1200" b="0" baseline="0" dirty="0" smtClean="0"/>
-                        <a:t>Rate</a:t>
+                        <a:t> Rate</a:t>
                       </a:r>
                       <a:endParaRPr lang="en-US" sz="1200" b="0" dirty="0"/>
                     </a:p>
@@ -9639,11 +9545,7 @@
                       </a:r>
                       <a:r>
                         <a:rPr lang="en-US" sz="1200" b="0" baseline="0" dirty="0" smtClean="0"/>
-                        <a:t> Time </a:t>
-                      </a:r>
-                      <a:r>
-                        <a:rPr lang="en-US" sz="1200" b="0" baseline="0" dirty="0" smtClean="0"/>
-                        <a:t>Cost</a:t>
+                        <a:t> Time Cost</a:t>
                       </a:r>
                       <a:endParaRPr lang="en-US" sz="1200" b="0" dirty="0"/>
                     </a:p>
@@ -9728,11 +9630,7 @@
                       </a:r>
                       <a:r>
                         <a:rPr lang="en-US" sz="1200" b="0" baseline="0" dirty="0" smtClean="0"/>
-                        <a:t> Travel Dist</a:t>
-                      </a:r>
-                      <a:r>
-                        <a:rPr lang="en-US" sz="1200" b="0" baseline="0" dirty="0" smtClean="0"/>
-                        <a:t>.</a:t>
+                        <a:t> Travel Dist.</a:t>
                       </a:r>
                       <a:endParaRPr lang="en-US" sz="1200" b="0" dirty="0"/>
                     </a:p>
@@ -10098,11 +9996,7 @@
                       <a:pPr algn="ctr"/>
                       <a:r>
                         <a:rPr lang="en-US" sz="1200" b="0" dirty="0" smtClean="0"/>
-                        <a:t>Edge Cover </a:t>
-                      </a:r>
-                      <a:r>
-                        <a:rPr lang="en-US" sz="1200" b="0" dirty="0" smtClean="0"/>
-                        <a:t>Rate</a:t>
+                        <a:t>Edge Cover Rate</a:t>
                       </a:r>
                       <a:endParaRPr lang="en-US" sz="1200" b="0" dirty="0"/>
                     </a:p>
@@ -10219,11 +10113,7 @@
                       </a:r>
                       <a:r>
                         <a:rPr lang="en-US" sz="1200" b="0" baseline="0" dirty="0" smtClean="0"/>
-                        <a:t> </a:t>
-                      </a:r>
-                      <a:r>
-                        <a:rPr lang="en-US" sz="1200" b="0" baseline="0" dirty="0" smtClean="0"/>
-                        <a:t>Rate</a:t>
+                        <a:t> Rate</a:t>
                       </a:r>
                       <a:endParaRPr lang="en-US" sz="1200" b="0" dirty="0"/>
                     </a:p>
@@ -10634,11 +10524,7 @@
           <a:p>
             <a:r>
               <a:rPr lang="en-US" dirty="0" smtClean="0"/>
-              <a:t>Result – </a:t>
-            </a:r>
-            <a:r>
-              <a:rPr lang="en-US" dirty="0" smtClean="0"/>
-              <a:t>Evening</a:t>
+              <a:t>Result – Evening</a:t>
             </a:r>
             <a:endParaRPr lang="en-US" dirty="0"/>
           </a:p>
@@ -10883,11 +10769,7 @@
                       </a:r>
                       <a:r>
                         <a:rPr lang="en-US" sz="1200" b="0" baseline="0" dirty="0" smtClean="0"/>
-                        <a:t> Left on </a:t>
-                      </a:r>
-                      <a:r>
-                        <a:rPr lang="en-US" sz="1200" b="0" baseline="0" dirty="0" smtClean="0"/>
-                        <a:t>Map</a:t>
+                        <a:t> Left on Map</a:t>
                       </a:r>
                       <a:endParaRPr lang="en-US" sz="1200" b="0" dirty="0"/>
                     </a:p>
@@ -10964,11 +10846,7 @@
                       </a:r>
                       <a:r>
                         <a:rPr lang="en-US" sz="1200" b="0" baseline="0" dirty="0" smtClean="0"/>
-                        <a:t> </a:t>
-                      </a:r>
-                      <a:r>
-                        <a:rPr lang="en-US" sz="1200" b="0" baseline="0" dirty="0" smtClean="0"/>
-                        <a:t>Rate</a:t>
+                        <a:t> Rate</a:t>
                       </a:r>
                       <a:endParaRPr lang="en-US" sz="1200" b="0" dirty="0"/>
                     </a:p>
@@ -11045,11 +10923,7 @@
                       </a:r>
                       <a:r>
                         <a:rPr lang="en-US" sz="1200" b="0" baseline="0" dirty="0" smtClean="0"/>
-                        <a:t> Time </a:t>
-                      </a:r>
-                      <a:r>
-                        <a:rPr lang="en-US" sz="1200" b="0" baseline="0" dirty="0" smtClean="0"/>
-                        <a:t>Cost</a:t>
+                        <a:t> Time Cost</a:t>
                       </a:r>
                       <a:endParaRPr lang="en-US" sz="1200" b="0" dirty="0"/>
                     </a:p>
@@ -11134,11 +11008,7 @@
                       </a:r>
                       <a:r>
                         <a:rPr lang="en-US" sz="1200" b="0" baseline="0" dirty="0" smtClean="0"/>
-                        <a:t> Travel Dist</a:t>
-                      </a:r>
-                      <a:r>
-                        <a:rPr lang="en-US" sz="1200" b="0" baseline="0" dirty="0" smtClean="0"/>
-                        <a:t>.</a:t>
+                        <a:t> Travel Dist.</a:t>
                       </a:r>
                       <a:endParaRPr lang="en-US" sz="1200" b="0" dirty="0"/>
                     </a:p>
@@ -11504,11 +11374,7 @@
                       <a:pPr algn="ctr"/>
                       <a:r>
                         <a:rPr lang="en-US" sz="1200" b="0" dirty="0" smtClean="0"/>
-                        <a:t>Edge Cover </a:t>
-                      </a:r>
-                      <a:r>
-                        <a:rPr lang="en-US" sz="1200" b="0" dirty="0" smtClean="0"/>
-                        <a:t>Rate</a:t>
+                        <a:t>Edge Cover Rate</a:t>
                       </a:r>
                       <a:endParaRPr lang="en-US" sz="1200" b="0" dirty="0"/>
                     </a:p>
@@ -11625,11 +11491,7 @@
                       </a:r>
                       <a:r>
                         <a:rPr lang="en-US" sz="1200" b="0" baseline="0" dirty="0" smtClean="0"/>
-                        <a:t> </a:t>
-                      </a:r>
-                      <a:r>
-                        <a:rPr lang="en-US" sz="1200" b="0" baseline="0" dirty="0" smtClean="0"/>
-                        <a:t>Rate</a:t>
+                        <a:t> Rate</a:t>
                       </a:r>
                       <a:endParaRPr lang="en-US" sz="1200" b="0" dirty="0"/>
                     </a:p>
@@ -12041,19 +11903,7 @@
             <a:pPr algn="r"/>
             <a:r>
               <a:rPr lang="en-US" dirty="0" smtClean="0"/>
-              <a:t>Conclusion </a:t>
-            </a:r>
-            <a:r>
-              <a:rPr lang="en-US" dirty="0" smtClean="0"/>
-              <a:t>&amp; </a:t>
-            </a:r>
-            <a:r>
-              <a:rPr lang="en-US" dirty="0" smtClean="0"/>
-              <a:t>Future </a:t>
-            </a:r>
-            <a:r>
-              <a:rPr lang="en-US" dirty="0" smtClean="0"/>
-              <a:t>Work</a:t>
+              <a:t>Conclusion &amp; Future Work</a:t>
             </a:r>
             <a:endParaRPr lang="en-US" dirty="0"/>
           </a:p>
@@ -12334,11 +12184,7 @@
             </a:r>
             <a:r>
               <a:rPr lang="en-US" dirty="0" smtClean="0"/>
-              <a:t> </a:t>
-            </a:r>
-            <a:r>
-              <a:rPr lang="en-US" dirty="0" smtClean="0"/>
-              <a:t>Objectives</a:t>
+              <a:t> Objectives</a:t>
             </a:r>
             <a:endParaRPr lang="en-US" dirty="0"/>
           </a:p>
